--- a/Komplikationen_Magenbypass.pptx
+++ b/Komplikationen_Magenbypass.pptx
@@ -29,6 +29,7 @@
     <p:sldId id="277" r:id="rId28"/>
     <p:sldId id="278" r:id="rId29"/>
     <p:sldId id="279" r:id="rId30"/>
+    <p:sldId id="280" r:id="rId31"/>
   </p:sldIdLst>
   <p:sldSz cx="9144000" cy="6858000" type="screen4x3"/>
   <p:notesSz cx="6858000" cy="9144000"/>
@@ -3224,6 +3225,274 @@
           </a:p>
         </p:txBody>
       </p:sp>
+      <p:sp>
+        <p:nvSpPr>
+          <p:cNvPr id="5" name="Oval 4"/>
+          <p:cNvSpPr/>
+          <p:nvPr/>
+        </p:nvSpPr>
+        <p:spPr>
+          <a:xfrm>
+            <a:off x="6858000" y="4754880"/>
+            <a:ext cx="329184" cy="438912"/>
+          </a:xfrm>
+          <a:prstGeom prst="ellipse">
+            <a:avLst/>
+          </a:prstGeom>
+          <a:solidFill>
+            <a:srgbClr val="FFB6C1"/>
+          </a:solidFill>
+          <a:ln w="25400">
+            <a:solidFill>
+              <a:srgbClr val="B45050"/>
+            </a:solidFill>
+          </a:ln>
+        </p:spPr>
+        <p:style>
+          <a:lnRef idx="1">
+            <a:schemeClr val="accent1"/>
+          </a:lnRef>
+          <a:fillRef idx="3">
+            <a:schemeClr val="accent1"/>
+          </a:fillRef>
+          <a:effectRef idx="2">
+            <a:schemeClr val="accent1"/>
+          </a:effectRef>
+          <a:fontRef idx="minor">
+            <a:schemeClr val="lt1"/>
+          </a:fontRef>
+        </p:style>
+        <p:txBody>
+          <a:bodyPr rtlCol="0" anchor="ctr"/>
+          <a:lstStyle/>
+          <a:p>
+            <a:pPr algn="ctr"/>
+          </a:p>
+        </p:txBody>
+      </p:sp>
+      <p:sp>
+        <p:nvSpPr>
+          <p:cNvPr id="6" name="Oval 5"/>
+          <p:cNvSpPr/>
+          <p:nvPr/>
+        </p:nvSpPr>
+        <p:spPr>
+          <a:xfrm>
+            <a:off x="7296912" y="4919472"/>
+            <a:ext cx="548640" cy="768096"/>
+          </a:xfrm>
+          <a:prstGeom prst="ellipse">
+            <a:avLst/>
+          </a:prstGeom>
+          <a:solidFill>
+            <a:srgbClr val="C8C8C8"/>
+          </a:solidFill>
+          <a:ln w="12700">
+            <a:solidFill>
+              <a:srgbClr val="969696"/>
+            </a:solidFill>
+          </a:ln>
+        </p:spPr>
+        <p:style>
+          <a:lnRef idx="1">
+            <a:schemeClr val="accent1"/>
+          </a:lnRef>
+          <a:fillRef idx="3">
+            <a:schemeClr val="accent1"/>
+          </a:fillRef>
+          <a:effectRef idx="2">
+            <a:schemeClr val="accent1"/>
+          </a:effectRef>
+          <a:fontRef idx="minor">
+            <a:schemeClr val="lt1"/>
+          </a:fontRef>
+        </p:style>
+        <p:txBody>
+          <a:bodyPr rtlCol="0" anchor="ctr"/>
+          <a:lstStyle/>
+          <a:p>
+            <a:pPr algn="ctr"/>
+          </a:p>
+        </p:txBody>
+      </p:sp>
+      <p:sp>
+        <p:nvSpPr>
+          <p:cNvPr id="7" name="Rounded Rectangle 6"/>
+          <p:cNvSpPr/>
+          <p:nvPr/>
+        </p:nvSpPr>
+        <p:spPr>
+          <a:xfrm>
+            <a:off x="6940296" y="5138928"/>
+            <a:ext cx="164592" cy="822959"/>
+          </a:xfrm>
+          <a:prstGeom prst="roundRect">
+            <a:avLst/>
+          </a:prstGeom>
+          <a:solidFill>
+            <a:srgbClr val="FFDAB9"/>
+          </a:solidFill>
+          <a:ln w="12700">
+            <a:solidFill>
+              <a:srgbClr val="B47850"/>
+            </a:solidFill>
+          </a:ln>
+        </p:spPr>
+        <p:style>
+          <a:lnRef idx="1">
+            <a:schemeClr val="accent1"/>
+          </a:lnRef>
+          <a:fillRef idx="3">
+            <a:schemeClr val="accent1"/>
+          </a:fillRef>
+          <a:effectRef idx="2">
+            <a:schemeClr val="accent1"/>
+          </a:effectRef>
+          <a:fontRef idx="minor">
+            <a:schemeClr val="lt1"/>
+          </a:fontRef>
+        </p:style>
+        <p:txBody>
+          <a:bodyPr rtlCol="0" anchor="ctr"/>
+          <a:lstStyle/>
+          <a:p>
+            <a:pPr algn="ctr"/>
+          </a:p>
+        </p:txBody>
+      </p:sp>
+      <p:sp>
+        <p:nvSpPr>
+          <p:cNvPr id="8" name="Rounded Rectangle 7"/>
+          <p:cNvSpPr/>
+          <p:nvPr/>
+        </p:nvSpPr>
+        <p:spPr>
+          <a:xfrm>
+            <a:off x="7406640" y="5632704"/>
+            <a:ext cx="164592" cy="548640"/>
+          </a:xfrm>
+          <a:prstGeom prst="roundRect">
+            <a:avLst/>
+          </a:prstGeom>
+          <a:solidFill>
+            <a:srgbClr val="FFDAB9"/>
+          </a:solidFill>
+          <a:ln w="12700">
+            <a:solidFill>
+              <a:srgbClr val="B47850"/>
+            </a:solidFill>
+          </a:ln>
+        </p:spPr>
+        <p:style>
+          <a:lnRef idx="1">
+            <a:schemeClr val="accent1"/>
+          </a:lnRef>
+          <a:fillRef idx="3">
+            <a:schemeClr val="accent1"/>
+          </a:fillRef>
+          <a:effectRef idx="2">
+            <a:schemeClr val="accent1"/>
+          </a:effectRef>
+          <a:fontRef idx="minor">
+            <a:schemeClr val="lt1"/>
+          </a:fontRef>
+        </p:style>
+        <p:txBody>
+          <a:bodyPr rtlCol="0" anchor="ctr"/>
+          <a:lstStyle/>
+          <a:p>
+            <a:pPr algn="ctr"/>
+          </a:p>
+        </p:txBody>
+      </p:sp>
+      <p:sp>
+        <p:nvSpPr>
+          <p:cNvPr id="9" name="Rounded Rectangle 8"/>
+          <p:cNvSpPr/>
+          <p:nvPr/>
+        </p:nvSpPr>
+        <p:spPr>
+          <a:xfrm>
+            <a:off x="7132320" y="5907024"/>
+            <a:ext cx="164592" cy="438912"/>
+          </a:xfrm>
+          <a:prstGeom prst="roundRect">
+            <a:avLst/>
+          </a:prstGeom>
+          <a:solidFill>
+            <a:srgbClr val="FFDAB9"/>
+          </a:solidFill>
+          <a:ln w="12700">
+            <a:solidFill>
+              <a:srgbClr val="B47850"/>
+            </a:solidFill>
+          </a:ln>
+        </p:spPr>
+        <p:style>
+          <a:lnRef idx="1">
+            <a:schemeClr val="accent1"/>
+          </a:lnRef>
+          <a:fillRef idx="3">
+            <a:schemeClr val="accent1"/>
+          </a:fillRef>
+          <a:effectRef idx="2">
+            <a:schemeClr val="accent1"/>
+          </a:effectRef>
+          <a:fontRef idx="minor">
+            <a:schemeClr val="lt1"/>
+          </a:fontRef>
+        </p:style>
+        <p:txBody>
+          <a:bodyPr rtlCol="0" anchor="ctr"/>
+          <a:lstStyle/>
+          <a:p>
+            <a:pPr algn="ctr"/>
+          </a:p>
+        </p:txBody>
+      </p:sp>
+      <p:sp>
+        <p:nvSpPr>
+          <p:cNvPr id="10" name="Oval 9"/>
+          <p:cNvSpPr/>
+          <p:nvPr/>
+        </p:nvSpPr>
+        <p:spPr>
+          <a:xfrm>
+            <a:off x="6967728" y="5111496"/>
+            <a:ext cx="109728" cy="109728"/>
+          </a:xfrm>
+          <a:prstGeom prst="ellipse">
+            <a:avLst/>
+          </a:prstGeom>
+          <a:solidFill>
+            <a:srgbClr val="DC3545"/>
+          </a:solidFill>
+          <a:ln>
+            <a:noFill/>
+          </a:ln>
+        </p:spPr>
+        <p:style>
+          <a:lnRef idx="1">
+            <a:schemeClr val="accent1"/>
+          </a:lnRef>
+          <a:fillRef idx="3">
+            <a:schemeClr val="accent1"/>
+          </a:fillRef>
+          <a:effectRef idx="2">
+            <a:schemeClr val="accent1"/>
+          </a:effectRef>
+          <a:fontRef idx="minor">
+            <a:schemeClr val="lt1"/>
+          </a:fontRef>
+        </p:style>
+        <p:txBody>
+          <a:bodyPr rtlCol="0" anchor="ctr"/>
+          <a:lstStyle/>
+          <a:p>
+            <a:pPr algn="ctr"/>
+          </a:p>
+        </p:txBody>
+      </p:sp>
     </p:spTree>
   </p:cSld>
   <p:clrMapOvr>
@@ -3251,13 +3520,13 @@
         <p:spPr>
           <a:xfrm>
             <a:off x="0" y="0"/>
-            <a:ext cx="9144000" cy="6858000"/>
+            <a:ext cx="9144000" cy="1097280"/>
           </a:xfrm>
           <a:prstGeom prst="rect">
             <a:avLst/>
           </a:prstGeom>
           <a:solidFill>
-            <a:srgbClr val="DC3545"/>
+            <a:srgbClr val="005293"/>
           </a:solidFill>
           <a:ln>
             <a:noFill/>
@@ -3293,8 +3562,8 @@
         </p:nvSpPr>
         <p:spPr>
           <a:xfrm>
-            <a:off x="457200" y="1828800"/>
-            <a:ext cx="8229600" cy="914400"/>
+            <a:off x="457200" y="274320"/>
+            <a:ext cx="8229600" cy="731520"/>
           </a:xfrm>
           <a:prstGeom prst="rect">
             <a:avLst/>
@@ -3307,29 +3576,74 @@
           </a:bodyPr>
           <a:lstStyle/>
           <a:p>
-            <a:pPr algn="ctr">
-              <a:defRPr sz="7200" b="1">
+            <a:pPr>
+              <a:defRPr sz="3200" b="1">
                 <a:solidFill>
                   <a:srgbClr val="FFFFFF"/>
                 </a:solidFill>
               </a:defRPr>
             </a:pPr>
             <a:r>
-              <a:t>02</a:t>
-            </a:r>
-          </a:p>
-        </p:txBody>
-      </p:sp>
-      <p:sp>
-        <p:nvSpPr>
-          <p:cNvPr id="4" name="TextBox 3"/>
+              <a:t>Infektiöse Komplikationen</a:t>
+            </a:r>
+          </a:p>
+        </p:txBody>
+      </p:sp>
+      <p:sp>
+        <p:nvSpPr>
+          <p:cNvPr id="4" name="Isosceles Triangle 3"/>
+          <p:cNvSpPr/>
+          <p:nvPr/>
+        </p:nvSpPr>
+        <p:spPr>
+          <a:xfrm>
+            <a:off x="8046720" y="1371600"/>
+            <a:ext cx="548640" cy="548640"/>
+          </a:xfrm>
+          <a:prstGeom prst="triangle">
+            <a:avLst/>
+          </a:prstGeom>
+          <a:solidFill>
+            <a:srgbClr val="FFC107"/>
+          </a:solidFill>
+          <a:ln w="25400">
+            <a:solidFill>
+              <a:srgbClr val="C89600"/>
+            </a:solidFill>
+          </a:ln>
+        </p:spPr>
+        <p:style>
+          <a:lnRef idx="1">
+            <a:schemeClr val="accent1"/>
+          </a:lnRef>
+          <a:fillRef idx="3">
+            <a:schemeClr val="accent1"/>
+          </a:fillRef>
+          <a:effectRef idx="2">
+            <a:schemeClr val="accent1"/>
+          </a:effectRef>
+          <a:fontRef idx="minor">
+            <a:schemeClr val="lt1"/>
+          </a:fontRef>
+        </p:style>
+        <p:txBody>
+          <a:bodyPr rtlCol="0" anchor="ctr"/>
+          <a:lstStyle/>
+          <a:p>
+            <a:pPr algn="ctr"/>
+          </a:p>
+        </p:txBody>
+      </p:sp>
+      <p:sp>
+        <p:nvSpPr>
+          <p:cNvPr id="5" name="TextBox 4"/>
           <p:cNvSpPr txBox="1"/>
           <p:nvPr/>
         </p:nvSpPr>
         <p:spPr>
           <a:xfrm>
-            <a:off x="457200" y="2926080"/>
-            <a:ext cx="8229600" cy="1371600"/>
+            <a:off x="8238744" y="1508760"/>
+            <a:ext cx="164592" cy="274320"/>
           </a:xfrm>
           <a:prstGeom prst="rect">
             <a:avLst/>
@@ -3343,14 +3657,142 @@
           <a:lstStyle/>
           <a:p>
             <a:pPr algn="ctr">
-              <a:defRPr sz="4000" b="1">
-                <a:solidFill>
-                  <a:srgbClr val="FFFFFF"/>
-                </a:solidFill>
-              </a:defRPr>
-            </a:pPr>
-            <a:r>
-              <a:t>Späte Komplikationen</a:t>
+              <a:defRPr sz="2100" b="1">
+                <a:solidFill>
+                  <a:srgbClr val="000000"/>
+                </a:solidFill>
+              </a:defRPr>
+            </a:pPr>
+            <a:r>
+              <a:t>!</a:t>
+            </a:r>
+          </a:p>
+        </p:txBody>
+      </p:sp>
+      <p:sp>
+        <p:nvSpPr>
+          <p:cNvPr id="6" name="TextBox 5"/>
+          <p:cNvSpPr txBox="1"/>
+          <p:nvPr/>
+        </p:nvSpPr>
+        <p:spPr>
+          <a:xfrm>
+            <a:off x="640080" y="1371600"/>
+            <a:ext cx="7132320" cy="5029200"/>
+          </a:xfrm>
+          <a:prstGeom prst="rect">
+            <a:avLst/>
+          </a:prstGeom>
+          <a:noFill/>
+        </p:spPr>
+        <p:txBody>
+          <a:bodyPr wrap="square">
+            <a:spAutoFit/>
+          </a:bodyPr>
+          <a:lstStyle/>
+          <a:p>
+            <a:pPr>
+              <a:spcAft>
+                <a:spcPts val="1200"/>
+              </a:spcAft>
+              <a:defRPr sz="2000">
+                <a:solidFill>
+                  <a:srgbClr val="333333"/>
+                </a:solidFill>
+              </a:defRPr>
+            </a:pPr>
+            <a:r>
+              <a:t>• Wundinfektion: 2-8% (seltener bei laparoskopischem Zugang)</a:t>
+            </a:r>
+          </a:p>
+          <a:p>
+            <a:pPr>
+              <a:spcAft>
+                <a:spcPts val="1200"/>
+              </a:spcAft>
+              <a:defRPr sz="2000">
+                <a:solidFill>
+                  <a:srgbClr val="333333"/>
+                </a:solidFill>
+              </a:defRPr>
+            </a:pPr>
+            <a:r>
+              <a:t>• Intraabdomineller Abszess: 1-2%</a:t>
+            </a:r>
+          </a:p>
+          <a:p>
+            <a:pPr>
+              <a:spcAft>
+                <a:spcPts val="1200"/>
+              </a:spcAft>
+              <a:defRPr sz="2000">
+                <a:solidFill>
+                  <a:srgbClr val="333333"/>
+                </a:solidFill>
+              </a:defRPr>
+            </a:pPr>
+            <a:r>
+              <a:t>• Pneumonie: 0,5-2% (Atelektase als Vorstufe)</a:t>
+            </a:r>
+          </a:p>
+          <a:p>
+            <a:pPr>
+              <a:spcAft>
+                <a:spcPts val="1200"/>
+              </a:spcAft>
+              <a:defRPr sz="2000">
+                <a:solidFill>
+                  <a:srgbClr val="333333"/>
+                </a:solidFill>
+              </a:defRPr>
+            </a:pPr>
+            <a:r>
+              <a:t>• Risikofaktoren: Diabetes, Immunsuppression, lange OP-Dauer</a:t>
+            </a:r>
+          </a:p>
+          <a:p>
+            <a:pPr>
+              <a:spcAft>
+                <a:spcPts val="1200"/>
+              </a:spcAft>
+              <a:defRPr sz="2000">
+                <a:solidFill>
+                  <a:srgbClr val="333333"/>
+                </a:solidFill>
+              </a:defRPr>
+            </a:pPr>
+            <a:r>
+              <a:t>• Prävention: Perioperative Antibiotikaprophylaxe</a:t>
+            </a:r>
+          </a:p>
+          <a:p>
+            <a:pPr>
+              <a:spcAft>
+                <a:spcPts val="1200"/>
+              </a:spcAft>
+              <a:defRPr sz="2000">
+                <a:solidFill>
+                  <a:srgbClr val="333333"/>
+                </a:solidFill>
+              </a:defRPr>
+            </a:pPr>
+            <a:r>
+              <a:t>• Wichtig: Gewichtsadaptierte Antibiotikadosierung!</a:t>
+            </a:r>
+          </a:p>
+          <a:p>
+            <a:pPr>
+              <a:spcAft>
+                <a:spcPts val="1200"/>
+              </a:spcAft>
+              <a:defRPr sz="2000">
+                <a:solidFill>
+                  <a:srgbClr val="333333"/>
+                </a:solidFill>
+              </a:defRPr>
+            </a:pPr>
+            <a:r>
+              <a:t>• Therapie: Antibiotika, Drainage, Wundpflege</a:t>
             </a:r>
           </a:p>
         </p:txBody>
@@ -3382,13 +3824,13 @@
         <p:spPr>
           <a:xfrm>
             <a:off x="0" y="0"/>
-            <a:ext cx="9144000" cy="1097280"/>
+            <a:ext cx="9144000" cy="6858000"/>
           </a:xfrm>
           <a:prstGeom prst="rect">
             <a:avLst/>
           </a:prstGeom>
           <a:solidFill>
-            <a:srgbClr val="005293"/>
+            <a:srgbClr val="DC3545"/>
           </a:solidFill>
           <a:ln>
             <a:noFill/>
@@ -3418,14 +3860,106 @@
       </p:sp>
       <p:sp>
         <p:nvSpPr>
-          <p:cNvPr id="3" name="TextBox 2"/>
+          <p:cNvPr id="3" name="Rectangle 2"/>
+          <p:cNvSpPr/>
+          <p:nvPr/>
+        </p:nvSpPr>
+        <p:spPr>
+          <a:xfrm>
+            <a:off x="7315200" y="5029200"/>
+            <a:ext cx="1097280" cy="365760"/>
+          </a:xfrm>
+          <a:prstGeom prst="rect">
+            <a:avLst/>
+          </a:prstGeom>
+          <a:solidFill>
+            <a:srgbClr val="FFFFFF">
+              <a:lumMod val="70000"/>
+              <a:lumOff val="30000"/>
+            </a:srgbClr>
+          </a:solidFill>
+          <a:ln>
+            <a:noFill/>
+          </a:ln>
+        </p:spPr>
+        <p:style>
+          <a:lnRef idx="1">
+            <a:schemeClr val="accent1"/>
+          </a:lnRef>
+          <a:fillRef idx="3">
+            <a:schemeClr val="accent1"/>
+          </a:fillRef>
+          <a:effectRef idx="2">
+            <a:schemeClr val="accent1"/>
+          </a:effectRef>
+          <a:fontRef idx="minor">
+            <a:schemeClr val="lt1"/>
+          </a:fontRef>
+        </p:style>
+        <p:txBody>
+          <a:bodyPr rtlCol="0" anchor="ctr"/>
+          <a:lstStyle/>
+          <a:p>
+            <a:pPr algn="ctr"/>
+          </a:p>
+        </p:txBody>
+      </p:sp>
+      <p:sp>
+        <p:nvSpPr>
+          <p:cNvPr id="4" name="Rectangle 3"/>
+          <p:cNvSpPr/>
+          <p:nvPr/>
+        </p:nvSpPr>
+        <p:spPr>
+          <a:xfrm>
+            <a:off x="7680960" y="4663440"/>
+            <a:ext cx="365760" cy="1097280"/>
+          </a:xfrm>
+          <a:prstGeom prst="rect">
+            <a:avLst/>
+          </a:prstGeom>
+          <a:solidFill>
+            <a:srgbClr val="FFFFFF">
+              <a:lumMod val="70000"/>
+              <a:lumOff val="30000"/>
+            </a:srgbClr>
+          </a:solidFill>
+          <a:ln>
+            <a:noFill/>
+          </a:ln>
+        </p:spPr>
+        <p:style>
+          <a:lnRef idx="1">
+            <a:schemeClr val="accent1"/>
+          </a:lnRef>
+          <a:fillRef idx="3">
+            <a:schemeClr val="accent1"/>
+          </a:fillRef>
+          <a:effectRef idx="2">
+            <a:schemeClr val="accent1"/>
+          </a:effectRef>
+          <a:fontRef idx="minor">
+            <a:schemeClr val="lt1"/>
+          </a:fontRef>
+        </p:style>
+        <p:txBody>
+          <a:bodyPr rtlCol="0" anchor="ctr"/>
+          <a:lstStyle/>
+          <a:p>
+            <a:pPr algn="ctr"/>
+          </a:p>
+        </p:txBody>
+      </p:sp>
+      <p:sp>
+        <p:nvSpPr>
+          <p:cNvPr id="5" name="TextBox 4"/>
           <p:cNvSpPr txBox="1"/>
           <p:nvPr/>
         </p:nvSpPr>
         <p:spPr>
           <a:xfrm>
-            <a:off x="457200" y="274320"/>
-            <a:ext cx="8229600" cy="731520"/>
+            <a:off x="457200" y="1828800"/>
+            <a:ext cx="8229600" cy="914400"/>
           </a:xfrm>
           <a:prstGeom prst="rect">
             <a:avLst/>
@@ -3438,29 +3972,29 @@
           </a:bodyPr>
           <a:lstStyle/>
           <a:p>
-            <a:pPr>
-              <a:defRPr sz="3200" b="1">
+            <a:pPr algn="ctr">
+              <a:defRPr sz="7200" b="1">
                 <a:solidFill>
                   <a:srgbClr val="FFFFFF"/>
                 </a:solidFill>
               </a:defRPr>
             </a:pPr>
             <a:r>
-              <a:t>Dumping-Syndrom</a:t>
-            </a:r>
-          </a:p>
-        </p:txBody>
-      </p:sp>
-      <p:sp>
-        <p:nvSpPr>
-          <p:cNvPr id="4" name="TextBox 3"/>
+              <a:t>02</a:t>
+            </a:r>
+          </a:p>
+        </p:txBody>
+      </p:sp>
+      <p:sp>
+        <p:nvSpPr>
+          <p:cNvPr id="6" name="TextBox 5"/>
           <p:cNvSpPr txBox="1"/>
           <p:nvPr/>
         </p:nvSpPr>
         <p:spPr>
           <a:xfrm>
-            <a:off x="457200" y="1371600"/>
-            <a:ext cx="3931920" cy="457200"/>
+            <a:off x="457200" y="2926080"/>
+            <a:ext cx="8229600" cy="1371600"/>
           </a:xfrm>
           <a:prstGeom prst="rect">
             <a:avLst/>
@@ -3473,216 +4007,15 @@
           </a:bodyPr>
           <a:lstStyle/>
           <a:p>
-            <a:pPr>
-              <a:defRPr sz="2200" b="1">
-                <a:solidFill>
-                  <a:srgbClr val="005293"/>
-                </a:solidFill>
-              </a:defRPr>
-            </a:pPr>
-            <a:r>
-              <a:t>Frühdumping (15-30 min)</a:t>
-            </a:r>
-          </a:p>
-        </p:txBody>
-      </p:sp>
-      <p:sp>
-        <p:nvSpPr>
-          <p:cNvPr id="5" name="TextBox 4"/>
-          <p:cNvSpPr txBox="1"/>
-          <p:nvPr/>
-        </p:nvSpPr>
-        <p:spPr>
-          <a:xfrm>
-            <a:off x="457200" y="1920240"/>
-            <a:ext cx="3931920" cy="4114800"/>
-          </a:xfrm>
-          <a:prstGeom prst="rect">
-            <a:avLst/>
-          </a:prstGeom>
-          <a:noFill/>
-        </p:spPr>
-        <p:txBody>
-          <a:bodyPr wrap="square">
-            <a:spAutoFit/>
-          </a:bodyPr>
-          <a:lstStyle/>
-          <a:p>
-            <a:pPr>
-              <a:spcAft>
-                <a:spcPts val="800"/>
-              </a:spcAft>
-              <a:defRPr sz="1600">
-                <a:solidFill>
-                  <a:srgbClr val="333333"/>
-                </a:solidFill>
-              </a:defRPr>
-            </a:pPr>
-            <a:r>
-              <a:t>• Übelkeit, Erbrechen, Krämpfe</a:t>
-            </a:r>
-          </a:p>
-          <a:p>
-            <a:pPr>
-              <a:spcAft>
-                <a:spcPts val="800"/>
-              </a:spcAft>
-              <a:defRPr sz="1600">
-                <a:solidFill>
-                  <a:srgbClr val="333333"/>
-                </a:solidFill>
-              </a:defRPr>
-            </a:pPr>
-            <a:r>
-              <a:t>• Diarrhoe, Blähungen</a:t>
-            </a:r>
-          </a:p>
-          <a:p>
-            <a:pPr>
-              <a:spcAft>
-                <a:spcPts val="800"/>
-              </a:spcAft>
-              <a:defRPr sz="1600">
-                <a:solidFill>
-                  <a:srgbClr val="333333"/>
-                </a:solidFill>
-              </a:defRPr>
-            </a:pPr>
-            <a:r>
-              <a:t>• Schwitzen, Tachykardie</a:t>
-            </a:r>
-          </a:p>
-          <a:p>
-            <a:pPr>
-              <a:spcAft>
-                <a:spcPts val="800"/>
-              </a:spcAft>
-              <a:defRPr sz="1600">
-                <a:solidFill>
-                  <a:srgbClr val="333333"/>
-                </a:solidFill>
-              </a:defRPr>
-            </a:pPr>
-            <a:r>
-              <a:t>• Ursache: Schnelle Magenentleerung</a:t>
-            </a:r>
-          </a:p>
-        </p:txBody>
-      </p:sp>
-      <p:sp>
-        <p:nvSpPr>
-          <p:cNvPr id="6" name="TextBox 5"/>
-          <p:cNvSpPr txBox="1"/>
-          <p:nvPr/>
-        </p:nvSpPr>
-        <p:spPr>
-          <a:xfrm>
-            <a:off x="4754880" y="1371600"/>
-            <a:ext cx="3931920" cy="457200"/>
-          </a:xfrm>
-          <a:prstGeom prst="rect">
-            <a:avLst/>
-          </a:prstGeom>
-          <a:noFill/>
-        </p:spPr>
-        <p:txBody>
-          <a:bodyPr wrap="none">
-            <a:spAutoFit/>
-          </a:bodyPr>
-          <a:lstStyle/>
-          <a:p>
-            <a:pPr>
-              <a:defRPr sz="2200" b="1">
-                <a:solidFill>
-                  <a:srgbClr val="DC3545"/>
-                </a:solidFill>
-              </a:defRPr>
-            </a:pPr>
-            <a:r>
-              <a:t>Spätdumping (1-3 Stunden)</a:t>
-            </a:r>
-          </a:p>
-        </p:txBody>
-      </p:sp>
-      <p:sp>
-        <p:nvSpPr>
-          <p:cNvPr id="7" name="TextBox 6"/>
-          <p:cNvSpPr txBox="1"/>
-          <p:nvPr/>
-        </p:nvSpPr>
-        <p:spPr>
-          <a:xfrm>
-            <a:off x="4754880" y="1920240"/>
-            <a:ext cx="3931920" cy="4114800"/>
-          </a:xfrm>
-          <a:prstGeom prst="rect">
-            <a:avLst/>
-          </a:prstGeom>
-          <a:noFill/>
-        </p:spPr>
-        <p:txBody>
-          <a:bodyPr wrap="square">
-            <a:spAutoFit/>
-          </a:bodyPr>
-          <a:lstStyle/>
-          <a:p>
-            <a:pPr>
-              <a:spcAft>
-                <a:spcPts val="800"/>
-              </a:spcAft>
-              <a:defRPr sz="1600">
-                <a:solidFill>
-                  <a:srgbClr val="333333"/>
-                </a:solidFill>
-              </a:defRPr>
-            </a:pPr>
-            <a:r>
-              <a:t>• Hypoglykämie</a:t>
-            </a:r>
-          </a:p>
-          <a:p>
-            <a:pPr>
-              <a:spcAft>
-                <a:spcPts val="800"/>
-              </a:spcAft>
-              <a:defRPr sz="1600">
-                <a:solidFill>
-                  <a:srgbClr val="333333"/>
-                </a:solidFill>
-              </a:defRPr>
-            </a:pPr>
-            <a:r>
-              <a:t>• Schwäche, Zittern</a:t>
-            </a:r>
-          </a:p>
-          <a:p>
-            <a:pPr>
-              <a:spcAft>
-                <a:spcPts val="800"/>
-              </a:spcAft>
-              <a:defRPr sz="1600">
-                <a:solidFill>
-                  <a:srgbClr val="333333"/>
-                </a:solidFill>
-              </a:defRPr>
-            </a:pPr>
-            <a:r>
-              <a:t>• Schweißausbrüche</a:t>
-            </a:r>
-          </a:p>
-          <a:p>
-            <a:pPr>
-              <a:spcAft>
-                <a:spcPts val="800"/>
-              </a:spcAft>
-              <a:defRPr sz="1600">
-                <a:solidFill>
-                  <a:srgbClr val="333333"/>
-                </a:solidFill>
-              </a:defRPr>
-            </a:pPr>
-            <a:r>
-              <a:t>• Ursache: Überschießende Insulinsekretion</a:t>
+            <a:pPr algn="ctr">
+              <a:defRPr sz="4000" b="1">
+                <a:solidFill>
+                  <a:srgbClr val="FFFFFF"/>
+                </a:solidFill>
+              </a:defRPr>
+            </a:pPr>
+            <a:r>
+              <a:t>Späte Komplikationen</a:t>
             </a:r>
           </a:p>
         </p:txBody>
@@ -3778,21 +4111,146 @@
               </a:defRPr>
             </a:pPr>
             <a:r>
-              <a:t>Management des Dumping-Syndroms</a:t>
-            </a:r>
-          </a:p>
-        </p:txBody>
-      </p:sp>
-      <p:sp>
-        <p:nvSpPr>
-          <p:cNvPr id="4" name="TextBox 3"/>
+              <a:t>Dumping-Syndrom</a:t>
+            </a:r>
+          </a:p>
+        </p:txBody>
+      </p:sp>
+      <p:sp>
+        <p:nvSpPr>
+          <p:cNvPr id="4" name="Rounded Rectangle 3"/>
+          <p:cNvSpPr/>
+          <p:nvPr/>
+        </p:nvSpPr>
+        <p:spPr>
+          <a:xfrm>
+            <a:off x="365760" y="1280160"/>
+            <a:ext cx="4114800" cy="4754880"/>
+          </a:xfrm>
+          <a:prstGeom prst="roundRect">
+            <a:avLst/>
+          </a:prstGeom>
+          <a:solidFill>
+            <a:srgbClr val="F0F8FF"/>
+          </a:solidFill>
+          <a:ln w="12700">
+            <a:solidFill>
+              <a:srgbClr val="005293"/>
+            </a:solidFill>
+          </a:ln>
+        </p:spPr>
+        <p:style>
+          <a:lnRef idx="1">
+            <a:schemeClr val="accent1"/>
+          </a:lnRef>
+          <a:fillRef idx="3">
+            <a:schemeClr val="accent1"/>
+          </a:fillRef>
+          <a:effectRef idx="2">
+            <a:schemeClr val="accent1"/>
+          </a:effectRef>
+          <a:fontRef idx="minor">
+            <a:schemeClr val="lt1"/>
+          </a:fontRef>
+        </p:style>
+        <p:txBody>
+          <a:bodyPr rtlCol="0" anchor="ctr"/>
+          <a:lstStyle/>
+          <a:p>
+            <a:pPr algn="ctr"/>
+          </a:p>
+        </p:txBody>
+      </p:sp>
+      <p:sp>
+        <p:nvSpPr>
+          <p:cNvPr id="5" name="Rounded Rectangle 4"/>
+          <p:cNvSpPr/>
+          <p:nvPr/>
+        </p:nvSpPr>
+        <p:spPr>
+          <a:xfrm>
+            <a:off x="4663440" y="1280160"/>
+            <a:ext cx="4114800" cy="4754880"/>
+          </a:xfrm>
+          <a:prstGeom prst="roundRect">
+            <a:avLst/>
+          </a:prstGeom>
+          <a:solidFill>
+            <a:srgbClr val="FFF5F5"/>
+          </a:solidFill>
+          <a:ln w="12700">
+            <a:solidFill>
+              <a:srgbClr val="DC3545"/>
+            </a:solidFill>
+          </a:ln>
+        </p:spPr>
+        <p:style>
+          <a:lnRef idx="1">
+            <a:schemeClr val="accent1"/>
+          </a:lnRef>
+          <a:fillRef idx="3">
+            <a:schemeClr val="accent1"/>
+          </a:fillRef>
+          <a:effectRef idx="2">
+            <a:schemeClr val="accent1"/>
+          </a:effectRef>
+          <a:fontRef idx="minor">
+            <a:schemeClr val="lt1"/>
+          </a:fontRef>
+        </p:style>
+        <p:txBody>
+          <a:bodyPr rtlCol="0" anchor="ctr"/>
+          <a:lstStyle/>
+          <a:p>
+            <a:pPr algn="ctr"/>
+          </a:p>
+        </p:txBody>
+      </p:sp>
+      <p:sp>
+        <p:nvSpPr>
+          <p:cNvPr id="6" name="TextBox 5"/>
           <p:cNvSpPr txBox="1"/>
           <p:nvPr/>
         </p:nvSpPr>
         <p:spPr>
           <a:xfrm>
-            <a:off x="640080" y="1371600"/>
-            <a:ext cx="7863840" cy="5029200"/>
+            <a:off x="548640" y="1463040"/>
+            <a:ext cx="3749039" cy="457200"/>
+          </a:xfrm>
+          <a:prstGeom prst="rect">
+            <a:avLst/>
+          </a:prstGeom>
+          <a:noFill/>
+        </p:spPr>
+        <p:txBody>
+          <a:bodyPr wrap="none">
+            <a:spAutoFit/>
+          </a:bodyPr>
+          <a:lstStyle/>
+          <a:p>
+            <a:pPr>
+              <a:defRPr sz="2000" b="1">
+                <a:solidFill>
+                  <a:srgbClr val="005293"/>
+                </a:solidFill>
+              </a:defRPr>
+            </a:pPr>
+            <a:r>
+              <a:t>Frühdumping (15-30 min)</a:t>
+            </a:r>
+          </a:p>
+        </p:txBody>
+      </p:sp>
+      <p:sp>
+        <p:nvSpPr>
+          <p:cNvPr id="7" name="TextBox 6"/>
+          <p:cNvSpPr txBox="1"/>
+          <p:nvPr/>
+        </p:nvSpPr>
+        <p:spPr>
+          <a:xfrm>
+            <a:off x="548640" y="2011680"/>
+            <a:ext cx="3749039" cy="3840480"/>
           </a:xfrm>
           <a:prstGeom prst="rect">
             <a:avLst/>
@@ -3807,91 +4265,209 @@
           <a:p>
             <a:pPr>
               <a:spcAft>
-                <a:spcPts val="1200"/>
+                <a:spcPts val="800"/>
               </a:spcAft>
-              <a:defRPr sz="2000">
+              <a:defRPr sz="1500">
                 <a:solidFill>
                   <a:srgbClr val="333333"/>
                 </a:solidFill>
               </a:defRPr>
             </a:pPr>
             <a:r>
-              <a:t>• Prävalenz: 20-50% der Bypass-Patienten</a:t>
+              <a:t>• Übelkeit, Erbrechen, Krämpfe</a:t>
             </a:r>
           </a:p>
           <a:p>
             <a:pPr>
               <a:spcAft>
-                <a:spcPts val="1200"/>
+                <a:spcPts val="800"/>
               </a:spcAft>
-              <a:defRPr sz="2000">
+              <a:defRPr sz="1500">
                 <a:solidFill>
                   <a:srgbClr val="333333"/>
                 </a:solidFill>
               </a:defRPr>
             </a:pPr>
             <a:r>
-              <a:t>• Ernährungsmodifikation ist Therapie der ersten Wahl</a:t>
+              <a:t>• Diarrhoe, Blähungen</a:t>
             </a:r>
           </a:p>
           <a:p>
             <a:pPr>
               <a:spcAft>
-                <a:spcPts val="1200"/>
+                <a:spcPts val="800"/>
               </a:spcAft>
-              <a:defRPr sz="2000">
+              <a:defRPr sz="1500">
                 <a:solidFill>
                   <a:srgbClr val="333333"/>
                 </a:solidFill>
               </a:defRPr>
             </a:pPr>
             <a:r>
-              <a:t>• Kleine, häufige Mahlzeiten (5-6 pro Tag)</a:t>
+              <a:t>• Schwitzen, Tachykardie, Flush</a:t>
             </a:r>
           </a:p>
           <a:p>
             <a:pPr>
               <a:spcAft>
-                <a:spcPts val="1200"/>
+                <a:spcPts val="800"/>
               </a:spcAft>
-              <a:defRPr sz="2000">
+              <a:defRPr sz="1500">
                 <a:solidFill>
                   <a:srgbClr val="333333"/>
                 </a:solidFill>
               </a:defRPr>
             </a:pPr>
             <a:r>
-              <a:t>• Reduktion von Einfachzuckern und raffinierten Kohlenhydraten</a:t>
+              <a:t>• Hypotonie, Schwindel</a:t>
             </a:r>
           </a:p>
           <a:p>
             <a:pPr>
               <a:spcAft>
-                <a:spcPts val="1200"/>
+                <a:spcPts val="800"/>
               </a:spcAft>
-              <a:defRPr sz="2000">
+              <a:defRPr sz="1500">
                 <a:solidFill>
                   <a:srgbClr val="333333"/>
                 </a:solidFill>
               </a:defRPr>
             </a:pPr>
             <a:r>
-              <a:t>• Trennung von Essen und Trinken (30 min Abstand)</a:t>
-            </a:r>
-          </a:p>
+              <a:t>• Ursache: Osmotische Flüssigkeitsverschiebung</a:t>
+            </a:r>
+          </a:p>
+        </p:txBody>
+      </p:sp>
+      <p:sp>
+        <p:nvSpPr>
+          <p:cNvPr id="8" name="TextBox 7"/>
+          <p:cNvSpPr txBox="1"/>
+          <p:nvPr/>
+        </p:nvSpPr>
+        <p:spPr>
+          <a:xfrm>
+            <a:off x="4846320" y="1463040"/>
+            <a:ext cx="3749039" cy="457200"/>
+          </a:xfrm>
+          <a:prstGeom prst="rect">
+            <a:avLst/>
+          </a:prstGeom>
+          <a:noFill/>
+        </p:spPr>
+        <p:txBody>
+          <a:bodyPr wrap="none">
+            <a:spAutoFit/>
+          </a:bodyPr>
+          <a:lstStyle/>
+          <a:p>
+            <a:pPr>
+              <a:defRPr sz="2000" b="1">
+                <a:solidFill>
+                  <a:srgbClr val="DC3545"/>
+                </a:solidFill>
+              </a:defRPr>
+            </a:pPr>
+            <a:r>
+              <a:t>Spätdumping (1-3 Stunden)</a:t>
+            </a:r>
+          </a:p>
+        </p:txBody>
+      </p:sp>
+      <p:sp>
+        <p:nvSpPr>
+          <p:cNvPr id="9" name="TextBox 8"/>
+          <p:cNvSpPr txBox="1"/>
+          <p:nvPr/>
+        </p:nvSpPr>
+        <p:spPr>
+          <a:xfrm>
+            <a:off x="4846320" y="2011680"/>
+            <a:ext cx="3749039" cy="3840480"/>
+          </a:xfrm>
+          <a:prstGeom prst="rect">
+            <a:avLst/>
+          </a:prstGeom>
+          <a:noFill/>
+        </p:spPr>
+        <p:txBody>
+          <a:bodyPr wrap="square">
+            <a:spAutoFit/>
+          </a:bodyPr>
+          <a:lstStyle/>
           <a:p>
             <a:pPr>
               <a:spcAft>
-                <a:spcPts val="1200"/>
+                <a:spcPts val="800"/>
               </a:spcAft>
-              <a:defRPr sz="2000">
+              <a:defRPr sz="1500">
                 <a:solidFill>
                   <a:srgbClr val="333333"/>
                 </a:solidFill>
               </a:defRPr>
             </a:pPr>
             <a:r>
-              <a:t>• Medikamentös: Acarbose, Octreotid bei therapierefraktären Fällen</a:t>
+              <a:t>• Reaktive Hypoglykämie</a:t>
+            </a:r>
+          </a:p>
+          <a:p>
+            <a:pPr>
+              <a:spcAft>
+                <a:spcPts val="800"/>
+              </a:spcAft>
+              <a:defRPr sz="1500">
+                <a:solidFill>
+                  <a:srgbClr val="333333"/>
+                </a:solidFill>
+              </a:defRPr>
+            </a:pPr>
+            <a:r>
+              <a:t>• Schwäche, Zittern, Hunger</a:t>
+            </a:r>
+          </a:p>
+          <a:p>
+            <a:pPr>
+              <a:spcAft>
+                <a:spcPts val="800"/>
+              </a:spcAft>
+              <a:defRPr sz="1500">
+                <a:solidFill>
+                  <a:srgbClr val="333333"/>
+                </a:solidFill>
+              </a:defRPr>
+            </a:pPr>
+            <a:r>
+              <a:t>• Schweißausbrüche, Verwirrtheit</a:t>
+            </a:r>
+          </a:p>
+          <a:p>
+            <a:pPr>
+              <a:spcAft>
+                <a:spcPts val="800"/>
+              </a:spcAft>
+              <a:defRPr sz="1500">
+                <a:solidFill>
+                  <a:srgbClr val="333333"/>
+                </a:solidFill>
+              </a:defRPr>
+            </a:pPr>
+            <a:r>
+              <a:t>• Konzentrationsstörungen</a:t>
+            </a:r>
+          </a:p>
+          <a:p>
+            <a:pPr>
+              <a:spcAft>
+                <a:spcPts val="800"/>
+              </a:spcAft>
+              <a:defRPr sz="1500">
+                <a:solidFill>
+                  <a:srgbClr val="333333"/>
+                </a:solidFill>
+              </a:defRPr>
+            </a:pPr>
+            <a:r>
+              <a:t>• Ursache: Überschießende Insulinsekretion</a:t>
             </a:r>
           </a:p>
         </p:txBody>
@@ -3923,13 +4499,13 @@
         <p:spPr>
           <a:xfrm>
             <a:off x="0" y="0"/>
-            <a:ext cx="9144000" cy="6858000"/>
+            <a:ext cx="9144000" cy="1097280"/>
           </a:xfrm>
           <a:prstGeom prst="rect">
             <a:avLst/>
           </a:prstGeom>
           <a:solidFill>
-            <a:srgbClr val="DC3545"/>
+            <a:srgbClr val="005293"/>
           </a:solidFill>
           <a:ln>
             <a:noFill/>
@@ -3965,8 +4541,8 @@
         </p:nvSpPr>
         <p:spPr>
           <a:xfrm>
-            <a:off x="457200" y="1828800"/>
-            <a:ext cx="8229600" cy="914400"/>
+            <a:off x="457200" y="274320"/>
+            <a:ext cx="8229600" cy="731520"/>
           </a:xfrm>
           <a:prstGeom prst="rect">
             <a:avLst/>
@@ -3979,29 +4555,117 @@
           </a:bodyPr>
           <a:lstStyle/>
           <a:p>
-            <a:pPr algn="ctr">
-              <a:defRPr sz="7200" b="1">
+            <a:pPr>
+              <a:defRPr sz="3200" b="1">
                 <a:solidFill>
                   <a:srgbClr val="FFFFFF"/>
                 </a:solidFill>
               </a:defRPr>
             </a:pPr>
             <a:r>
-              <a:t>03</a:t>
-            </a:r>
-          </a:p>
-        </p:txBody>
-      </p:sp>
-      <p:sp>
-        <p:nvSpPr>
-          <p:cNvPr id="4" name="TextBox 3"/>
+              <a:t>Management des Dumping-Syndroms</a:t>
+            </a:r>
+          </a:p>
+        </p:txBody>
+      </p:sp>
+      <p:sp>
+        <p:nvSpPr>
+          <p:cNvPr id="4" name="Rounded Rectangle 3"/>
+          <p:cNvSpPr/>
+          <p:nvPr/>
+        </p:nvSpPr>
+        <p:spPr>
+          <a:xfrm>
+            <a:off x="7772400" y="1463040"/>
+            <a:ext cx="822959" cy="329184"/>
+          </a:xfrm>
+          <a:prstGeom prst="roundRect">
+            <a:avLst/>
+          </a:prstGeom>
+          <a:solidFill>
+            <a:srgbClr val="64B464"/>
+          </a:solidFill>
+          <a:ln w="12700">
+            <a:solidFill>
+              <a:srgbClr val="3C783C"/>
+            </a:solidFill>
+          </a:ln>
+        </p:spPr>
+        <p:style>
+          <a:lnRef idx="1">
+            <a:schemeClr val="accent1"/>
+          </a:lnRef>
+          <a:fillRef idx="3">
+            <a:schemeClr val="accent1"/>
+          </a:fillRef>
+          <a:effectRef idx="2">
+            <a:schemeClr val="accent1"/>
+          </a:effectRef>
+          <a:fontRef idx="minor">
+            <a:schemeClr val="lt1"/>
+          </a:fontRef>
+        </p:style>
+        <p:txBody>
+          <a:bodyPr rtlCol="0" anchor="ctr"/>
+          <a:lstStyle/>
+          <a:p>
+            <a:pPr algn="ctr"/>
+          </a:p>
+        </p:txBody>
+      </p:sp>
+      <p:sp>
+        <p:nvSpPr>
+          <p:cNvPr id="5" name="Rectangle 4"/>
+          <p:cNvSpPr/>
+          <p:nvPr/>
+        </p:nvSpPr>
+        <p:spPr>
+          <a:xfrm>
+            <a:off x="8183879" y="1463040"/>
+            <a:ext cx="411479" cy="329184"/>
+          </a:xfrm>
+          <a:prstGeom prst="rect">
+            <a:avLst/>
+          </a:prstGeom>
+          <a:solidFill>
+            <a:srgbClr val="FFFFFF"/>
+          </a:solidFill>
+          <a:ln>
+            <a:noFill/>
+          </a:ln>
+        </p:spPr>
+        <p:style>
+          <a:lnRef idx="1">
+            <a:schemeClr val="accent1"/>
+          </a:lnRef>
+          <a:fillRef idx="3">
+            <a:schemeClr val="accent1"/>
+          </a:fillRef>
+          <a:effectRef idx="2">
+            <a:schemeClr val="accent1"/>
+          </a:effectRef>
+          <a:fontRef idx="minor">
+            <a:schemeClr val="lt1"/>
+          </a:fontRef>
+        </p:style>
+        <p:txBody>
+          <a:bodyPr rtlCol="0" anchor="ctr"/>
+          <a:lstStyle/>
+          <a:p>
+            <a:pPr algn="ctr"/>
+          </a:p>
+        </p:txBody>
+      </p:sp>
+      <p:sp>
+        <p:nvSpPr>
+          <p:cNvPr id="6" name="TextBox 5"/>
           <p:cNvSpPr txBox="1"/>
           <p:nvPr/>
         </p:nvSpPr>
         <p:spPr>
           <a:xfrm>
-            <a:off x="457200" y="2926080"/>
-            <a:ext cx="8229600" cy="1371600"/>
+            <a:off x="640080" y="1371600"/>
+            <a:ext cx="7132320" cy="5029200"/>
           </a:xfrm>
           <a:prstGeom prst="rect">
             <a:avLst/>
@@ -4009,20 +4673,128 @@
           <a:noFill/>
         </p:spPr>
         <p:txBody>
-          <a:bodyPr wrap="none">
+          <a:bodyPr wrap="square">
             <a:spAutoFit/>
           </a:bodyPr>
           <a:lstStyle/>
           <a:p>
-            <a:pPr algn="ctr">
-              <a:defRPr sz="4000" b="1">
-                <a:solidFill>
-                  <a:srgbClr val="FFFFFF"/>
-                </a:solidFill>
-              </a:defRPr>
-            </a:pPr>
-            <a:r>
-              <a:t>Ernährungsbedingte Mangelzustände</a:t>
+            <a:pPr>
+              <a:spcAft>
+                <a:spcPts val="1200"/>
+              </a:spcAft>
+              <a:defRPr sz="2000">
+                <a:solidFill>
+                  <a:srgbClr val="333333"/>
+                </a:solidFill>
+              </a:defRPr>
+            </a:pPr>
+            <a:r>
+              <a:t>• Prävalenz: 20-50% der Bypass-Patienten</a:t>
+            </a:r>
+          </a:p>
+          <a:p>
+            <a:pPr>
+              <a:spcAft>
+                <a:spcPts val="1200"/>
+              </a:spcAft>
+              <a:defRPr sz="2000">
+                <a:solidFill>
+                  <a:srgbClr val="333333"/>
+                </a:solidFill>
+              </a:defRPr>
+            </a:pPr>
+            <a:r>
+              <a:t>• Ernährungsmodifikation ist Therapie der ersten Wahl:</a:t>
+            </a:r>
+          </a:p>
+          <a:p>
+            <a:pPr>
+              <a:spcAft>
+                <a:spcPts val="1200"/>
+              </a:spcAft>
+              <a:defRPr sz="2000">
+                <a:solidFill>
+                  <a:srgbClr val="333333"/>
+                </a:solidFill>
+              </a:defRPr>
+            </a:pPr>
+            <a:r>
+              <a:t>•    → Kleine, häufige Mahlzeiten (5-6 pro Tag)</a:t>
+            </a:r>
+          </a:p>
+          <a:p>
+            <a:pPr>
+              <a:spcAft>
+                <a:spcPts val="1200"/>
+              </a:spcAft>
+              <a:defRPr sz="2000">
+                <a:solidFill>
+                  <a:srgbClr val="333333"/>
+                </a:solidFill>
+              </a:defRPr>
+            </a:pPr>
+            <a:r>
+              <a:t>•    → Reduktion von Einfachzuckern (&lt;15g pro Mahlzeit)</a:t>
+            </a:r>
+          </a:p>
+          <a:p>
+            <a:pPr>
+              <a:spcAft>
+                <a:spcPts val="1200"/>
+              </a:spcAft>
+              <a:defRPr sz="2000">
+                <a:solidFill>
+                  <a:srgbClr val="333333"/>
+                </a:solidFill>
+              </a:defRPr>
+            </a:pPr>
+            <a:r>
+              <a:t>•    → Trennung von Essen und Trinken (30 min Abstand)</a:t>
+            </a:r>
+          </a:p>
+          <a:p>
+            <a:pPr>
+              <a:spcAft>
+                <a:spcPts val="1200"/>
+              </a:spcAft>
+              <a:defRPr sz="2000">
+                <a:solidFill>
+                  <a:srgbClr val="333333"/>
+                </a:solidFill>
+              </a:defRPr>
+            </a:pPr>
+            <a:r>
+              <a:t>•    → Komplexe Kohlenhydrate und Proteine bevorzugen</a:t>
+            </a:r>
+          </a:p>
+          <a:p>
+            <a:pPr>
+              <a:spcAft>
+                <a:spcPts val="1200"/>
+              </a:spcAft>
+              <a:defRPr sz="2000">
+                <a:solidFill>
+                  <a:srgbClr val="333333"/>
+                </a:solidFill>
+              </a:defRPr>
+            </a:pPr>
+            <a:r>
+              <a:t>• Medikamentös: Acarbose 50-100mg zu Mahlzeiten</a:t>
+            </a:r>
+          </a:p>
+          <a:p>
+            <a:pPr>
+              <a:spcAft>
+                <a:spcPts val="1200"/>
+              </a:spcAft>
+              <a:defRPr sz="2000">
+                <a:solidFill>
+                  <a:srgbClr val="333333"/>
+                </a:solidFill>
+              </a:defRPr>
+            </a:pPr>
+            <a:r>
+              <a:t>• Therapierefraktär: Octreotid s.c. oder Pasireotid</a:t>
             </a:r>
           </a:p>
         </p:txBody>
@@ -4054,13 +4826,13 @@
         <p:spPr>
           <a:xfrm>
             <a:off x="0" y="0"/>
-            <a:ext cx="9144000" cy="1097280"/>
+            <a:ext cx="9144000" cy="6858000"/>
           </a:xfrm>
           <a:prstGeom prst="rect">
             <a:avLst/>
           </a:prstGeom>
           <a:solidFill>
-            <a:srgbClr val="005293"/>
+            <a:srgbClr val="DC3545"/>
           </a:solidFill>
           <a:ln>
             <a:noFill/>
@@ -4090,14 +4862,106 @@
       </p:sp>
       <p:sp>
         <p:nvSpPr>
-          <p:cNvPr id="3" name="TextBox 2"/>
+          <p:cNvPr id="3" name="Rectangle 2"/>
+          <p:cNvSpPr/>
+          <p:nvPr/>
+        </p:nvSpPr>
+        <p:spPr>
+          <a:xfrm>
+            <a:off x="7315200" y="5029200"/>
+            <a:ext cx="1097280" cy="365760"/>
+          </a:xfrm>
+          <a:prstGeom prst="rect">
+            <a:avLst/>
+          </a:prstGeom>
+          <a:solidFill>
+            <a:srgbClr val="FFFFFF">
+              <a:lumMod val="70000"/>
+              <a:lumOff val="30000"/>
+            </a:srgbClr>
+          </a:solidFill>
+          <a:ln>
+            <a:noFill/>
+          </a:ln>
+        </p:spPr>
+        <p:style>
+          <a:lnRef idx="1">
+            <a:schemeClr val="accent1"/>
+          </a:lnRef>
+          <a:fillRef idx="3">
+            <a:schemeClr val="accent1"/>
+          </a:fillRef>
+          <a:effectRef idx="2">
+            <a:schemeClr val="accent1"/>
+          </a:effectRef>
+          <a:fontRef idx="minor">
+            <a:schemeClr val="lt1"/>
+          </a:fontRef>
+        </p:style>
+        <p:txBody>
+          <a:bodyPr rtlCol="0" anchor="ctr"/>
+          <a:lstStyle/>
+          <a:p>
+            <a:pPr algn="ctr"/>
+          </a:p>
+        </p:txBody>
+      </p:sp>
+      <p:sp>
+        <p:nvSpPr>
+          <p:cNvPr id="4" name="Rectangle 3"/>
+          <p:cNvSpPr/>
+          <p:nvPr/>
+        </p:nvSpPr>
+        <p:spPr>
+          <a:xfrm>
+            <a:off x="7680960" y="4663440"/>
+            <a:ext cx="365760" cy="1097280"/>
+          </a:xfrm>
+          <a:prstGeom prst="rect">
+            <a:avLst/>
+          </a:prstGeom>
+          <a:solidFill>
+            <a:srgbClr val="FFFFFF">
+              <a:lumMod val="70000"/>
+              <a:lumOff val="30000"/>
+            </a:srgbClr>
+          </a:solidFill>
+          <a:ln>
+            <a:noFill/>
+          </a:ln>
+        </p:spPr>
+        <p:style>
+          <a:lnRef idx="1">
+            <a:schemeClr val="accent1"/>
+          </a:lnRef>
+          <a:fillRef idx="3">
+            <a:schemeClr val="accent1"/>
+          </a:fillRef>
+          <a:effectRef idx="2">
+            <a:schemeClr val="accent1"/>
+          </a:effectRef>
+          <a:fontRef idx="minor">
+            <a:schemeClr val="lt1"/>
+          </a:fontRef>
+        </p:style>
+        <p:txBody>
+          <a:bodyPr rtlCol="0" anchor="ctr"/>
+          <a:lstStyle/>
+          <a:p>
+            <a:pPr algn="ctr"/>
+          </a:p>
+        </p:txBody>
+      </p:sp>
+      <p:sp>
+        <p:nvSpPr>
+          <p:cNvPr id="5" name="TextBox 4"/>
           <p:cNvSpPr txBox="1"/>
           <p:nvPr/>
         </p:nvSpPr>
         <p:spPr>
           <a:xfrm>
-            <a:off x="457200" y="274320"/>
-            <a:ext cx="8229600" cy="731520"/>
+            <a:off x="457200" y="1828800"/>
+            <a:ext cx="8229600" cy="914400"/>
           </a:xfrm>
           <a:prstGeom prst="rect">
             <a:avLst/>
@@ -4110,29 +4974,29 @@
           </a:bodyPr>
           <a:lstStyle/>
           <a:p>
-            <a:pPr>
-              <a:defRPr sz="3200" b="1">
+            <a:pPr algn="ctr">
+              <a:defRPr sz="7200" b="1">
                 <a:solidFill>
                   <a:srgbClr val="FFFFFF"/>
                 </a:solidFill>
               </a:defRPr>
             </a:pPr>
             <a:r>
-              <a:t>Vitaminmangelzustände</a:t>
-            </a:r>
-          </a:p>
-        </p:txBody>
-      </p:sp>
-      <p:sp>
-        <p:nvSpPr>
-          <p:cNvPr id="4" name="TextBox 3"/>
+              <a:t>03</a:t>
+            </a:r>
+          </a:p>
+        </p:txBody>
+      </p:sp>
+      <p:sp>
+        <p:nvSpPr>
+          <p:cNvPr id="6" name="TextBox 5"/>
           <p:cNvSpPr txBox="1"/>
           <p:nvPr/>
         </p:nvSpPr>
         <p:spPr>
           <a:xfrm>
-            <a:off x="640080" y="1371600"/>
-            <a:ext cx="7863840" cy="5029200"/>
+            <a:off x="457200" y="2926080"/>
+            <a:ext cx="8229600" cy="1371600"/>
           </a:xfrm>
           <a:prstGeom prst="rect">
             <a:avLst/>
@@ -4140,98 +5004,20 @@
           <a:noFill/>
         </p:spPr>
         <p:txBody>
-          <a:bodyPr wrap="square">
+          <a:bodyPr wrap="none">
             <a:spAutoFit/>
           </a:bodyPr>
           <a:lstStyle/>
           <a:p>
-            <a:pPr>
-              <a:spcAft>
-                <a:spcPts val="1200"/>
-              </a:spcAft>
-              <a:defRPr sz="2000">
-                <a:solidFill>
-                  <a:srgbClr val="333333"/>
-                </a:solidFill>
-              </a:defRPr>
-            </a:pPr>
-            <a:r>
-              <a:t>• Vitamin B12: 30-70% (fehlender Intrinsic-Faktor)</a:t>
-            </a:r>
-          </a:p>
-          <a:p>
-            <a:pPr>
-              <a:spcAft>
-                <a:spcPts val="1200"/>
-              </a:spcAft>
-              <a:defRPr sz="2000">
-                <a:solidFill>
-                  <a:srgbClr val="333333"/>
-                </a:solidFill>
-              </a:defRPr>
-            </a:pPr>
-            <a:r>
-              <a:t>• Vitamin D: 50-80% (Malabsorption, wenig Sonnenlicht)</a:t>
-            </a:r>
-          </a:p>
-          <a:p>
-            <a:pPr>
-              <a:spcAft>
-                <a:spcPts val="1200"/>
-              </a:spcAft>
-              <a:defRPr sz="2000">
-                <a:solidFill>
-                  <a:srgbClr val="333333"/>
-                </a:solidFill>
-              </a:defRPr>
-            </a:pPr>
-            <a:r>
-              <a:t>• Folsäure: 15-35%</a:t>
-            </a:r>
-          </a:p>
-          <a:p>
-            <a:pPr>
-              <a:spcAft>
-                <a:spcPts val="1200"/>
-              </a:spcAft>
-              <a:defRPr sz="2000">
-                <a:solidFill>
-                  <a:srgbClr val="333333"/>
-                </a:solidFill>
-              </a:defRPr>
-            </a:pPr>
-            <a:r>
-              <a:t>• Vitamin B1 (Thiamin): 10-20% (Wernicke-Enzephalopathie!)</a:t>
-            </a:r>
-          </a:p>
-          <a:p>
-            <a:pPr>
-              <a:spcAft>
-                <a:spcPts val="1200"/>
-              </a:spcAft>
-              <a:defRPr sz="2000">
-                <a:solidFill>
-                  <a:srgbClr val="333333"/>
-                </a:solidFill>
-              </a:defRPr>
-            </a:pPr>
-            <a:r>
-              <a:t>• Vitamin A: 10-15%</a:t>
-            </a:r>
-          </a:p>
-          <a:p>
-            <a:pPr>
-              <a:spcAft>
-                <a:spcPts val="1200"/>
-              </a:spcAft>
-              <a:defRPr sz="2000">
-                <a:solidFill>
-                  <a:srgbClr val="333333"/>
-                </a:solidFill>
-              </a:defRPr>
-            </a:pPr>
-            <a:r>
-              <a:t>• Lebenslange Supplementierung erforderlich</a:t>
+            <a:pPr algn="ctr">
+              <a:defRPr sz="4000" b="1">
+                <a:solidFill>
+                  <a:srgbClr val="FFFFFF"/>
+                </a:solidFill>
+              </a:defRPr>
+            </a:pPr>
+            <a:r>
+              <a:t>Ernährungsbedingte Mangelzustände</a:t>
             </a:r>
           </a:p>
         </p:txBody>
@@ -4327,21 +5113,109 @@
               </a:defRPr>
             </a:pPr>
             <a:r>
-              <a:t>Mineralstoffmängel</a:t>
-            </a:r>
-          </a:p>
-        </p:txBody>
-      </p:sp>
-      <p:sp>
-        <p:nvSpPr>
-          <p:cNvPr id="4" name="TextBox 3"/>
+              <a:t>Vitaminmangelzustände</a:t>
+            </a:r>
+          </a:p>
+        </p:txBody>
+      </p:sp>
+      <p:sp>
+        <p:nvSpPr>
+          <p:cNvPr id="4" name="Rounded Rectangle 3"/>
+          <p:cNvSpPr/>
+          <p:nvPr/>
+        </p:nvSpPr>
+        <p:spPr>
+          <a:xfrm>
+            <a:off x="7772400" y="1463040"/>
+            <a:ext cx="822959" cy="329184"/>
+          </a:xfrm>
+          <a:prstGeom prst="roundRect">
+            <a:avLst/>
+          </a:prstGeom>
+          <a:solidFill>
+            <a:srgbClr val="64B464"/>
+          </a:solidFill>
+          <a:ln w="12700">
+            <a:solidFill>
+              <a:srgbClr val="3C783C"/>
+            </a:solidFill>
+          </a:ln>
+        </p:spPr>
+        <p:style>
+          <a:lnRef idx="1">
+            <a:schemeClr val="accent1"/>
+          </a:lnRef>
+          <a:fillRef idx="3">
+            <a:schemeClr val="accent1"/>
+          </a:fillRef>
+          <a:effectRef idx="2">
+            <a:schemeClr val="accent1"/>
+          </a:effectRef>
+          <a:fontRef idx="minor">
+            <a:schemeClr val="lt1"/>
+          </a:fontRef>
+        </p:style>
+        <p:txBody>
+          <a:bodyPr rtlCol="0" anchor="ctr"/>
+          <a:lstStyle/>
+          <a:p>
+            <a:pPr algn="ctr"/>
+          </a:p>
+        </p:txBody>
+      </p:sp>
+      <p:sp>
+        <p:nvSpPr>
+          <p:cNvPr id="5" name="Rectangle 4"/>
+          <p:cNvSpPr/>
+          <p:nvPr/>
+        </p:nvSpPr>
+        <p:spPr>
+          <a:xfrm>
+            <a:off x="8183879" y="1463040"/>
+            <a:ext cx="411479" cy="329184"/>
+          </a:xfrm>
+          <a:prstGeom prst="rect">
+            <a:avLst/>
+          </a:prstGeom>
+          <a:solidFill>
+            <a:srgbClr val="FFFFFF"/>
+          </a:solidFill>
+          <a:ln>
+            <a:noFill/>
+          </a:ln>
+        </p:spPr>
+        <p:style>
+          <a:lnRef idx="1">
+            <a:schemeClr val="accent1"/>
+          </a:lnRef>
+          <a:fillRef idx="3">
+            <a:schemeClr val="accent1"/>
+          </a:fillRef>
+          <a:effectRef idx="2">
+            <a:schemeClr val="accent1"/>
+          </a:effectRef>
+          <a:fontRef idx="minor">
+            <a:schemeClr val="lt1"/>
+          </a:fontRef>
+        </p:style>
+        <p:txBody>
+          <a:bodyPr rtlCol="0" anchor="ctr"/>
+          <a:lstStyle/>
+          <a:p>
+            <a:pPr algn="ctr"/>
+          </a:p>
+        </p:txBody>
+      </p:sp>
+      <p:sp>
+        <p:nvSpPr>
+          <p:cNvPr id="6" name="TextBox 5"/>
           <p:cNvSpPr txBox="1"/>
           <p:nvPr/>
         </p:nvSpPr>
         <p:spPr>
           <a:xfrm>
             <a:off x="640080" y="1371600"/>
-            <a:ext cx="7863840" cy="5029200"/>
+            <a:ext cx="7132320" cy="5029200"/>
           </a:xfrm>
           <a:prstGeom prst="rect">
             <a:avLst/>
@@ -4365,7 +5239,7 @@
               </a:defRPr>
             </a:pPr>
             <a:r>
-              <a:t>• Eisenmangel: 20-50% (häufigste Anämieursache)</a:t>
+              <a:t>• Vitamin B12: 30-70% (fehlender Intrinsic-Faktor, Azidität)</a:t>
             </a:r>
           </a:p>
           <a:p>
@@ -4380,7 +5254,7 @@
               </a:defRPr>
             </a:pPr>
             <a:r>
-              <a:t>• Kalziummangel: 10-25% (Osteoporose-Risiko)</a:t>
+              <a:t>•    → 1000µg i.m. monatlich oder 1000µg/d oral</a:t>
             </a:r>
           </a:p>
           <a:p>
@@ -4395,7 +5269,7 @@
               </a:defRPr>
             </a:pPr>
             <a:r>
-              <a:t>• Zinkmangel: 10-40% (Haarausfall, Wundheilungsstörungen)</a:t>
+              <a:t>• Vitamin D: 50-80% (Malabsorption, adipöses Fettgewebe)</a:t>
             </a:r>
           </a:p>
           <a:p>
@@ -4410,7 +5284,7 @@
               </a:defRPr>
             </a:pPr>
             <a:r>
-              <a:t>• Magnesium: 5-15%</a:t>
+              <a:t>•    → 3000-6000 IE/d, Ziel: 25-OH-Vit D &gt;30 ng/ml</a:t>
             </a:r>
           </a:p>
           <a:p>
@@ -4425,7 +5299,7 @@
               </a:defRPr>
             </a:pPr>
             <a:r>
-              <a:t>• Kupfermangel: selten, aber schwere neurologische Folgen</a:t>
+              <a:t>• Folsäure: 15-35% → 400-800µg/d</a:t>
             </a:r>
           </a:p>
           <a:p>
@@ -4440,7 +5314,37 @@
               </a:defRPr>
             </a:pPr>
             <a:r>
-              <a:t>• Regelmäßige Laborkontrollen sind essentiell</a:t>
+              <a:t>• Vitamin B1 (Thiamin): Cave: Wernicke-Enzephalopathie!</a:t>
+            </a:r>
+          </a:p>
+          <a:p>
+            <a:pPr>
+              <a:spcAft>
+                <a:spcPts val="1200"/>
+              </a:spcAft>
+              <a:defRPr sz="2000">
+                <a:solidFill>
+                  <a:srgbClr val="333333"/>
+                </a:solidFill>
+              </a:defRPr>
+            </a:pPr>
+            <a:r>
+              <a:t>•    → Bei Erbrechen: 100mg i.v. vor Glucose!</a:t>
+            </a:r>
+          </a:p>
+          <a:p>
+            <a:pPr>
+              <a:spcAft>
+                <a:spcPts val="1200"/>
+              </a:spcAft>
+              <a:defRPr sz="2000">
+                <a:solidFill>
+                  <a:srgbClr val="333333"/>
+                </a:solidFill>
+              </a:defRPr>
+            </a:pPr>
+            <a:r>
+              <a:t>• Vitamin A: 10-15% → Nachtblindheit als Frühzeichen</a:t>
             </a:r>
           </a:p>
         </p:txBody>
@@ -4536,21 +5440,109 @@
               </a:defRPr>
             </a:pPr>
             <a:r>
-              <a:t>Anastomosenstenose</a:t>
-            </a:r>
-          </a:p>
-        </p:txBody>
-      </p:sp>
-      <p:sp>
-        <p:nvSpPr>
-          <p:cNvPr id="4" name="TextBox 3"/>
+              <a:t>Mineralstoffmängel</a:t>
+            </a:r>
+          </a:p>
+        </p:txBody>
+      </p:sp>
+      <p:sp>
+        <p:nvSpPr>
+          <p:cNvPr id="4" name="Rounded Rectangle 3"/>
+          <p:cNvSpPr/>
+          <p:nvPr/>
+        </p:nvSpPr>
+        <p:spPr>
+          <a:xfrm>
+            <a:off x="7772400" y="1463040"/>
+            <a:ext cx="822959" cy="329184"/>
+          </a:xfrm>
+          <a:prstGeom prst="roundRect">
+            <a:avLst/>
+          </a:prstGeom>
+          <a:solidFill>
+            <a:srgbClr val="64B464"/>
+          </a:solidFill>
+          <a:ln w="12700">
+            <a:solidFill>
+              <a:srgbClr val="3C783C"/>
+            </a:solidFill>
+          </a:ln>
+        </p:spPr>
+        <p:style>
+          <a:lnRef idx="1">
+            <a:schemeClr val="accent1"/>
+          </a:lnRef>
+          <a:fillRef idx="3">
+            <a:schemeClr val="accent1"/>
+          </a:fillRef>
+          <a:effectRef idx="2">
+            <a:schemeClr val="accent1"/>
+          </a:effectRef>
+          <a:fontRef idx="minor">
+            <a:schemeClr val="lt1"/>
+          </a:fontRef>
+        </p:style>
+        <p:txBody>
+          <a:bodyPr rtlCol="0" anchor="ctr"/>
+          <a:lstStyle/>
+          <a:p>
+            <a:pPr algn="ctr"/>
+          </a:p>
+        </p:txBody>
+      </p:sp>
+      <p:sp>
+        <p:nvSpPr>
+          <p:cNvPr id="5" name="Rectangle 4"/>
+          <p:cNvSpPr/>
+          <p:nvPr/>
+        </p:nvSpPr>
+        <p:spPr>
+          <a:xfrm>
+            <a:off x="8183879" y="1463040"/>
+            <a:ext cx="411479" cy="329184"/>
+          </a:xfrm>
+          <a:prstGeom prst="rect">
+            <a:avLst/>
+          </a:prstGeom>
+          <a:solidFill>
+            <a:srgbClr val="FFFFFF"/>
+          </a:solidFill>
+          <a:ln>
+            <a:noFill/>
+          </a:ln>
+        </p:spPr>
+        <p:style>
+          <a:lnRef idx="1">
+            <a:schemeClr val="accent1"/>
+          </a:lnRef>
+          <a:fillRef idx="3">
+            <a:schemeClr val="accent1"/>
+          </a:fillRef>
+          <a:effectRef idx="2">
+            <a:schemeClr val="accent1"/>
+          </a:effectRef>
+          <a:fontRef idx="minor">
+            <a:schemeClr val="lt1"/>
+          </a:fontRef>
+        </p:style>
+        <p:txBody>
+          <a:bodyPr rtlCol="0" anchor="ctr"/>
+          <a:lstStyle/>
+          <a:p>
+            <a:pPr algn="ctr"/>
+          </a:p>
+        </p:txBody>
+      </p:sp>
+      <p:sp>
+        <p:nvSpPr>
+          <p:cNvPr id="6" name="TextBox 5"/>
           <p:cNvSpPr txBox="1"/>
           <p:nvPr/>
         </p:nvSpPr>
         <p:spPr>
           <a:xfrm>
             <a:off x="640080" y="1371600"/>
-            <a:ext cx="7863840" cy="5029200"/>
+            <a:ext cx="7132320" cy="5029200"/>
           </a:xfrm>
           <a:prstGeom prst="rect">
             <a:avLst/>
@@ -4574,7 +5566,7 @@
               </a:defRPr>
             </a:pPr>
             <a:r>
-              <a:t>• Inzidenz: 3-12% an der Gastrojejunostomie</a:t>
+              <a:t>• Eisenmangel: 20-50% – häufigste Anämieursache</a:t>
             </a:r>
           </a:p>
           <a:p>
@@ -4589,7 +5581,7 @@
               </a:defRPr>
             </a:pPr>
             <a:r>
-              <a:t>• Typische Präsentation: 4-8 Wochen postoperativ</a:t>
+              <a:t>•    → 45-60mg elementares Eisen, getrennt von PPI</a:t>
             </a:r>
           </a:p>
           <a:p>
@@ -4604,7 +5596,7 @@
               </a:defRPr>
             </a:pPr>
             <a:r>
-              <a:t>• Symptome: Dysphagie, Übelkeit, Erbrechen nach Mahlzeiten</a:t>
+              <a:t>• Kalziummangel: 10-25% → Osteoporose, Frakturen</a:t>
             </a:r>
           </a:p>
           <a:p>
@@ -4619,7 +5611,7 @@
               </a:defRPr>
             </a:pPr>
             <a:r>
-              <a:t>• Ursachen: Ischämie, Narbenbildung, technische Faktoren</a:t>
+              <a:t>•    → 1200-1500mg Calciumcitrat + Vitamin D</a:t>
             </a:r>
           </a:p>
           <a:p>
@@ -4634,7 +5626,7 @@
               </a:defRPr>
             </a:pPr>
             <a:r>
-              <a:t>• Diagnose: Endoskopie mit Strikturnachweis</a:t>
+              <a:t>• Zinkmangel: 10-40% → Haarausfall, Wundheilungsstörung</a:t>
             </a:r>
           </a:p>
           <a:p>
@@ -4649,7 +5641,37 @@
               </a:defRPr>
             </a:pPr>
             <a:r>
-              <a:t>• Therapie: Endoskopische Ballondilatation (oft mehrfach nötig)</a:t>
+              <a:t>•    → 8-22mg/d, bei Mangel 25-50mg/d</a:t>
+            </a:r>
+          </a:p>
+          <a:p>
+            <a:pPr>
+              <a:spcAft>
+                <a:spcPts val="1200"/>
+              </a:spcAft>
+              <a:defRPr sz="2000">
+                <a:solidFill>
+                  <a:srgbClr val="333333"/>
+                </a:solidFill>
+              </a:defRPr>
+            </a:pPr>
+            <a:r>
+              <a:t>• Kupfermangel: Selten, aber schwere Myelopathie möglich</a:t>
+            </a:r>
+          </a:p>
+          <a:p>
+            <a:pPr>
+              <a:spcAft>
+                <a:spcPts val="1200"/>
+              </a:spcAft>
+              <a:defRPr sz="2000">
+                <a:solidFill>
+                  <a:srgbClr val="333333"/>
+                </a:solidFill>
+              </a:defRPr>
+            </a:pPr>
+            <a:r>
+              <a:t>• Regelmäßige Laborkontrollen alle 3-6 Monate essentiell!</a:t>
             </a:r>
           </a:p>
         </p:txBody>
@@ -4745,21 +5767,244 @@
               </a:defRPr>
             </a:pPr>
             <a:r>
-              <a:t>Innere Hernien</a:t>
-            </a:r>
-          </a:p>
-        </p:txBody>
-      </p:sp>
-      <p:sp>
-        <p:nvSpPr>
-          <p:cNvPr id="4" name="TextBox 3"/>
+              <a:t>Anastomosenstenose</a:t>
+            </a:r>
+          </a:p>
+        </p:txBody>
+      </p:sp>
+      <p:sp>
+        <p:nvSpPr>
+          <p:cNvPr id="4" name="Rounded Rectangle 3"/>
+          <p:cNvSpPr/>
+          <p:nvPr/>
+        </p:nvSpPr>
+        <p:spPr>
+          <a:xfrm>
+            <a:off x="7498079" y="1371600"/>
+            <a:ext cx="438912" cy="219456"/>
+          </a:xfrm>
+          <a:prstGeom prst="roundRect">
+            <a:avLst/>
+          </a:prstGeom>
+          <a:solidFill>
+            <a:srgbClr val="FFC8B4"/>
+          </a:solidFill>
+          <a:ln w="12700">
+            <a:solidFill>
+              <a:srgbClr val="B46450"/>
+            </a:solidFill>
+          </a:ln>
+        </p:spPr>
+        <p:style>
+          <a:lnRef idx="1">
+            <a:schemeClr val="accent1"/>
+          </a:lnRef>
+          <a:fillRef idx="3">
+            <a:schemeClr val="accent1"/>
+          </a:fillRef>
+          <a:effectRef idx="2">
+            <a:schemeClr val="accent1"/>
+          </a:effectRef>
+          <a:fontRef idx="minor">
+            <a:schemeClr val="lt1"/>
+          </a:fontRef>
+        </p:style>
+        <p:txBody>
+          <a:bodyPr rtlCol="0" anchor="ctr"/>
+          <a:lstStyle/>
+          <a:p>
+            <a:pPr algn="ctr"/>
+          </a:p>
+        </p:txBody>
+      </p:sp>
+      <p:sp>
+        <p:nvSpPr>
+          <p:cNvPr id="5" name="Rounded Rectangle 4"/>
+          <p:cNvSpPr/>
+          <p:nvPr/>
+        </p:nvSpPr>
+        <p:spPr>
+          <a:xfrm>
+            <a:off x="7717536" y="1645920"/>
+            <a:ext cx="438912" cy="219456"/>
+          </a:xfrm>
+          <a:prstGeom prst="roundRect">
+            <a:avLst/>
+          </a:prstGeom>
+          <a:solidFill>
+            <a:srgbClr val="FFC8B4"/>
+          </a:solidFill>
+          <a:ln w="12700">
+            <a:solidFill>
+              <a:srgbClr val="B46450"/>
+            </a:solidFill>
+          </a:ln>
+        </p:spPr>
+        <p:style>
+          <a:lnRef idx="1">
+            <a:schemeClr val="accent1"/>
+          </a:lnRef>
+          <a:fillRef idx="3">
+            <a:schemeClr val="accent1"/>
+          </a:fillRef>
+          <a:effectRef idx="2">
+            <a:schemeClr val="accent1"/>
+          </a:effectRef>
+          <a:fontRef idx="minor">
+            <a:schemeClr val="lt1"/>
+          </a:fontRef>
+        </p:style>
+        <p:txBody>
+          <a:bodyPr rtlCol="0" anchor="ctr"/>
+          <a:lstStyle/>
+          <a:p>
+            <a:pPr algn="ctr"/>
+          </a:p>
+        </p:txBody>
+      </p:sp>
+      <p:sp>
+        <p:nvSpPr>
+          <p:cNvPr id="6" name="Rounded Rectangle 5"/>
+          <p:cNvSpPr/>
+          <p:nvPr/>
+        </p:nvSpPr>
+        <p:spPr>
+          <a:xfrm>
+            <a:off x="7498079" y="1920240"/>
+            <a:ext cx="438912" cy="219456"/>
+          </a:xfrm>
+          <a:prstGeom prst="roundRect">
+            <a:avLst/>
+          </a:prstGeom>
+          <a:solidFill>
+            <a:srgbClr val="FFC8B4"/>
+          </a:solidFill>
+          <a:ln w="12700">
+            <a:solidFill>
+              <a:srgbClr val="B46450"/>
+            </a:solidFill>
+          </a:ln>
+        </p:spPr>
+        <p:style>
+          <a:lnRef idx="1">
+            <a:schemeClr val="accent1"/>
+          </a:lnRef>
+          <a:fillRef idx="3">
+            <a:schemeClr val="accent1"/>
+          </a:fillRef>
+          <a:effectRef idx="2">
+            <a:schemeClr val="accent1"/>
+          </a:effectRef>
+          <a:fontRef idx="minor">
+            <a:schemeClr val="lt1"/>
+          </a:fontRef>
+        </p:style>
+        <p:txBody>
+          <a:bodyPr rtlCol="0" anchor="ctr"/>
+          <a:lstStyle/>
+          <a:p>
+            <a:pPr algn="ctr"/>
+          </a:p>
+        </p:txBody>
+      </p:sp>
+      <p:sp>
+        <p:nvSpPr>
+          <p:cNvPr id="7" name="Rounded Rectangle 6"/>
+          <p:cNvSpPr/>
+          <p:nvPr/>
+        </p:nvSpPr>
+        <p:spPr>
+          <a:xfrm>
+            <a:off x="7717536" y="2194560"/>
+            <a:ext cx="438912" cy="219456"/>
+          </a:xfrm>
+          <a:prstGeom prst="roundRect">
+            <a:avLst/>
+          </a:prstGeom>
+          <a:solidFill>
+            <a:srgbClr val="FFC8B4"/>
+          </a:solidFill>
+          <a:ln w="12700">
+            <a:solidFill>
+              <a:srgbClr val="B46450"/>
+            </a:solidFill>
+          </a:ln>
+        </p:spPr>
+        <p:style>
+          <a:lnRef idx="1">
+            <a:schemeClr val="accent1"/>
+          </a:lnRef>
+          <a:fillRef idx="3">
+            <a:schemeClr val="accent1"/>
+          </a:fillRef>
+          <a:effectRef idx="2">
+            <a:schemeClr val="accent1"/>
+          </a:effectRef>
+          <a:fontRef idx="minor">
+            <a:schemeClr val="lt1"/>
+          </a:fontRef>
+        </p:style>
+        <p:txBody>
+          <a:bodyPr rtlCol="0" anchor="ctr"/>
+          <a:lstStyle/>
+          <a:p>
+            <a:pPr algn="ctr"/>
+          </a:p>
+        </p:txBody>
+      </p:sp>
+      <p:sp>
+        <p:nvSpPr>
+          <p:cNvPr id="8" name="Oval 7"/>
+          <p:cNvSpPr/>
+          <p:nvPr/>
+        </p:nvSpPr>
+        <p:spPr>
+          <a:xfrm>
+            <a:off x="7662671" y="1810512"/>
+            <a:ext cx="137160" cy="137160"/>
+          </a:xfrm>
+          <a:prstGeom prst="ellipse">
+            <a:avLst/>
+          </a:prstGeom>
+          <a:solidFill>
+            <a:srgbClr val="DC3545"/>
+          </a:solidFill>
+          <a:ln>
+            <a:noFill/>
+          </a:ln>
+        </p:spPr>
+        <p:style>
+          <a:lnRef idx="1">
+            <a:schemeClr val="accent1"/>
+          </a:lnRef>
+          <a:fillRef idx="3">
+            <a:schemeClr val="accent1"/>
+          </a:fillRef>
+          <a:effectRef idx="2">
+            <a:schemeClr val="accent1"/>
+          </a:effectRef>
+          <a:fontRef idx="minor">
+            <a:schemeClr val="lt1"/>
+          </a:fontRef>
+        </p:style>
+        <p:txBody>
+          <a:bodyPr rtlCol="0" anchor="ctr"/>
+          <a:lstStyle/>
+          <a:p>
+            <a:pPr algn="ctr"/>
+          </a:p>
+        </p:txBody>
+      </p:sp>
+      <p:sp>
+        <p:nvSpPr>
+          <p:cNvPr id="9" name="TextBox 8"/>
           <p:cNvSpPr txBox="1"/>
           <p:nvPr/>
         </p:nvSpPr>
         <p:spPr>
           <a:xfrm>
             <a:off x="640080" y="1371600"/>
-            <a:ext cx="7863840" cy="5029200"/>
+            <a:ext cx="7132320" cy="5029200"/>
           </a:xfrm>
           <a:prstGeom prst="rect">
             <a:avLst/>
@@ -4783,7 +6028,7 @@
               </a:defRPr>
             </a:pPr>
             <a:r>
-              <a:t>• Inzidenz: 2-5% (häufiger nach laparoskopischem Bypass)</a:t>
+              <a:t>• Inzidenz: 3-12% an der Gastrojejunostomie</a:t>
             </a:r>
           </a:p>
           <a:p>
@@ -4798,7 +6043,7 @@
               </a:defRPr>
             </a:pPr>
             <a:r>
-              <a:t>• Entstehung durch Mesenteriallücken (Petersen-Hernie)</a:t>
+              <a:t>• Typische Präsentation: 4-8 Wochen postoperativ</a:t>
             </a:r>
           </a:p>
           <a:p>
@@ -4813,7 +6058,7 @@
               </a:defRPr>
             </a:pPr>
             <a:r>
-              <a:t>• Symptome: Kolikartige Bauchschmerzen, oft postprandial</a:t>
+              <a:t>• Symptome: Progressive Dysphagie, Übelkeit, Erbrechen</a:t>
             </a:r>
           </a:p>
           <a:p>
@@ -4828,7 +6073,7 @@
               </a:defRPr>
             </a:pPr>
             <a:r>
-              <a:t>• Gefahr: Darminkarzeration mit Ischämie und Nekrose</a:t>
+              <a:t>• Ursachen: Ischämie, Narbenbildung, Ulkus, Technik</a:t>
             </a:r>
           </a:p>
           <a:p>
@@ -4843,7 +6088,7 @@
               </a:defRPr>
             </a:pPr>
             <a:r>
-              <a:t>• Diagnose: CT-Abdomen (Wirbelzeichen des Mesenteriums)</a:t>
+              <a:t>• Diagnose: ÖGD mit Strikturnachweis (&lt;10mm Lumen)</a:t>
             </a:r>
           </a:p>
           <a:p>
@@ -4858,7 +6103,22 @@
               </a:defRPr>
             </a:pPr>
             <a:r>
-              <a:t>• Therapie: Operative Revision (oft laparoskopisch)</a:t>
+              <a:t>• Therapie: Endoskopische Ballondilatation (CRE-Ballon)</a:t>
+            </a:r>
+          </a:p>
+          <a:p>
+            <a:pPr>
+              <a:spcAft>
+                <a:spcPts val="1200"/>
+              </a:spcAft>
+              <a:defRPr sz="2000">
+                <a:solidFill>
+                  <a:srgbClr val="333333"/>
+                </a:solidFill>
+              </a:defRPr>
+            </a:pPr>
+            <a:r>
+              <a:t>• Prognose: 75% Erfolg nach 1-3 Dilatationen</a:t>
             </a:r>
           </a:p>
         </p:txBody>
@@ -4954,21 +6214,101 @@
               </a:defRPr>
             </a:pPr>
             <a:r>
-              <a:t>Marginalulzera (Anastomosenulzera)</a:t>
-            </a:r>
-          </a:p>
-        </p:txBody>
-      </p:sp>
-      <p:sp>
-        <p:nvSpPr>
-          <p:cNvPr id="4" name="TextBox 3"/>
+              <a:t>Innere Hernien</a:t>
+            </a:r>
+          </a:p>
+        </p:txBody>
+      </p:sp>
+      <p:sp>
+        <p:nvSpPr>
+          <p:cNvPr id="4" name="Isosceles Triangle 3"/>
+          <p:cNvSpPr/>
+          <p:nvPr/>
+        </p:nvSpPr>
+        <p:spPr>
+          <a:xfrm>
+            <a:off x="8046720" y="1371600"/>
+            <a:ext cx="548640" cy="548640"/>
+          </a:xfrm>
+          <a:prstGeom prst="triangle">
+            <a:avLst/>
+          </a:prstGeom>
+          <a:solidFill>
+            <a:srgbClr val="FFC107"/>
+          </a:solidFill>
+          <a:ln w="25400">
+            <a:solidFill>
+              <a:srgbClr val="C89600"/>
+            </a:solidFill>
+          </a:ln>
+        </p:spPr>
+        <p:style>
+          <a:lnRef idx="1">
+            <a:schemeClr val="accent1"/>
+          </a:lnRef>
+          <a:fillRef idx="3">
+            <a:schemeClr val="accent1"/>
+          </a:fillRef>
+          <a:effectRef idx="2">
+            <a:schemeClr val="accent1"/>
+          </a:effectRef>
+          <a:fontRef idx="minor">
+            <a:schemeClr val="lt1"/>
+          </a:fontRef>
+        </p:style>
+        <p:txBody>
+          <a:bodyPr rtlCol="0" anchor="ctr"/>
+          <a:lstStyle/>
+          <a:p>
+            <a:pPr algn="ctr"/>
+          </a:p>
+        </p:txBody>
+      </p:sp>
+      <p:sp>
+        <p:nvSpPr>
+          <p:cNvPr id="5" name="TextBox 4"/>
           <p:cNvSpPr txBox="1"/>
           <p:nvPr/>
         </p:nvSpPr>
         <p:spPr>
           <a:xfrm>
+            <a:off x="8238744" y="1508760"/>
+            <a:ext cx="164592" cy="274320"/>
+          </a:xfrm>
+          <a:prstGeom prst="rect">
+            <a:avLst/>
+          </a:prstGeom>
+          <a:noFill/>
+        </p:spPr>
+        <p:txBody>
+          <a:bodyPr wrap="none">
+            <a:spAutoFit/>
+          </a:bodyPr>
+          <a:lstStyle/>
+          <a:p>
+            <a:pPr algn="ctr">
+              <a:defRPr sz="2100" b="1">
+                <a:solidFill>
+                  <a:srgbClr val="000000"/>
+                </a:solidFill>
+              </a:defRPr>
+            </a:pPr>
+            <a:r>
+              <a:t>!</a:t>
+            </a:r>
+          </a:p>
+        </p:txBody>
+      </p:sp>
+      <p:sp>
+        <p:nvSpPr>
+          <p:cNvPr id="6" name="TextBox 5"/>
+          <p:cNvSpPr txBox="1"/>
+          <p:nvPr/>
+        </p:nvSpPr>
+        <p:spPr>
+          <a:xfrm>
             <a:off x="640080" y="1371600"/>
-            <a:ext cx="7863840" cy="5029200"/>
+            <a:ext cx="7132320" cy="5029200"/>
           </a:xfrm>
           <a:prstGeom prst="rect">
             <a:avLst/>
@@ -4992,7 +6332,7 @@
               </a:defRPr>
             </a:pPr>
             <a:r>
-              <a:t>• Inzidenz: 1-16% der Patienten</a:t>
+              <a:t>• Inzidenz: 2-5% (häufiger bei laparoskopischem Bypass)</a:t>
             </a:r>
           </a:p>
           <a:p>
@@ -5007,7 +6347,7 @@
               </a:defRPr>
             </a:pPr>
             <a:r>
-              <a:t>• Lokalisation: Jejunale Seite der Gastrojejunostomie</a:t>
+              <a:t>• Typen: Petersen-Hernie, Mesenterialschlitz, JJ-Mesentery</a:t>
             </a:r>
           </a:p>
           <a:p>
@@ -5022,7 +6362,7 @@
               </a:defRPr>
             </a:pPr>
             <a:r>
-              <a:t>• Risikofaktoren: Rauchen, NSAR, H. pylori, große Pouch</a:t>
+              <a:t>• Begünstigt durch Gewichtsverlust (weniger Mesenterfett)</a:t>
             </a:r>
           </a:p>
           <a:p>
@@ -5037,7 +6377,7 @@
               </a:defRPr>
             </a:pPr>
             <a:r>
-              <a:t>• Symptome: Epigastrische Schmerzen, Übelkeit, GI-Blutung</a:t>
+              <a:t>• Symptome: Intermittierende kolikartige Bauchschmerzen</a:t>
             </a:r>
           </a:p>
           <a:p>
@@ -5052,7 +6392,7 @@
               </a:defRPr>
             </a:pPr>
             <a:r>
-              <a:t>• Diagnose: Ösophagogastroduodenoskopie</a:t>
+              <a:t>• Gefahr: Darminkarzeration → Ischämie → Nekrose</a:t>
             </a:r>
           </a:p>
           <a:p>
@@ -5067,7 +6407,22 @@
               </a:defRPr>
             </a:pPr>
             <a:r>
-              <a:t>• Therapie: PPI-Hochdosis, Raucherentwöhnung, H. pylori-Eradikation</a:t>
+              <a:t>• Diagnose: CT (Wirbelzeichen, geschwollenes Mesenterium)</a:t>
+            </a:r>
+          </a:p>
+          <a:p>
+            <a:pPr>
+              <a:spcAft>
+                <a:spcPts val="1200"/>
+              </a:spcAft>
+              <a:defRPr sz="2000">
+                <a:solidFill>
+                  <a:srgbClr val="333333"/>
+                </a:solidFill>
+              </a:defRPr>
+            </a:pPr>
+            <a:r>
+              <a:t>• Therapie: Notfall-OP, meist laparoskopisch möglich</a:t>
             </a:r>
           </a:p>
         </p:txBody>
@@ -5163,21 +6518,289 @@
               </a:defRPr>
             </a:pPr>
             <a:r>
-              <a:t>Cholelithiasis nach Magenbypass</a:t>
-            </a:r>
-          </a:p>
-        </p:txBody>
-      </p:sp>
-      <p:sp>
-        <p:nvSpPr>
-          <p:cNvPr id="4" name="TextBox 3"/>
+              <a:t>Marginalulzera (Anastomosenulzera)</a:t>
+            </a:r>
+          </a:p>
+        </p:txBody>
+      </p:sp>
+      <p:sp>
+        <p:nvSpPr>
+          <p:cNvPr id="4" name="Oval 3"/>
+          <p:cNvSpPr/>
+          <p:nvPr/>
+        </p:nvSpPr>
+        <p:spPr>
+          <a:xfrm>
+            <a:off x="7132320" y="1645920"/>
+            <a:ext cx="384048" cy="512063"/>
+          </a:xfrm>
+          <a:prstGeom prst="ellipse">
+            <a:avLst/>
+          </a:prstGeom>
+          <a:solidFill>
+            <a:srgbClr val="FFB6C1"/>
+          </a:solidFill>
+          <a:ln w="25400">
+            <a:solidFill>
+              <a:srgbClr val="B45050"/>
+            </a:solidFill>
+          </a:ln>
+        </p:spPr>
+        <p:style>
+          <a:lnRef idx="1">
+            <a:schemeClr val="accent1"/>
+          </a:lnRef>
+          <a:fillRef idx="3">
+            <a:schemeClr val="accent1"/>
+          </a:fillRef>
+          <a:effectRef idx="2">
+            <a:schemeClr val="accent1"/>
+          </a:effectRef>
+          <a:fontRef idx="minor">
+            <a:schemeClr val="lt1"/>
+          </a:fontRef>
+        </p:style>
+        <p:txBody>
+          <a:bodyPr rtlCol="0" anchor="ctr"/>
+          <a:lstStyle/>
+          <a:p>
+            <a:pPr algn="ctr"/>
+          </a:p>
+        </p:txBody>
+      </p:sp>
+      <p:sp>
+        <p:nvSpPr>
+          <p:cNvPr id="5" name="Oval 4"/>
+          <p:cNvSpPr/>
+          <p:nvPr/>
+        </p:nvSpPr>
+        <p:spPr>
+          <a:xfrm>
+            <a:off x="7644383" y="1837944"/>
+            <a:ext cx="640080" cy="896111"/>
+          </a:xfrm>
+          <a:prstGeom prst="ellipse">
+            <a:avLst/>
+          </a:prstGeom>
+          <a:solidFill>
+            <a:srgbClr val="C8C8C8"/>
+          </a:solidFill>
+          <a:ln w="12700">
+            <a:solidFill>
+              <a:srgbClr val="969696"/>
+            </a:solidFill>
+          </a:ln>
+        </p:spPr>
+        <p:style>
+          <a:lnRef idx="1">
+            <a:schemeClr val="accent1"/>
+          </a:lnRef>
+          <a:fillRef idx="3">
+            <a:schemeClr val="accent1"/>
+          </a:fillRef>
+          <a:effectRef idx="2">
+            <a:schemeClr val="accent1"/>
+          </a:effectRef>
+          <a:fontRef idx="minor">
+            <a:schemeClr val="lt1"/>
+          </a:fontRef>
+        </p:style>
+        <p:txBody>
+          <a:bodyPr rtlCol="0" anchor="ctr"/>
+          <a:lstStyle/>
+          <a:p>
+            <a:pPr algn="ctr"/>
+          </a:p>
+        </p:txBody>
+      </p:sp>
+      <p:sp>
+        <p:nvSpPr>
+          <p:cNvPr id="6" name="Rounded Rectangle 5"/>
+          <p:cNvSpPr/>
+          <p:nvPr/>
+        </p:nvSpPr>
+        <p:spPr>
+          <a:xfrm>
+            <a:off x="7228332" y="2093976"/>
+            <a:ext cx="192024" cy="960119"/>
+          </a:xfrm>
+          <a:prstGeom prst="roundRect">
+            <a:avLst/>
+          </a:prstGeom>
+          <a:solidFill>
+            <a:srgbClr val="FFDAB9"/>
+          </a:solidFill>
+          <a:ln w="12700">
+            <a:solidFill>
+              <a:srgbClr val="B47850"/>
+            </a:solidFill>
+          </a:ln>
+        </p:spPr>
+        <p:style>
+          <a:lnRef idx="1">
+            <a:schemeClr val="accent1"/>
+          </a:lnRef>
+          <a:fillRef idx="3">
+            <a:schemeClr val="accent1"/>
+          </a:fillRef>
+          <a:effectRef idx="2">
+            <a:schemeClr val="accent1"/>
+          </a:effectRef>
+          <a:fontRef idx="minor">
+            <a:schemeClr val="lt1"/>
+          </a:fontRef>
+        </p:style>
+        <p:txBody>
+          <a:bodyPr rtlCol="0" anchor="ctr"/>
+          <a:lstStyle/>
+          <a:p>
+            <a:pPr algn="ctr"/>
+          </a:p>
+        </p:txBody>
+      </p:sp>
+      <p:sp>
+        <p:nvSpPr>
+          <p:cNvPr id="7" name="Rounded Rectangle 6"/>
+          <p:cNvSpPr/>
+          <p:nvPr/>
+        </p:nvSpPr>
+        <p:spPr>
+          <a:xfrm>
+            <a:off x="7772400" y="2670048"/>
+            <a:ext cx="192024" cy="640080"/>
+          </a:xfrm>
+          <a:prstGeom prst="roundRect">
+            <a:avLst/>
+          </a:prstGeom>
+          <a:solidFill>
+            <a:srgbClr val="FFDAB9"/>
+          </a:solidFill>
+          <a:ln w="12700">
+            <a:solidFill>
+              <a:srgbClr val="B47850"/>
+            </a:solidFill>
+          </a:ln>
+        </p:spPr>
+        <p:style>
+          <a:lnRef idx="1">
+            <a:schemeClr val="accent1"/>
+          </a:lnRef>
+          <a:fillRef idx="3">
+            <a:schemeClr val="accent1"/>
+          </a:fillRef>
+          <a:effectRef idx="2">
+            <a:schemeClr val="accent1"/>
+          </a:effectRef>
+          <a:fontRef idx="minor">
+            <a:schemeClr val="lt1"/>
+          </a:fontRef>
+        </p:style>
+        <p:txBody>
+          <a:bodyPr rtlCol="0" anchor="ctr"/>
+          <a:lstStyle/>
+          <a:p>
+            <a:pPr algn="ctr"/>
+          </a:p>
+        </p:txBody>
+      </p:sp>
+      <p:sp>
+        <p:nvSpPr>
+          <p:cNvPr id="8" name="Rounded Rectangle 7"/>
+          <p:cNvSpPr/>
+          <p:nvPr/>
+        </p:nvSpPr>
+        <p:spPr>
+          <a:xfrm>
+            <a:off x="7452360" y="2990088"/>
+            <a:ext cx="192024" cy="512063"/>
+          </a:xfrm>
+          <a:prstGeom prst="roundRect">
+            <a:avLst/>
+          </a:prstGeom>
+          <a:solidFill>
+            <a:srgbClr val="FFDAB9"/>
+          </a:solidFill>
+          <a:ln w="12700">
+            <a:solidFill>
+              <a:srgbClr val="B47850"/>
+            </a:solidFill>
+          </a:ln>
+        </p:spPr>
+        <p:style>
+          <a:lnRef idx="1">
+            <a:schemeClr val="accent1"/>
+          </a:lnRef>
+          <a:fillRef idx="3">
+            <a:schemeClr val="accent1"/>
+          </a:fillRef>
+          <a:effectRef idx="2">
+            <a:schemeClr val="accent1"/>
+          </a:effectRef>
+          <a:fontRef idx="minor">
+            <a:schemeClr val="lt1"/>
+          </a:fontRef>
+        </p:style>
+        <p:txBody>
+          <a:bodyPr rtlCol="0" anchor="ctr"/>
+          <a:lstStyle/>
+          <a:p>
+            <a:pPr algn="ctr"/>
+          </a:p>
+        </p:txBody>
+      </p:sp>
+      <p:sp>
+        <p:nvSpPr>
+          <p:cNvPr id="9" name="Oval 8"/>
+          <p:cNvSpPr/>
+          <p:nvPr/>
+        </p:nvSpPr>
+        <p:spPr>
+          <a:xfrm>
+            <a:off x="7260336" y="2061972"/>
+            <a:ext cx="128015" cy="128015"/>
+          </a:xfrm>
+          <a:prstGeom prst="ellipse">
+            <a:avLst/>
+          </a:prstGeom>
+          <a:solidFill>
+            <a:srgbClr val="DC3545"/>
+          </a:solidFill>
+          <a:ln>
+            <a:noFill/>
+          </a:ln>
+        </p:spPr>
+        <p:style>
+          <a:lnRef idx="1">
+            <a:schemeClr val="accent1"/>
+          </a:lnRef>
+          <a:fillRef idx="3">
+            <a:schemeClr val="accent1"/>
+          </a:fillRef>
+          <a:effectRef idx="2">
+            <a:schemeClr val="accent1"/>
+          </a:effectRef>
+          <a:fontRef idx="minor">
+            <a:schemeClr val="lt1"/>
+          </a:fontRef>
+        </p:style>
+        <p:txBody>
+          <a:bodyPr rtlCol="0" anchor="ctr"/>
+          <a:lstStyle/>
+          <a:p>
+            <a:pPr algn="ctr"/>
+          </a:p>
+        </p:txBody>
+      </p:sp>
+      <p:sp>
+        <p:nvSpPr>
+          <p:cNvPr id="10" name="TextBox 9"/>
           <p:cNvSpPr txBox="1"/>
           <p:nvPr/>
         </p:nvSpPr>
         <p:spPr>
           <a:xfrm>
             <a:off x="640080" y="1371600"/>
-            <a:ext cx="7863840" cy="5029200"/>
+            <a:ext cx="7132320" cy="5029200"/>
           </a:xfrm>
           <a:prstGeom prst="rect">
             <a:avLst/>
@@ -5201,7 +6824,7 @@
               </a:defRPr>
             </a:pPr>
             <a:r>
-              <a:t>• Inzidenz: 30-40% entwickeln Gallensteine nach Bypass</a:t>
+              <a:t>• Inzidenz: 1-16% der Patienten</a:t>
             </a:r>
           </a:p>
           <a:p>
@@ -5216,7 +6839,7 @@
               </a:defRPr>
             </a:pPr>
             <a:r>
-              <a:t>• Ursache: Schneller Gewichtsverlust → Cholesterinübersättigung</a:t>
+              <a:t>• Lokalisation: Jejunale Seite der Gastrojejunostomie</a:t>
             </a:r>
           </a:p>
           <a:p>
@@ -5231,7 +6854,7 @@
               </a:defRPr>
             </a:pPr>
             <a:r>
-              <a:t>• Symptome: Rechtsseitige Oberbauchschmerzen, Koliken</a:t>
+              <a:t>• Risikofaktoren: Rauchen (#1!), NSAR, H. pylori</a:t>
             </a:r>
           </a:p>
           <a:p>
@@ -5246,7 +6869,7 @@
               </a:defRPr>
             </a:pPr>
             <a:r>
-              <a:t>• Prävention: Ursodeoxycholsäure in den ersten 6 Monaten</a:t>
+              <a:t>•    → Große Pouch, Ischämie, Fremdmaterial</a:t>
             </a:r>
           </a:p>
           <a:p>
@@ -5261,7 +6884,7 @@
               </a:defRPr>
             </a:pPr>
             <a:r>
-              <a:t>• Therapie: Laparoskopische Cholezystektomie bei Symptomen</a:t>
+              <a:t>• Symptome: Epigastrische Schmerzen, GI-Blutung, Perforation</a:t>
             </a:r>
           </a:p>
           <a:p>
@@ -5276,7 +6899,22 @@
               </a:defRPr>
             </a:pPr>
             <a:r>
-              <a:t>• Einige Zentren führen prophylaktische Cholezystektomie durch</a:t>
+              <a:t>• Diagnose: Ösophagogastroduodenoskopie</a:t>
+            </a:r>
+          </a:p>
+          <a:p>
+            <a:pPr>
+              <a:spcAft>
+                <a:spcPts val="1200"/>
+              </a:spcAft>
+              <a:defRPr sz="2000">
+                <a:solidFill>
+                  <a:srgbClr val="333333"/>
+                </a:solidFill>
+              </a:defRPr>
+            </a:pPr>
+            <a:r>
+              <a:t>• Therapie: PPI 2x40mg, Rauchentwöhnung, H. pylori-Eradikation</a:t>
             </a:r>
           </a:p>
         </p:txBody>
@@ -5379,14 +7017,92 @@
       </p:sp>
       <p:sp>
         <p:nvSpPr>
-          <p:cNvPr id="4" name="TextBox 3"/>
+          <p:cNvPr id="4" name="Oval 3"/>
+          <p:cNvSpPr/>
+          <p:nvPr/>
+        </p:nvSpPr>
+        <p:spPr>
+          <a:xfrm>
+            <a:off x="8138160" y="1371600"/>
+            <a:ext cx="548640" cy="548640"/>
+          </a:xfrm>
+          <a:prstGeom prst="ellipse">
+            <a:avLst/>
+          </a:prstGeom>
+          <a:solidFill>
+            <a:srgbClr val="28A745"/>
+          </a:solidFill>
+          <a:ln>
+            <a:noFill/>
+          </a:ln>
+        </p:spPr>
+        <p:style>
+          <a:lnRef idx="1">
+            <a:schemeClr val="accent1"/>
+          </a:lnRef>
+          <a:fillRef idx="3">
+            <a:schemeClr val="accent1"/>
+          </a:fillRef>
+          <a:effectRef idx="2">
+            <a:schemeClr val="accent1"/>
+          </a:effectRef>
+          <a:fontRef idx="minor">
+            <a:schemeClr val="lt1"/>
+          </a:fontRef>
+        </p:style>
+        <p:txBody>
+          <a:bodyPr rtlCol="0" anchor="ctr"/>
+          <a:lstStyle/>
+          <a:p>
+            <a:pPr algn="ctr"/>
+          </a:p>
+        </p:txBody>
+      </p:sp>
+      <p:sp>
+        <p:nvSpPr>
+          <p:cNvPr id="5" name="TextBox 4"/>
           <p:cNvSpPr txBox="1"/>
           <p:nvPr/>
         </p:nvSpPr>
         <p:spPr>
           <a:xfrm>
+            <a:off x="8220456" y="1371600"/>
+            <a:ext cx="384048" cy="548640"/>
+          </a:xfrm>
+          <a:prstGeom prst="rect">
+            <a:avLst/>
+          </a:prstGeom>
+          <a:noFill/>
+        </p:spPr>
+        <p:txBody>
+          <a:bodyPr wrap="none">
+            <a:spAutoFit/>
+          </a:bodyPr>
+          <a:lstStyle/>
+          <a:p>
+            <a:pPr algn="ctr">
+              <a:defRPr sz="2400" b="1">
+                <a:solidFill>
+                  <a:srgbClr val="FFFFFF"/>
+                </a:solidFill>
+              </a:defRPr>
+            </a:pPr>
+            <a:r>
+              <a:t>✓</a:t>
+            </a:r>
+          </a:p>
+        </p:txBody>
+      </p:sp>
+      <p:sp>
+        <p:nvSpPr>
+          <p:cNvPr id="6" name="TextBox 5"/>
+          <p:cNvSpPr txBox="1"/>
+          <p:nvPr/>
+        </p:nvSpPr>
+        <p:spPr>
+          <a:xfrm>
             <a:off x="640080" y="1371600"/>
-            <a:ext cx="7863840" cy="5029200"/>
+            <a:ext cx="7132320" cy="5029200"/>
           </a:xfrm>
           <a:prstGeom prst="rect">
             <a:avLst/>
@@ -5611,21 +7327,101 @@
               </a:defRPr>
             </a:pPr>
             <a:r>
-              <a:t>Psychologische Komplikationen</a:t>
-            </a:r>
-          </a:p>
-        </p:txBody>
-      </p:sp>
-      <p:sp>
-        <p:nvSpPr>
-          <p:cNvPr id="4" name="TextBox 3"/>
+              <a:t>Cholelithiasis nach Magenbypass</a:t>
+            </a:r>
+          </a:p>
+        </p:txBody>
+      </p:sp>
+      <p:sp>
+        <p:nvSpPr>
+          <p:cNvPr id="4" name="Isosceles Triangle 3"/>
+          <p:cNvSpPr/>
+          <p:nvPr/>
+        </p:nvSpPr>
+        <p:spPr>
+          <a:xfrm>
+            <a:off x="8046720" y="1371600"/>
+            <a:ext cx="548640" cy="548640"/>
+          </a:xfrm>
+          <a:prstGeom prst="triangle">
+            <a:avLst/>
+          </a:prstGeom>
+          <a:solidFill>
+            <a:srgbClr val="FFC107"/>
+          </a:solidFill>
+          <a:ln w="25400">
+            <a:solidFill>
+              <a:srgbClr val="C89600"/>
+            </a:solidFill>
+          </a:ln>
+        </p:spPr>
+        <p:style>
+          <a:lnRef idx="1">
+            <a:schemeClr val="accent1"/>
+          </a:lnRef>
+          <a:fillRef idx="3">
+            <a:schemeClr val="accent1"/>
+          </a:fillRef>
+          <a:effectRef idx="2">
+            <a:schemeClr val="accent1"/>
+          </a:effectRef>
+          <a:fontRef idx="minor">
+            <a:schemeClr val="lt1"/>
+          </a:fontRef>
+        </p:style>
+        <p:txBody>
+          <a:bodyPr rtlCol="0" anchor="ctr"/>
+          <a:lstStyle/>
+          <a:p>
+            <a:pPr algn="ctr"/>
+          </a:p>
+        </p:txBody>
+      </p:sp>
+      <p:sp>
+        <p:nvSpPr>
+          <p:cNvPr id="5" name="TextBox 4"/>
           <p:cNvSpPr txBox="1"/>
           <p:nvPr/>
         </p:nvSpPr>
         <p:spPr>
           <a:xfrm>
+            <a:off x="8238744" y="1508760"/>
+            <a:ext cx="164592" cy="274320"/>
+          </a:xfrm>
+          <a:prstGeom prst="rect">
+            <a:avLst/>
+          </a:prstGeom>
+          <a:noFill/>
+        </p:spPr>
+        <p:txBody>
+          <a:bodyPr wrap="none">
+            <a:spAutoFit/>
+          </a:bodyPr>
+          <a:lstStyle/>
+          <a:p>
+            <a:pPr algn="ctr">
+              <a:defRPr sz="2100" b="1">
+                <a:solidFill>
+                  <a:srgbClr val="000000"/>
+                </a:solidFill>
+              </a:defRPr>
+            </a:pPr>
+            <a:r>
+              <a:t>!</a:t>
+            </a:r>
+          </a:p>
+        </p:txBody>
+      </p:sp>
+      <p:sp>
+        <p:nvSpPr>
+          <p:cNvPr id="6" name="TextBox 5"/>
+          <p:cNvSpPr txBox="1"/>
+          <p:nvPr/>
+        </p:nvSpPr>
+        <p:spPr>
+          <a:xfrm>
             <a:off x="640080" y="1371600"/>
-            <a:ext cx="7863840" cy="5029200"/>
+            <a:ext cx="7132320" cy="5029200"/>
           </a:xfrm>
           <a:prstGeom prst="rect">
             <a:avLst/>
@@ -5649,7 +7445,7 @@
               </a:defRPr>
             </a:pPr>
             <a:r>
-              <a:t>• Depressionen: Erhöhtes Risiko in den ersten Jahren</a:t>
+              <a:t>• Inzidenz: 30-40% entwickeln Gallensteine</a:t>
             </a:r>
           </a:p>
           <a:p>
@@ -5664,7 +7460,7 @@
               </a:defRPr>
             </a:pPr>
             <a:r>
-              <a:t>• Suchtverschiebung: Alkohol, Medikamente, Kaufsucht</a:t>
+              <a:t>• Zeitraum: Vor allem in ersten 6-12 Monaten</a:t>
             </a:r>
           </a:p>
           <a:p>
@@ -5679,7 +7475,7 @@
               </a:defRPr>
             </a:pPr>
             <a:r>
-              <a:t>• Essstörungen: Transfer Addiction Syndrome</a:t>
+              <a:t>• Ursache: Schneller Gewichtsverlust → Cholesterinsättigung</a:t>
             </a:r>
           </a:p>
           <a:p>
@@ -5694,7 +7490,7 @@
               </a:defRPr>
             </a:pPr>
             <a:r>
-              <a:t>• Beziehungsprobleme nach drastischer Gewichtsabnahme</a:t>
+              <a:t>• Symptome: Rechtsseitige Oberbauchschmerzen, Koliken</a:t>
             </a:r>
           </a:p>
           <a:p>
@@ -5709,7 +7505,7 @@
               </a:defRPr>
             </a:pPr>
             <a:r>
-              <a:t>• Suizidalität: Erhöhtes Risiko (besonders Jahre 2-5)</a:t>
+              <a:t>• Prävention: Ursodeoxycholsäure 600mg/d für 6 Monate</a:t>
             </a:r>
           </a:p>
           <a:p>
@@ -5724,7 +7520,22 @@
               </a:defRPr>
             </a:pPr>
             <a:r>
-              <a:t>• Lebenslange psychologische Betreuung empfohlen</a:t>
+              <a:t>• Therapie: Laparoskopische Cholezystektomie wenn symptomatisch</a:t>
+            </a:r>
+          </a:p>
+          <a:p>
+            <a:pPr>
+              <a:spcAft>
+                <a:spcPts val="1200"/>
+              </a:spcAft>
+              <a:defRPr sz="2000">
+                <a:solidFill>
+                  <a:srgbClr val="333333"/>
+                </a:solidFill>
+              </a:defRPr>
+            </a:pPr>
+            <a:r>
+              <a:t>• Kontrovers: Prophylaktische Cholezystektomie bei OP?</a:t>
             </a:r>
           </a:p>
         </p:txBody>
@@ -5820,21 +7631,66 @@
               </a:defRPr>
             </a:pPr>
             <a:r>
-              <a:t>Prävention und Langzeitmanagement</a:t>
-            </a:r>
-          </a:p>
-        </p:txBody>
-      </p:sp>
-      <p:sp>
-        <p:nvSpPr>
-          <p:cNvPr id="4" name="TextBox 3"/>
+              <a:t>Psychologische Komplikationen</a:t>
+            </a:r>
+          </a:p>
+        </p:txBody>
+      </p:sp>
+      <p:sp>
+        <p:nvSpPr>
+          <p:cNvPr id="4" name="Cloud 3"/>
+          <p:cNvSpPr/>
+          <p:nvPr/>
+        </p:nvSpPr>
+        <p:spPr>
+          <a:xfrm>
+            <a:off x="7863840" y="1371600"/>
+            <a:ext cx="731520" cy="585216"/>
+          </a:xfrm>
+          <a:prstGeom prst="cloud">
+            <a:avLst/>
+          </a:prstGeom>
+          <a:solidFill>
+            <a:srgbClr val="FFB6C1"/>
+          </a:solidFill>
+          <a:ln w="12700">
+            <a:solidFill>
+              <a:srgbClr val="B46478"/>
+            </a:solidFill>
+          </a:ln>
+        </p:spPr>
+        <p:style>
+          <a:lnRef idx="1">
+            <a:schemeClr val="accent1"/>
+          </a:lnRef>
+          <a:fillRef idx="3">
+            <a:schemeClr val="accent1"/>
+          </a:fillRef>
+          <a:effectRef idx="2">
+            <a:schemeClr val="accent1"/>
+          </a:effectRef>
+          <a:fontRef idx="minor">
+            <a:schemeClr val="lt1"/>
+          </a:fontRef>
+        </p:style>
+        <p:txBody>
+          <a:bodyPr rtlCol="0" anchor="ctr"/>
+          <a:lstStyle/>
+          <a:p>
+            <a:pPr algn="ctr"/>
+          </a:p>
+        </p:txBody>
+      </p:sp>
+      <p:sp>
+        <p:nvSpPr>
+          <p:cNvPr id="5" name="TextBox 4"/>
           <p:cNvSpPr txBox="1"/>
           <p:nvPr/>
         </p:nvSpPr>
         <p:spPr>
           <a:xfrm>
             <a:off x="640080" y="1371600"/>
-            <a:ext cx="7863840" cy="5029200"/>
+            <a:ext cx="7132320" cy="5029200"/>
           </a:xfrm>
           <a:prstGeom prst="rect">
             <a:avLst/>
@@ -5858,7 +7714,7 @@
               </a:defRPr>
             </a:pPr>
             <a:r>
-              <a:t>• Präoperative Patientenselektion und -edukation</a:t>
+              <a:t>• Depression: Erhöhtes Risiko, besonders bei ausbleibendem Erfolg</a:t>
             </a:r>
           </a:p>
           <a:p>
@@ -5873,7 +7729,7 @@
               </a:defRPr>
             </a:pPr>
             <a:r>
-              <a:t>• Strukturiertes Nachsorgeprogramm (lebenslang)</a:t>
+              <a:t>• Suchtverschiebung (Addiction Transfer):</a:t>
             </a:r>
           </a:p>
           <a:p>
@@ -5888,7 +7744,7 @@
               </a:defRPr>
             </a:pPr>
             <a:r>
-              <a:t>• Regelmäßige Laborkontrollen: alle 3-6 Monate initial</a:t>
+              <a:t>•    → Alkohol (beschleunigte Resorption!), Medikamente, Kaufsucht</a:t>
             </a:r>
           </a:p>
           <a:p>
@@ -5903,7 +7759,7 @@
               </a:defRPr>
             </a:pPr>
             <a:r>
-              <a:t>• Multivitamin- und Mineralstoffsupplementierung</a:t>
+              <a:t>• Essstörungen: Binge Eating, Night Eating Syndrome</a:t>
             </a:r>
           </a:p>
           <a:p>
@@ -5918,7 +7774,7 @@
               </a:defRPr>
             </a:pPr>
             <a:r>
-              <a:t>• Ernährungsberatung und Verhaltenstherapie</a:t>
+              <a:t>• Beziehungsprobleme: 20% höhere Scheidungsrate</a:t>
             </a:r>
           </a:p>
           <a:p>
@@ -5933,7 +7789,22 @@
               </a:defRPr>
             </a:pPr>
             <a:r>
-              <a:t>• Interdisziplinäres Team: Chirurg, Internist, Ernährungsberater, Psychologe</a:t>
+              <a:t>• Suizidalität: 2-4x erhöhtes Risiko (Jahre 2-5 postop)</a:t>
+            </a:r>
+          </a:p>
+          <a:p>
+            <a:pPr>
+              <a:spcAft>
+                <a:spcPts val="1200"/>
+              </a:spcAft>
+              <a:defRPr sz="2000">
+                <a:solidFill>
+                  <a:srgbClr val="333333"/>
+                </a:solidFill>
+              </a:defRPr>
+            </a:pPr>
+            <a:r>
+              <a:t>• Prävention: Präoperatives Screening, lebenslange Begleitung</a:t>
             </a:r>
           </a:p>
         </p:txBody>
@@ -5965,7 +7836,7 @@
         <p:spPr>
           <a:xfrm>
             <a:off x="0" y="0"/>
-            <a:ext cx="9144000" cy="6858000"/>
+            <a:ext cx="9144000" cy="1097280"/>
           </a:xfrm>
           <a:prstGeom prst="rect">
             <a:avLst/>
@@ -6007,8 +7878,8 @@
         </p:nvSpPr>
         <p:spPr>
           <a:xfrm>
-            <a:off x="457200" y="2286000"/>
-            <a:ext cx="8229600" cy="1371600"/>
+            <a:off x="457200" y="274320"/>
+            <a:ext cx="8229600" cy="731520"/>
           </a:xfrm>
           <a:prstGeom prst="rect">
             <a:avLst/>
@@ -6021,15 +7892,221 @@
           </a:bodyPr>
           <a:lstStyle/>
           <a:p>
+            <a:pPr>
+              <a:defRPr sz="3200" b="1">
+                <a:solidFill>
+                  <a:srgbClr val="FFFFFF"/>
+                </a:solidFill>
+              </a:defRPr>
+            </a:pPr>
+            <a:r>
+              <a:t>Prävention und Langzeitmanagement</a:t>
+            </a:r>
+          </a:p>
+        </p:txBody>
+      </p:sp>
+      <p:sp>
+        <p:nvSpPr>
+          <p:cNvPr id="4" name="Oval 3"/>
+          <p:cNvSpPr/>
+          <p:nvPr/>
+        </p:nvSpPr>
+        <p:spPr>
+          <a:xfrm>
+            <a:off x="8138160" y="1371600"/>
+            <a:ext cx="548640" cy="548640"/>
+          </a:xfrm>
+          <a:prstGeom prst="ellipse">
+            <a:avLst/>
+          </a:prstGeom>
+          <a:solidFill>
+            <a:srgbClr val="28A745"/>
+          </a:solidFill>
+          <a:ln>
+            <a:noFill/>
+          </a:ln>
+        </p:spPr>
+        <p:style>
+          <a:lnRef idx="1">
+            <a:schemeClr val="accent1"/>
+          </a:lnRef>
+          <a:fillRef idx="3">
+            <a:schemeClr val="accent1"/>
+          </a:fillRef>
+          <a:effectRef idx="2">
+            <a:schemeClr val="accent1"/>
+          </a:effectRef>
+          <a:fontRef idx="minor">
+            <a:schemeClr val="lt1"/>
+          </a:fontRef>
+        </p:style>
+        <p:txBody>
+          <a:bodyPr rtlCol="0" anchor="ctr"/>
+          <a:lstStyle/>
+          <a:p>
+            <a:pPr algn="ctr"/>
+          </a:p>
+        </p:txBody>
+      </p:sp>
+      <p:sp>
+        <p:nvSpPr>
+          <p:cNvPr id="5" name="TextBox 4"/>
+          <p:cNvSpPr txBox="1"/>
+          <p:nvPr/>
+        </p:nvSpPr>
+        <p:spPr>
+          <a:xfrm>
+            <a:off x="8220456" y="1371600"/>
+            <a:ext cx="384048" cy="548640"/>
+          </a:xfrm>
+          <a:prstGeom prst="rect">
+            <a:avLst/>
+          </a:prstGeom>
+          <a:noFill/>
+        </p:spPr>
+        <p:txBody>
+          <a:bodyPr wrap="none">
+            <a:spAutoFit/>
+          </a:bodyPr>
+          <a:lstStyle/>
+          <a:p>
             <a:pPr algn="ctr">
-              <a:defRPr sz="4400" b="1">
+              <a:defRPr sz="2400" b="1">
                 <a:solidFill>
                   <a:srgbClr val="FFFFFF"/>
                 </a:solidFill>
               </a:defRPr>
             </a:pPr>
             <a:r>
-              <a:t>Zusammenfassung</a:t>
+              <a:t>✓</a:t>
+            </a:r>
+          </a:p>
+        </p:txBody>
+      </p:sp>
+      <p:sp>
+        <p:nvSpPr>
+          <p:cNvPr id="6" name="TextBox 5"/>
+          <p:cNvSpPr txBox="1"/>
+          <p:nvPr/>
+        </p:nvSpPr>
+        <p:spPr>
+          <a:xfrm>
+            <a:off x="640080" y="1371600"/>
+            <a:ext cx="7132320" cy="5029200"/>
+          </a:xfrm>
+          <a:prstGeom prst="rect">
+            <a:avLst/>
+          </a:prstGeom>
+          <a:noFill/>
+        </p:spPr>
+        <p:txBody>
+          <a:bodyPr wrap="square">
+            <a:spAutoFit/>
+          </a:bodyPr>
+          <a:lstStyle/>
+          <a:p>
+            <a:pPr>
+              <a:spcAft>
+                <a:spcPts val="1200"/>
+              </a:spcAft>
+              <a:defRPr sz="2000">
+                <a:solidFill>
+                  <a:srgbClr val="333333"/>
+                </a:solidFill>
+              </a:defRPr>
+            </a:pPr>
+            <a:r>
+              <a:t>• Präoperativ: Sorgfältige Patientenselektion und Edukation</a:t>
+            </a:r>
+          </a:p>
+          <a:p>
+            <a:pPr>
+              <a:spcAft>
+                <a:spcPts val="1200"/>
+              </a:spcAft>
+              <a:defRPr sz="2000">
+                <a:solidFill>
+                  <a:srgbClr val="333333"/>
+                </a:solidFill>
+              </a:defRPr>
+            </a:pPr>
+            <a:r>
+              <a:t>• Perioperativ: Thromboseprophylaxe, Antibiotika</a:t>
+            </a:r>
+          </a:p>
+          <a:p>
+            <a:pPr>
+              <a:spcAft>
+                <a:spcPts val="1200"/>
+              </a:spcAft>
+              <a:defRPr sz="2000">
+                <a:solidFill>
+                  <a:srgbClr val="333333"/>
+                </a:solidFill>
+              </a:defRPr>
+            </a:pPr>
+            <a:r>
+              <a:t>• Nachsorge: Strukturiertes Programm (lebenslang!)</a:t>
+            </a:r>
+          </a:p>
+          <a:p>
+            <a:pPr>
+              <a:spcAft>
+                <a:spcPts val="1200"/>
+              </a:spcAft>
+              <a:defRPr sz="2000">
+                <a:solidFill>
+                  <a:srgbClr val="333333"/>
+                </a:solidFill>
+              </a:defRPr>
+            </a:pPr>
+            <a:r>
+              <a:t>•    → 1., 3., 6. Monat, dann halbjährlich, dann jährlich</a:t>
+            </a:r>
+          </a:p>
+          <a:p>
+            <a:pPr>
+              <a:spcAft>
+                <a:spcPts val="1200"/>
+              </a:spcAft>
+              <a:defRPr sz="2000">
+                <a:solidFill>
+                  <a:srgbClr val="333333"/>
+                </a:solidFill>
+              </a:defRPr>
+            </a:pPr>
+            <a:r>
+              <a:t>• Laborkontrollen: BB, Eisen, B12, Folat, Ca, Vit D, PTH</a:t>
+            </a:r>
+          </a:p>
+          <a:p>
+            <a:pPr>
+              <a:spcAft>
+                <a:spcPts val="1200"/>
+              </a:spcAft>
+              <a:defRPr sz="2000">
+                <a:solidFill>
+                  <a:srgbClr val="333333"/>
+                </a:solidFill>
+              </a:defRPr>
+            </a:pPr>
+            <a:r>
+              <a:t>• Multivitamin-Supplementierung obligat</a:t>
+            </a:r>
+          </a:p>
+          <a:p>
+            <a:pPr>
+              <a:spcAft>
+                <a:spcPts val="1200"/>
+              </a:spcAft>
+              <a:defRPr sz="2000">
+                <a:solidFill>
+                  <a:srgbClr val="333333"/>
+                </a:solidFill>
+              </a:defRPr>
+            </a:pPr>
+            <a:r>
+              <a:t>• Interdisziplinäres Team essentiell</a:t>
             </a:r>
           </a:p>
         </p:txBody>
@@ -6125,21 +8202,99 @@
               </a:defRPr>
             </a:pPr>
             <a:r>
-              <a:t>Kernbotschaften</a:t>
-            </a:r>
-          </a:p>
-        </p:txBody>
-      </p:sp>
-      <p:sp>
-        <p:nvSpPr>
-          <p:cNvPr id="4" name="TextBox 3"/>
+              <a:t>Zusammenfassung: Häufigkeiten</a:t>
+            </a:r>
+          </a:p>
+        </p:txBody>
+      </p:sp>
+      <p:sp>
+        <p:nvSpPr>
+          <p:cNvPr id="4" name="Rounded Rectangle 3"/>
+          <p:cNvSpPr/>
+          <p:nvPr/>
+        </p:nvSpPr>
+        <p:spPr>
+          <a:xfrm>
+            <a:off x="457200" y="1463040"/>
+            <a:ext cx="2651760" cy="1828800"/>
+          </a:xfrm>
+          <a:prstGeom prst="roundRect">
+            <a:avLst/>
+          </a:prstGeom>
+          <a:solidFill>
+            <a:srgbClr val="005293"/>
+          </a:solidFill>
+          <a:ln>
+            <a:noFill/>
+          </a:ln>
+        </p:spPr>
+        <p:style>
+          <a:lnRef idx="1">
+            <a:schemeClr val="accent1"/>
+          </a:lnRef>
+          <a:fillRef idx="3">
+            <a:schemeClr val="accent1"/>
+          </a:fillRef>
+          <a:effectRef idx="2">
+            <a:schemeClr val="accent1"/>
+          </a:effectRef>
+          <a:fontRef idx="minor">
+            <a:schemeClr val="lt1"/>
+          </a:fontRef>
+        </p:style>
+        <p:txBody>
+          <a:bodyPr rtlCol="0" anchor="ctr"/>
+          <a:lstStyle/>
+          <a:p>
+            <a:pPr algn="ctr"/>
+          </a:p>
+        </p:txBody>
+      </p:sp>
+      <p:sp>
+        <p:nvSpPr>
+          <p:cNvPr id="5" name="TextBox 4"/>
           <p:cNvSpPr txBox="1"/>
           <p:nvPr/>
         </p:nvSpPr>
         <p:spPr>
           <a:xfrm>
-            <a:off x="640080" y="1371600"/>
-            <a:ext cx="7863840" cy="5029200"/>
+            <a:off x="548640" y="1737360"/>
+            <a:ext cx="2468880" cy="731520"/>
+          </a:xfrm>
+          <a:prstGeom prst="rect">
+            <a:avLst/>
+          </a:prstGeom>
+          <a:noFill/>
+        </p:spPr>
+        <p:txBody>
+          <a:bodyPr wrap="none">
+            <a:spAutoFit/>
+          </a:bodyPr>
+          <a:lstStyle/>
+          <a:p>
+            <a:pPr algn="ctr">
+              <a:defRPr sz="3600" b="1">
+                <a:solidFill>
+                  <a:srgbClr val="FFFFFF"/>
+                </a:solidFill>
+              </a:defRPr>
+            </a:pPr>
+            <a:r>
+              <a:t>1-5%</a:t>
+            </a:r>
+          </a:p>
+        </p:txBody>
+      </p:sp>
+      <p:sp>
+        <p:nvSpPr>
+          <p:cNvPr id="6" name="TextBox 5"/>
+          <p:cNvSpPr txBox="1"/>
+          <p:nvPr/>
+        </p:nvSpPr>
+        <p:spPr>
+          <a:xfrm>
+            <a:off x="548640" y="2468880"/>
+            <a:ext cx="2468880" cy="640080"/>
           </a:xfrm>
           <a:prstGeom prst="rect">
             <a:avLst/>
@@ -6152,93 +8307,580 @@
           </a:bodyPr>
           <a:lstStyle/>
           <a:p>
-            <a:pPr>
-              <a:spcAft>
-                <a:spcPts val="1200"/>
-              </a:spcAft>
-              <a:defRPr sz="2000">
-                <a:solidFill>
-                  <a:srgbClr val="333333"/>
-                </a:solidFill>
-              </a:defRPr>
-            </a:pPr>
-            <a:r>
-              <a:t>• Magenbypass ist effektiv, aber mit Risiken verbunden</a:t>
-            </a:r>
-          </a:p>
-          <a:p>
-            <a:pPr>
-              <a:spcAft>
-                <a:spcPts val="1200"/>
-              </a:spcAft>
-              <a:defRPr sz="2000">
-                <a:solidFill>
-                  <a:srgbClr val="333333"/>
-                </a:solidFill>
-              </a:defRPr>
-            </a:pPr>
-            <a:r>
-              <a:t>• Frühe Komplikationen erfordern sofortiges Handeln</a:t>
-            </a:r>
-          </a:p>
-          <a:p>
-            <a:pPr>
-              <a:spcAft>
-                <a:spcPts val="1200"/>
-              </a:spcAft>
-              <a:defRPr sz="2000">
-                <a:solidFill>
-                  <a:srgbClr val="333333"/>
-                </a:solidFill>
-              </a:defRPr>
-            </a:pPr>
-            <a:r>
-              <a:t>• Späte Komplikationen erfordern Vigilanz und Nachsorge</a:t>
-            </a:r>
-          </a:p>
-          <a:p>
-            <a:pPr>
-              <a:spcAft>
-                <a:spcPts val="1200"/>
-              </a:spcAft>
-              <a:defRPr sz="2000">
-                <a:solidFill>
-                  <a:srgbClr val="333333"/>
-                </a:solidFill>
-              </a:defRPr>
-            </a:pPr>
-            <a:r>
-              <a:t>• Nährstoffmängel sind häufig und behandelbar</a:t>
-            </a:r>
-          </a:p>
-          <a:p>
-            <a:pPr>
-              <a:spcAft>
-                <a:spcPts val="1200"/>
-              </a:spcAft>
-              <a:defRPr sz="2000">
-                <a:solidFill>
-                  <a:srgbClr val="333333"/>
-                </a:solidFill>
-              </a:defRPr>
-            </a:pPr>
-            <a:r>
-              <a:t>• Lebenslange Nachsorge ist unerlässlich</a:t>
-            </a:r>
-          </a:p>
-          <a:p>
-            <a:pPr>
-              <a:spcAft>
-                <a:spcPts val="1200"/>
-              </a:spcAft>
-              <a:defRPr sz="2000">
-                <a:solidFill>
-                  <a:srgbClr val="333333"/>
-                </a:solidFill>
-              </a:defRPr>
-            </a:pPr>
-            <a:r>
-              <a:t>• Interdisziplinäre Betreuung verbessert Outcomes</a:t>
+            <a:pPr algn="ctr">
+              <a:defRPr sz="1400">
+                <a:solidFill>
+                  <a:srgbClr val="FFFFFF"/>
+                </a:solidFill>
+              </a:defRPr>
+            </a:pPr>
+            <a:r>
+              <a:t>Anastomoseninsuffizienz</a:t>
+            </a:r>
+          </a:p>
+        </p:txBody>
+      </p:sp>
+      <p:sp>
+        <p:nvSpPr>
+          <p:cNvPr id="7" name="Rounded Rectangle 6"/>
+          <p:cNvSpPr/>
+          <p:nvPr/>
+        </p:nvSpPr>
+        <p:spPr>
+          <a:xfrm>
+            <a:off x="3383280" y="1463040"/>
+            <a:ext cx="2651760" cy="1828800"/>
+          </a:xfrm>
+          <a:prstGeom prst="roundRect">
+            <a:avLst/>
+          </a:prstGeom>
+          <a:solidFill>
+            <a:srgbClr val="DC3545"/>
+          </a:solidFill>
+          <a:ln>
+            <a:noFill/>
+          </a:ln>
+        </p:spPr>
+        <p:style>
+          <a:lnRef idx="1">
+            <a:schemeClr val="accent1"/>
+          </a:lnRef>
+          <a:fillRef idx="3">
+            <a:schemeClr val="accent1"/>
+          </a:fillRef>
+          <a:effectRef idx="2">
+            <a:schemeClr val="accent1"/>
+          </a:effectRef>
+          <a:fontRef idx="minor">
+            <a:schemeClr val="lt1"/>
+          </a:fontRef>
+        </p:style>
+        <p:txBody>
+          <a:bodyPr rtlCol="0" anchor="ctr"/>
+          <a:lstStyle/>
+          <a:p>
+            <a:pPr algn="ctr"/>
+          </a:p>
+        </p:txBody>
+      </p:sp>
+      <p:sp>
+        <p:nvSpPr>
+          <p:cNvPr id="8" name="TextBox 7"/>
+          <p:cNvSpPr txBox="1"/>
+          <p:nvPr/>
+        </p:nvSpPr>
+        <p:spPr>
+          <a:xfrm>
+            <a:off x="3474720" y="1737360"/>
+            <a:ext cx="2468880" cy="731520"/>
+          </a:xfrm>
+          <a:prstGeom prst="rect">
+            <a:avLst/>
+          </a:prstGeom>
+          <a:noFill/>
+        </p:spPr>
+        <p:txBody>
+          <a:bodyPr wrap="none">
+            <a:spAutoFit/>
+          </a:bodyPr>
+          <a:lstStyle/>
+          <a:p>
+            <a:pPr algn="ctr">
+              <a:defRPr sz="3600" b="1">
+                <a:solidFill>
+                  <a:srgbClr val="FFFFFF"/>
+                </a:solidFill>
+              </a:defRPr>
+            </a:pPr>
+            <a:r>
+              <a:t>20-50%</a:t>
+            </a:r>
+          </a:p>
+        </p:txBody>
+      </p:sp>
+      <p:sp>
+        <p:nvSpPr>
+          <p:cNvPr id="9" name="TextBox 8"/>
+          <p:cNvSpPr txBox="1"/>
+          <p:nvPr/>
+        </p:nvSpPr>
+        <p:spPr>
+          <a:xfrm>
+            <a:off x="3474720" y="2468880"/>
+            <a:ext cx="2468880" cy="640080"/>
+          </a:xfrm>
+          <a:prstGeom prst="rect">
+            <a:avLst/>
+          </a:prstGeom>
+          <a:noFill/>
+        </p:spPr>
+        <p:txBody>
+          <a:bodyPr wrap="square">
+            <a:spAutoFit/>
+          </a:bodyPr>
+          <a:lstStyle/>
+          <a:p>
+            <a:pPr algn="ctr">
+              <a:defRPr sz="1400">
+                <a:solidFill>
+                  <a:srgbClr val="FFFFFF"/>
+                </a:solidFill>
+              </a:defRPr>
+            </a:pPr>
+            <a:r>
+              <a:t>Dumping-Syndrom</a:t>
+            </a:r>
+          </a:p>
+        </p:txBody>
+      </p:sp>
+      <p:sp>
+        <p:nvSpPr>
+          <p:cNvPr id="10" name="Rounded Rectangle 9"/>
+          <p:cNvSpPr/>
+          <p:nvPr/>
+        </p:nvSpPr>
+        <p:spPr>
+          <a:xfrm>
+            <a:off x="6309360" y="1463040"/>
+            <a:ext cx="2651760" cy="1828800"/>
+          </a:xfrm>
+          <a:prstGeom prst="roundRect">
+            <a:avLst/>
+          </a:prstGeom>
+          <a:solidFill>
+            <a:srgbClr val="28A745"/>
+          </a:solidFill>
+          <a:ln>
+            <a:noFill/>
+          </a:ln>
+        </p:spPr>
+        <p:style>
+          <a:lnRef idx="1">
+            <a:schemeClr val="accent1"/>
+          </a:lnRef>
+          <a:fillRef idx="3">
+            <a:schemeClr val="accent1"/>
+          </a:fillRef>
+          <a:effectRef idx="2">
+            <a:schemeClr val="accent1"/>
+          </a:effectRef>
+          <a:fontRef idx="minor">
+            <a:schemeClr val="lt1"/>
+          </a:fontRef>
+        </p:style>
+        <p:txBody>
+          <a:bodyPr rtlCol="0" anchor="ctr"/>
+          <a:lstStyle/>
+          <a:p>
+            <a:pPr algn="ctr"/>
+          </a:p>
+        </p:txBody>
+      </p:sp>
+      <p:sp>
+        <p:nvSpPr>
+          <p:cNvPr id="11" name="TextBox 10"/>
+          <p:cNvSpPr txBox="1"/>
+          <p:nvPr/>
+        </p:nvSpPr>
+        <p:spPr>
+          <a:xfrm>
+            <a:off x="6400800" y="1737360"/>
+            <a:ext cx="2468880" cy="731520"/>
+          </a:xfrm>
+          <a:prstGeom prst="rect">
+            <a:avLst/>
+          </a:prstGeom>
+          <a:noFill/>
+        </p:spPr>
+        <p:txBody>
+          <a:bodyPr wrap="none">
+            <a:spAutoFit/>
+          </a:bodyPr>
+          <a:lstStyle/>
+          <a:p>
+            <a:pPr algn="ctr">
+              <a:defRPr sz="3600" b="1">
+                <a:solidFill>
+                  <a:srgbClr val="FFFFFF"/>
+                </a:solidFill>
+              </a:defRPr>
+            </a:pPr>
+            <a:r>
+              <a:t>30-70%</a:t>
+            </a:r>
+          </a:p>
+        </p:txBody>
+      </p:sp>
+      <p:sp>
+        <p:nvSpPr>
+          <p:cNvPr id="12" name="TextBox 11"/>
+          <p:cNvSpPr txBox="1"/>
+          <p:nvPr/>
+        </p:nvSpPr>
+        <p:spPr>
+          <a:xfrm>
+            <a:off x="6400800" y="2468880"/>
+            <a:ext cx="2468880" cy="640080"/>
+          </a:xfrm>
+          <a:prstGeom prst="rect">
+            <a:avLst/>
+          </a:prstGeom>
+          <a:noFill/>
+        </p:spPr>
+        <p:txBody>
+          <a:bodyPr wrap="square">
+            <a:spAutoFit/>
+          </a:bodyPr>
+          <a:lstStyle/>
+          <a:p>
+            <a:pPr algn="ctr">
+              <a:defRPr sz="1400">
+                <a:solidFill>
+                  <a:srgbClr val="FFFFFF"/>
+                </a:solidFill>
+              </a:defRPr>
+            </a:pPr>
+            <a:r>
+              <a:t>Vitamin B12-Mangel</a:t>
+            </a:r>
+          </a:p>
+        </p:txBody>
+      </p:sp>
+      <p:sp>
+        <p:nvSpPr>
+          <p:cNvPr id="13" name="Rounded Rectangle 12"/>
+          <p:cNvSpPr/>
+          <p:nvPr/>
+        </p:nvSpPr>
+        <p:spPr>
+          <a:xfrm>
+            <a:off x="457200" y="3657600"/>
+            <a:ext cx="2651760" cy="1828800"/>
+          </a:xfrm>
+          <a:prstGeom prst="roundRect">
+            <a:avLst/>
+          </a:prstGeom>
+          <a:solidFill>
+            <a:srgbClr val="FFC107"/>
+          </a:solidFill>
+          <a:ln>
+            <a:noFill/>
+          </a:ln>
+        </p:spPr>
+        <p:style>
+          <a:lnRef idx="1">
+            <a:schemeClr val="accent1"/>
+          </a:lnRef>
+          <a:fillRef idx="3">
+            <a:schemeClr val="accent1"/>
+          </a:fillRef>
+          <a:effectRef idx="2">
+            <a:schemeClr val="accent1"/>
+          </a:effectRef>
+          <a:fontRef idx="minor">
+            <a:schemeClr val="lt1"/>
+          </a:fontRef>
+        </p:style>
+        <p:txBody>
+          <a:bodyPr rtlCol="0" anchor="ctr"/>
+          <a:lstStyle/>
+          <a:p>
+            <a:pPr algn="ctr"/>
+          </a:p>
+        </p:txBody>
+      </p:sp>
+      <p:sp>
+        <p:nvSpPr>
+          <p:cNvPr id="14" name="TextBox 13"/>
+          <p:cNvSpPr txBox="1"/>
+          <p:nvPr/>
+        </p:nvSpPr>
+        <p:spPr>
+          <a:xfrm>
+            <a:off x="548640" y="3931920"/>
+            <a:ext cx="2468880" cy="731520"/>
+          </a:xfrm>
+          <a:prstGeom prst="rect">
+            <a:avLst/>
+          </a:prstGeom>
+          <a:noFill/>
+        </p:spPr>
+        <p:txBody>
+          <a:bodyPr wrap="none">
+            <a:spAutoFit/>
+          </a:bodyPr>
+          <a:lstStyle/>
+          <a:p>
+            <a:pPr algn="ctr">
+              <a:defRPr sz="3600" b="1">
+                <a:solidFill>
+                  <a:srgbClr val="FFFFFF"/>
+                </a:solidFill>
+              </a:defRPr>
+            </a:pPr>
+            <a:r>
+              <a:t>2-5%</a:t>
+            </a:r>
+          </a:p>
+        </p:txBody>
+      </p:sp>
+      <p:sp>
+        <p:nvSpPr>
+          <p:cNvPr id="15" name="TextBox 14"/>
+          <p:cNvSpPr txBox="1"/>
+          <p:nvPr/>
+        </p:nvSpPr>
+        <p:spPr>
+          <a:xfrm>
+            <a:off x="548640" y="4663440"/>
+            <a:ext cx="2468880" cy="640080"/>
+          </a:xfrm>
+          <a:prstGeom prst="rect">
+            <a:avLst/>
+          </a:prstGeom>
+          <a:noFill/>
+        </p:spPr>
+        <p:txBody>
+          <a:bodyPr wrap="square">
+            <a:spAutoFit/>
+          </a:bodyPr>
+          <a:lstStyle/>
+          <a:p>
+            <a:pPr algn="ctr">
+              <a:defRPr sz="1400">
+                <a:solidFill>
+                  <a:srgbClr val="FFFFFF"/>
+                </a:solidFill>
+              </a:defRPr>
+            </a:pPr>
+            <a:r>
+              <a:t>Innere Hernien</a:t>
+            </a:r>
+          </a:p>
+        </p:txBody>
+      </p:sp>
+      <p:sp>
+        <p:nvSpPr>
+          <p:cNvPr id="16" name="Rounded Rectangle 15"/>
+          <p:cNvSpPr/>
+          <p:nvPr/>
+        </p:nvSpPr>
+        <p:spPr>
+          <a:xfrm>
+            <a:off x="3383280" y="3657600"/>
+            <a:ext cx="2651760" cy="1828800"/>
+          </a:xfrm>
+          <a:prstGeom prst="roundRect">
+            <a:avLst/>
+          </a:prstGeom>
+          <a:solidFill>
+            <a:srgbClr val="17A2B8"/>
+          </a:solidFill>
+          <a:ln>
+            <a:noFill/>
+          </a:ln>
+        </p:spPr>
+        <p:style>
+          <a:lnRef idx="1">
+            <a:schemeClr val="accent1"/>
+          </a:lnRef>
+          <a:fillRef idx="3">
+            <a:schemeClr val="accent1"/>
+          </a:fillRef>
+          <a:effectRef idx="2">
+            <a:schemeClr val="accent1"/>
+          </a:effectRef>
+          <a:fontRef idx="minor">
+            <a:schemeClr val="lt1"/>
+          </a:fontRef>
+        </p:style>
+        <p:txBody>
+          <a:bodyPr rtlCol="0" anchor="ctr"/>
+          <a:lstStyle/>
+          <a:p>
+            <a:pPr algn="ctr"/>
+          </a:p>
+        </p:txBody>
+      </p:sp>
+      <p:sp>
+        <p:nvSpPr>
+          <p:cNvPr id="17" name="TextBox 16"/>
+          <p:cNvSpPr txBox="1"/>
+          <p:nvPr/>
+        </p:nvSpPr>
+        <p:spPr>
+          <a:xfrm>
+            <a:off x="3474720" y="3931920"/>
+            <a:ext cx="2468880" cy="731520"/>
+          </a:xfrm>
+          <a:prstGeom prst="rect">
+            <a:avLst/>
+          </a:prstGeom>
+          <a:noFill/>
+        </p:spPr>
+        <p:txBody>
+          <a:bodyPr wrap="none">
+            <a:spAutoFit/>
+          </a:bodyPr>
+          <a:lstStyle/>
+          <a:p>
+            <a:pPr algn="ctr">
+              <a:defRPr sz="3600" b="1">
+                <a:solidFill>
+                  <a:srgbClr val="FFFFFF"/>
+                </a:solidFill>
+              </a:defRPr>
+            </a:pPr>
+            <a:r>
+              <a:t>1-16%</a:t>
+            </a:r>
+          </a:p>
+        </p:txBody>
+      </p:sp>
+      <p:sp>
+        <p:nvSpPr>
+          <p:cNvPr id="18" name="TextBox 17"/>
+          <p:cNvSpPr txBox="1"/>
+          <p:nvPr/>
+        </p:nvSpPr>
+        <p:spPr>
+          <a:xfrm>
+            <a:off x="3474720" y="4663440"/>
+            <a:ext cx="2468880" cy="640080"/>
+          </a:xfrm>
+          <a:prstGeom prst="rect">
+            <a:avLst/>
+          </a:prstGeom>
+          <a:noFill/>
+        </p:spPr>
+        <p:txBody>
+          <a:bodyPr wrap="square">
+            <a:spAutoFit/>
+          </a:bodyPr>
+          <a:lstStyle/>
+          <a:p>
+            <a:pPr algn="ctr">
+              <a:defRPr sz="1400">
+                <a:solidFill>
+                  <a:srgbClr val="FFFFFF"/>
+                </a:solidFill>
+              </a:defRPr>
+            </a:pPr>
+            <a:r>
+              <a:t>Marginalulzera</a:t>
+            </a:r>
+          </a:p>
+        </p:txBody>
+      </p:sp>
+      <p:sp>
+        <p:nvSpPr>
+          <p:cNvPr id="19" name="Rounded Rectangle 18"/>
+          <p:cNvSpPr/>
+          <p:nvPr/>
+        </p:nvSpPr>
+        <p:spPr>
+          <a:xfrm>
+            <a:off x="6309360" y="3657600"/>
+            <a:ext cx="2651760" cy="1828800"/>
+          </a:xfrm>
+          <a:prstGeom prst="roundRect">
+            <a:avLst/>
+          </a:prstGeom>
+          <a:solidFill>
+            <a:srgbClr val="6C757D"/>
+          </a:solidFill>
+          <a:ln>
+            <a:noFill/>
+          </a:ln>
+        </p:spPr>
+        <p:style>
+          <a:lnRef idx="1">
+            <a:schemeClr val="accent1"/>
+          </a:lnRef>
+          <a:fillRef idx="3">
+            <a:schemeClr val="accent1"/>
+          </a:fillRef>
+          <a:effectRef idx="2">
+            <a:schemeClr val="accent1"/>
+          </a:effectRef>
+          <a:fontRef idx="minor">
+            <a:schemeClr val="lt1"/>
+          </a:fontRef>
+        </p:style>
+        <p:txBody>
+          <a:bodyPr rtlCol="0" anchor="ctr"/>
+          <a:lstStyle/>
+          <a:p>
+            <a:pPr algn="ctr"/>
+          </a:p>
+        </p:txBody>
+      </p:sp>
+      <p:sp>
+        <p:nvSpPr>
+          <p:cNvPr id="20" name="TextBox 19"/>
+          <p:cNvSpPr txBox="1"/>
+          <p:nvPr/>
+        </p:nvSpPr>
+        <p:spPr>
+          <a:xfrm>
+            <a:off x="6400800" y="3931920"/>
+            <a:ext cx="2468880" cy="731520"/>
+          </a:xfrm>
+          <a:prstGeom prst="rect">
+            <a:avLst/>
+          </a:prstGeom>
+          <a:noFill/>
+        </p:spPr>
+        <p:txBody>
+          <a:bodyPr wrap="none">
+            <a:spAutoFit/>
+          </a:bodyPr>
+          <a:lstStyle/>
+          <a:p>
+            <a:pPr algn="ctr">
+              <a:defRPr sz="3600" b="1">
+                <a:solidFill>
+                  <a:srgbClr val="FFFFFF"/>
+                </a:solidFill>
+              </a:defRPr>
+            </a:pPr>
+            <a:r>
+              <a:t>30-40%</a:t>
+            </a:r>
+          </a:p>
+        </p:txBody>
+      </p:sp>
+      <p:sp>
+        <p:nvSpPr>
+          <p:cNvPr id="21" name="TextBox 20"/>
+          <p:cNvSpPr txBox="1"/>
+          <p:nvPr/>
+        </p:nvSpPr>
+        <p:spPr>
+          <a:xfrm>
+            <a:off x="6400800" y="4663440"/>
+            <a:ext cx="2468880" cy="640080"/>
+          </a:xfrm>
+          <a:prstGeom prst="rect">
+            <a:avLst/>
+          </a:prstGeom>
+          <a:noFill/>
+        </p:spPr>
+        <p:txBody>
+          <a:bodyPr wrap="square">
+            <a:spAutoFit/>
+          </a:bodyPr>
+          <a:lstStyle/>
+          <a:p>
+            <a:pPr algn="ctr">
+              <a:defRPr sz="1400">
+                <a:solidFill>
+                  <a:srgbClr val="FFFFFF"/>
+                </a:solidFill>
+              </a:defRPr>
+            </a:pPr>
+            <a:r>
+              <a:t>Gallensteine</a:t>
             </a:r>
           </a:p>
         </p:txBody>
@@ -6270,7 +8912,7 @@
         <p:spPr>
           <a:xfrm>
             <a:off x="0" y="0"/>
-            <a:ext cx="9144000" cy="6858000"/>
+            <a:ext cx="9144000" cy="1097280"/>
           </a:xfrm>
           <a:prstGeom prst="rect">
             <a:avLst/>
@@ -6312,8 +8954,8 @@
         </p:nvSpPr>
         <p:spPr>
           <a:xfrm>
-            <a:off x="457200" y="2286000"/>
-            <a:ext cx="8229600" cy="1371600"/>
+            <a:off x="457200" y="274320"/>
+            <a:ext cx="8229600" cy="731520"/>
           </a:xfrm>
           <a:prstGeom prst="rect">
             <a:avLst/>
@@ -6326,29 +8968,72 @@
           </a:bodyPr>
           <a:lstStyle/>
           <a:p>
-            <a:pPr algn="ctr">
-              <a:defRPr sz="4400" b="1">
+            <a:pPr>
+              <a:defRPr sz="3200" b="1">
                 <a:solidFill>
                   <a:srgbClr val="FFFFFF"/>
                 </a:solidFill>
               </a:defRPr>
             </a:pPr>
             <a:r>
-              <a:t>Vielen Dank für Ihre Aufmerksamkeit!</a:t>
-            </a:r>
-          </a:p>
-        </p:txBody>
-      </p:sp>
-      <p:sp>
-        <p:nvSpPr>
-          <p:cNvPr id="4" name="TextBox 3"/>
+              <a:t>Kernbotschaften</a:t>
+            </a:r>
+          </a:p>
+        </p:txBody>
+      </p:sp>
+      <p:sp>
+        <p:nvSpPr>
+          <p:cNvPr id="4" name="Oval 3"/>
+          <p:cNvSpPr/>
+          <p:nvPr/>
+        </p:nvSpPr>
+        <p:spPr>
+          <a:xfrm>
+            <a:off x="8138160" y="1371600"/>
+            <a:ext cx="548640" cy="548640"/>
+          </a:xfrm>
+          <a:prstGeom prst="ellipse">
+            <a:avLst/>
+          </a:prstGeom>
+          <a:solidFill>
+            <a:srgbClr val="28A745"/>
+          </a:solidFill>
+          <a:ln>
+            <a:noFill/>
+          </a:ln>
+        </p:spPr>
+        <p:style>
+          <a:lnRef idx="1">
+            <a:schemeClr val="accent1"/>
+          </a:lnRef>
+          <a:fillRef idx="3">
+            <a:schemeClr val="accent1"/>
+          </a:fillRef>
+          <a:effectRef idx="2">
+            <a:schemeClr val="accent1"/>
+          </a:effectRef>
+          <a:fontRef idx="minor">
+            <a:schemeClr val="lt1"/>
+          </a:fontRef>
+        </p:style>
+        <p:txBody>
+          <a:bodyPr rtlCol="0" anchor="ctr"/>
+          <a:lstStyle/>
+          <a:p>
+            <a:pPr algn="ctr"/>
+          </a:p>
+        </p:txBody>
+      </p:sp>
+      <p:sp>
+        <p:nvSpPr>
+          <p:cNvPr id="5" name="TextBox 4"/>
           <p:cNvSpPr txBox="1"/>
           <p:nvPr/>
         </p:nvSpPr>
         <p:spPr>
           <a:xfrm>
-            <a:off x="457200" y="3657600"/>
-            <a:ext cx="8229600" cy="914400"/>
+            <a:off x="8220456" y="1371600"/>
+            <a:ext cx="384048" cy="548640"/>
           </a:xfrm>
           <a:prstGeom prst="rect">
             <a:avLst/>
@@ -6362,6 +9047,265 @@
           <a:lstStyle/>
           <a:p>
             <a:pPr algn="ctr">
+              <a:defRPr sz="2400" b="1">
+                <a:solidFill>
+                  <a:srgbClr val="FFFFFF"/>
+                </a:solidFill>
+              </a:defRPr>
+            </a:pPr>
+            <a:r>
+              <a:t>✓</a:t>
+            </a:r>
+          </a:p>
+        </p:txBody>
+      </p:sp>
+      <p:sp>
+        <p:nvSpPr>
+          <p:cNvPr id="6" name="TextBox 5"/>
+          <p:cNvSpPr txBox="1"/>
+          <p:nvPr/>
+        </p:nvSpPr>
+        <p:spPr>
+          <a:xfrm>
+            <a:off x="640080" y="1371600"/>
+            <a:ext cx="7132320" cy="5029200"/>
+          </a:xfrm>
+          <a:prstGeom prst="rect">
+            <a:avLst/>
+          </a:prstGeom>
+          <a:noFill/>
+        </p:spPr>
+        <p:txBody>
+          <a:bodyPr wrap="square">
+            <a:spAutoFit/>
+          </a:bodyPr>
+          <a:lstStyle/>
+          <a:p>
+            <a:pPr>
+              <a:spcAft>
+                <a:spcPts val="1200"/>
+              </a:spcAft>
+              <a:defRPr sz="2000">
+                <a:solidFill>
+                  <a:srgbClr val="333333"/>
+                </a:solidFill>
+              </a:defRPr>
+            </a:pPr>
+            <a:r>
+              <a:t>• Magenbypass ist effektiv, erfordert aber Vigilanz</a:t>
+            </a:r>
+          </a:p>
+          <a:p>
+            <a:pPr>
+              <a:spcAft>
+                <a:spcPts val="1200"/>
+              </a:spcAft>
+              <a:defRPr sz="2000">
+                <a:solidFill>
+                  <a:srgbClr val="333333"/>
+                </a:solidFill>
+              </a:defRPr>
+            </a:pPr>
+            <a:r>
+              <a:t>• Frühe Komplikationen: Tachykardie als Warnsignal!</a:t>
+            </a:r>
+          </a:p>
+          <a:p>
+            <a:pPr>
+              <a:spcAft>
+                <a:spcPts val="1200"/>
+              </a:spcAft>
+              <a:defRPr sz="2000">
+                <a:solidFill>
+                  <a:srgbClr val="333333"/>
+                </a:solidFill>
+              </a:defRPr>
+            </a:pPr>
+            <a:r>
+              <a:t>• Späte Komplikationen: Oft schleichend, regelmäßige Kontrollen</a:t>
+            </a:r>
+          </a:p>
+          <a:p>
+            <a:pPr>
+              <a:spcAft>
+                <a:spcPts val="1200"/>
+              </a:spcAft>
+              <a:defRPr sz="2000">
+                <a:solidFill>
+                  <a:srgbClr val="333333"/>
+                </a:solidFill>
+              </a:defRPr>
+            </a:pPr>
+            <a:r>
+              <a:t>• Nährstoffmängel sind häufig, aber gut behandelbar</a:t>
+            </a:r>
+          </a:p>
+          <a:p>
+            <a:pPr>
+              <a:spcAft>
+                <a:spcPts val="1200"/>
+              </a:spcAft>
+              <a:defRPr sz="2000">
+                <a:solidFill>
+                  <a:srgbClr val="333333"/>
+                </a:solidFill>
+              </a:defRPr>
+            </a:pPr>
+            <a:r>
+              <a:t>• Psychische Gesundheit nicht vergessen</a:t>
+            </a:r>
+          </a:p>
+          <a:p>
+            <a:pPr>
+              <a:spcAft>
+                <a:spcPts val="1200"/>
+              </a:spcAft>
+              <a:defRPr sz="2000">
+                <a:solidFill>
+                  <a:srgbClr val="333333"/>
+                </a:solidFill>
+              </a:defRPr>
+            </a:pPr>
+            <a:r>
+              <a:t>• Lebenslange Nachsorge ist unerlässlich</a:t>
+            </a:r>
+          </a:p>
+          <a:p>
+            <a:pPr>
+              <a:spcAft>
+                <a:spcPts val="1200"/>
+              </a:spcAft>
+              <a:defRPr sz="2000">
+                <a:solidFill>
+                  <a:srgbClr val="333333"/>
+                </a:solidFill>
+              </a:defRPr>
+            </a:pPr>
+            <a:r>
+              <a:t>• Interdisziplinäre Betreuung verbessert Outcomes</a:t>
+            </a:r>
+          </a:p>
+        </p:txBody>
+      </p:sp>
+    </p:spTree>
+  </p:cSld>
+  <p:clrMapOvr>
+    <a:masterClrMapping/>
+  </p:clrMapOvr>
+</p:sld>
+</file>
+
+<file path=ppt/slides/slide25.xml><?xml version="1.0" encoding="utf-8"?>
+<p:sld xmlns:a="http://schemas.openxmlformats.org/drawingml/2006/main" xmlns:p="http://schemas.openxmlformats.org/presentationml/2006/main" xmlns:r="http://schemas.openxmlformats.org/officeDocument/2006/relationships">
+  <p:cSld>
+    <p:spTree>
+      <p:nvGrpSpPr>
+        <p:cNvPr id="1" name=""/>
+        <p:cNvGrpSpPr/>
+        <p:nvPr/>
+      </p:nvGrpSpPr>
+      <p:grpSpPr/>
+      <p:sp>
+        <p:nvSpPr>
+          <p:cNvPr id="2" name="Rectangle 1"/>
+          <p:cNvSpPr/>
+          <p:nvPr/>
+        </p:nvSpPr>
+        <p:spPr>
+          <a:xfrm>
+            <a:off x="0" y="0"/>
+            <a:ext cx="9144000" cy="6858000"/>
+          </a:xfrm>
+          <a:prstGeom prst="rect">
+            <a:avLst/>
+          </a:prstGeom>
+          <a:solidFill>
+            <a:srgbClr val="005293"/>
+          </a:solidFill>
+          <a:ln>
+            <a:noFill/>
+          </a:ln>
+        </p:spPr>
+        <p:style>
+          <a:lnRef idx="1">
+            <a:schemeClr val="accent1"/>
+          </a:lnRef>
+          <a:fillRef idx="3">
+            <a:schemeClr val="accent1"/>
+          </a:fillRef>
+          <a:effectRef idx="2">
+            <a:schemeClr val="accent1"/>
+          </a:effectRef>
+          <a:fontRef idx="minor">
+            <a:schemeClr val="lt1"/>
+          </a:fontRef>
+        </p:style>
+        <p:txBody>
+          <a:bodyPr rtlCol="0" anchor="ctr"/>
+          <a:lstStyle/>
+          <a:p>
+            <a:pPr algn="ctr"/>
+          </a:p>
+        </p:txBody>
+      </p:sp>
+      <p:sp>
+        <p:nvSpPr>
+          <p:cNvPr id="3" name="TextBox 2"/>
+          <p:cNvSpPr txBox="1"/>
+          <p:nvPr/>
+        </p:nvSpPr>
+        <p:spPr>
+          <a:xfrm>
+            <a:off x="457200" y="2286000"/>
+            <a:ext cx="8229600" cy="1371600"/>
+          </a:xfrm>
+          <a:prstGeom prst="rect">
+            <a:avLst/>
+          </a:prstGeom>
+          <a:noFill/>
+        </p:spPr>
+        <p:txBody>
+          <a:bodyPr wrap="none">
+            <a:spAutoFit/>
+          </a:bodyPr>
+          <a:lstStyle/>
+          <a:p>
+            <a:pPr algn="ctr">
+              <a:defRPr sz="4400" b="1">
+                <a:solidFill>
+                  <a:srgbClr val="FFFFFF"/>
+                </a:solidFill>
+              </a:defRPr>
+            </a:pPr>
+            <a:r>
+              <a:t>Vielen Dank für Ihre Aufmerksamkeit!</a:t>
+            </a:r>
+          </a:p>
+        </p:txBody>
+      </p:sp>
+      <p:sp>
+        <p:nvSpPr>
+          <p:cNvPr id="4" name="TextBox 3"/>
+          <p:cNvSpPr txBox="1"/>
+          <p:nvPr/>
+        </p:nvSpPr>
+        <p:spPr>
+          <a:xfrm>
+            <a:off x="457200" y="3657600"/>
+            <a:ext cx="8229600" cy="914400"/>
+          </a:xfrm>
+          <a:prstGeom prst="rect">
+            <a:avLst/>
+          </a:prstGeom>
+          <a:noFill/>
+        </p:spPr>
+        <p:txBody>
+          <a:bodyPr wrap="none">
+            <a:spAutoFit/>
+          </a:bodyPr>
+          <a:lstStyle/>
+          <a:p>
+            <a:pPr algn="ctr">
               <a:defRPr sz="2400">
                 <a:solidFill>
                   <a:srgbClr val="C8DCFF"/>
@@ -6369,8 +9313,51 @@
               </a:defRPr>
             </a:pPr>
             <a:r>
-              <a:t>Fragen?</a:t>
-            </a:r>
+              <a:t>Fragen und Diskussion</a:t>
+            </a:r>
+          </a:p>
+        </p:txBody>
+      </p:sp>
+      <p:sp>
+        <p:nvSpPr>
+          <p:cNvPr id="5" name="Heart 4"/>
+          <p:cNvSpPr/>
+          <p:nvPr/>
+        </p:nvSpPr>
+        <p:spPr>
+          <a:xfrm>
+            <a:off x="4297680" y="5029200"/>
+            <a:ext cx="548640" cy="548640"/>
+          </a:xfrm>
+          <a:prstGeom prst="heart">
+            <a:avLst/>
+          </a:prstGeom>
+          <a:solidFill>
+            <a:srgbClr val="DC3545"/>
+          </a:solidFill>
+          <a:ln>
+            <a:noFill/>
+          </a:ln>
+        </p:spPr>
+        <p:style>
+          <a:lnRef idx="1">
+            <a:schemeClr val="accent1"/>
+          </a:lnRef>
+          <a:fillRef idx="3">
+            <a:schemeClr val="accent1"/>
+          </a:fillRef>
+          <a:effectRef idx="2">
+            <a:schemeClr val="accent1"/>
+          </a:effectRef>
+          <a:fontRef idx="minor">
+            <a:schemeClr val="lt1"/>
+          </a:fontRef>
+        </p:style>
+        <p:txBody>
+          <a:bodyPr rtlCol="0" anchor="ctr"/>
+          <a:lstStyle/>
+          <a:p>
+            <a:pPr algn="ctr"/>
           </a:p>
         </p:txBody>
       </p:sp>
@@ -6465,21 +9452,578 @@
               </a:defRPr>
             </a:pPr>
             <a:r>
-              <a:t>Einführung: Der Magenbypass</a:t>
-            </a:r>
-          </a:p>
-        </p:txBody>
-      </p:sp>
-      <p:sp>
-        <p:nvSpPr>
-          <p:cNvPr id="4" name="TextBox 3"/>
+              <a:t>Anatomie des Roux-en-Y Magenbypasses</a:t>
+            </a:r>
+          </a:p>
+        </p:txBody>
+      </p:sp>
+      <p:sp>
+        <p:nvSpPr>
+          <p:cNvPr id="4" name="Rounded Rectangle 3"/>
+          <p:cNvSpPr/>
+          <p:nvPr/>
+        </p:nvSpPr>
+        <p:spPr>
+          <a:xfrm>
+            <a:off x="2029968" y="1152144"/>
+            <a:ext cx="411480" cy="822960"/>
+          </a:xfrm>
+          <a:prstGeom prst="roundRect">
+            <a:avLst/>
+          </a:prstGeom>
+          <a:solidFill>
+            <a:srgbClr val="FFC8B4"/>
+          </a:solidFill>
+          <a:ln>
+            <a:solidFill>
+              <a:srgbClr val="B46450"/>
+            </a:solidFill>
+          </a:ln>
+        </p:spPr>
+        <p:style>
+          <a:lnRef idx="1">
+            <a:schemeClr val="accent1"/>
+          </a:lnRef>
+          <a:fillRef idx="3">
+            <a:schemeClr val="accent1"/>
+          </a:fillRef>
+          <a:effectRef idx="2">
+            <a:schemeClr val="accent1"/>
+          </a:effectRef>
+          <a:fontRef idx="minor">
+            <a:schemeClr val="lt1"/>
+          </a:fontRef>
+        </p:style>
+        <p:txBody>
+          <a:bodyPr rtlCol="0" anchor="ctr"/>
+          <a:lstStyle/>
+          <a:p>
+            <a:pPr algn="ctr"/>
+          </a:p>
+        </p:txBody>
+      </p:sp>
+      <p:sp>
+        <p:nvSpPr>
+          <p:cNvPr id="5" name="Oval 4"/>
+          <p:cNvSpPr/>
+          <p:nvPr/>
+        </p:nvSpPr>
+        <p:spPr>
+          <a:xfrm>
+            <a:off x="1618488" y="1810512"/>
+            <a:ext cx="1234440" cy="1481328"/>
+          </a:xfrm>
+          <a:prstGeom prst="ellipse">
+            <a:avLst/>
+          </a:prstGeom>
+          <a:solidFill>
+            <a:srgbClr val="FF9696"/>
+          </a:solidFill>
+          <a:ln w="25400">
+            <a:solidFill>
+              <a:srgbClr val="B43C3C"/>
+            </a:solidFill>
+          </a:ln>
+        </p:spPr>
+        <p:style>
+          <a:lnRef idx="1">
+            <a:schemeClr val="accent1"/>
+          </a:lnRef>
+          <a:fillRef idx="3">
+            <a:schemeClr val="accent1"/>
+          </a:fillRef>
+          <a:effectRef idx="2">
+            <a:schemeClr val="accent1"/>
+          </a:effectRef>
+          <a:fontRef idx="minor">
+            <a:schemeClr val="lt1"/>
+          </a:fontRef>
+        </p:style>
+        <p:txBody>
+          <a:bodyPr rtlCol="0" anchor="ctr"/>
+          <a:lstStyle/>
+          <a:p>
+            <a:pPr algn="ctr"/>
+          </a:p>
+        </p:txBody>
+      </p:sp>
+      <p:sp>
+        <p:nvSpPr>
+          <p:cNvPr id="6" name="Oval 5"/>
+          <p:cNvSpPr/>
+          <p:nvPr/>
+        </p:nvSpPr>
+        <p:spPr>
+          <a:xfrm>
+            <a:off x="3182112" y="1975104"/>
+            <a:ext cx="1975104" cy="2633472"/>
+          </a:xfrm>
+          <a:prstGeom prst="ellipse">
+            <a:avLst/>
+          </a:prstGeom>
+          <a:solidFill>
+            <a:srgbClr val="B4B4B4"/>
+          </a:solidFill>
+          <a:ln w="12700">
+            <a:solidFill>
+              <a:srgbClr val="787878"/>
+            </a:solidFill>
+          </a:ln>
+        </p:spPr>
+        <p:style>
+          <a:lnRef idx="1">
+            <a:schemeClr val="accent1"/>
+          </a:lnRef>
+          <a:fillRef idx="3">
+            <a:schemeClr val="accent1"/>
+          </a:fillRef>
+          <a:effectRef idx="2">
+            <a:schemeClr val="accent1"/>
+          </a:effectRef>
+          <a:fontRef idx="minor">
+            <a:schemeClr val="lt1"/>
+          </a:fontRef>
+        </p:style>
+        <p:txBody>
+          <a:bodyPr rtlCol="0" anchor="ctr"/>
+          <a:lstStyle/>
+          <a:p>
+            <a:pPr algn="ctr"/>
+          </a:p>
+        </p:txBody>
+      </p:sp>
+      <p:sp>
+        <p:nvSpPr>
+          <p:cNvPr id="7" name="Rounded Rectangle 6"/>
+          <p:cNvSpPr/>
+          <p:nvPr/>
+        </p:nvSpPr>
+        <p:spPr>
+          <a:xfrm>
+            <a:off x="3675887" y="4443984"/>
+            <a:ext cx="493776" cy="1316736"/>
+          </a:xfrm>
+          <a:prstGeom prst="roundRect">
+            <a:avLst/>
+          </a:prstGeom>
+          <a:solidFill>
+            <a:srgbClr val="C8C8C8"/>
+          </a:solidFill>
+          <a:ln>
+            <a:solidFill>
+              <a:srgbClr val="969696"/>
+            </a:solidFill>
+          </a:ln>
+        </p:spPr>
+        <p:style>
+          <a:lnRef idx="1">
+            <a:schemeClr val="accent1"/>
+          </a:lnRef>
+          <a:fillRef idx="3">
+            <a:schemeClr val="accent1"/>
+          </a:fillRef>
+          <a:effectRef idx="2">
+            <a:schemeClr val="accent1"/>
+          </a:effectRef>
+          <a:fontRef idx="minor">
+            <a:schemeClr val="lt1"/>
+          </a:fontRef>
+        </p:style>
+        <p:txBody>
+          <a:bodyPr rtlCol="0" anchor="ctr"/>
+          <a:lstStyle/>
+          <a:p>
+            <a:pPr algn="ctr"/>
+          </a:p>
+        </p:txBody>
+      </p:sp>
+      <p:sp>
+        <p:nvSpPr>
+          <p:cNvPr id="8" name="Rounded Rectangle 7"/>
+          <p:cNvSpPr/>
+          <p:nvPr/>
+        </p:nvSpPr>
+        <p:spPr>
+          <a:xfrm>
+            <a:off x="1865376" y="3127248"/>
+            <a:ext cx="576072" cy="2962656"/>
+          </a:xfrm>
+          <a:prstGeom prst="roundRect">
+            <a:avLst/>
+          </a:prstGeom>
+          <a:solidFill>
+            <a:srgbClr val="FFDCC8"/>
+          </a:solidFill>
+          <a:ln w="25400">
+            <a:solidFill>
+              <a:srgbClr val="C88C64"/>
+            </a:solidFill>
+          </a:ln>
+        </p:spPr>
+        <p:style>
+          <a:lnRef idx="1">
+            <a:schemeClr val="accent1"/>
+          </a:lnRef>
+          <a:fillRef idx="3">
+            <a:schemeClr val="accent1"/>
+          </a:fillRef>
+          <a:effectRef idx="2">
+            <a:schemeClr val="accent1"/>
+          </a:effectRef>
+          <a:fontRef idx="minor">
+            <a:schemeClr val="lt1"/>
+          </a:fontRef>
+        </p:style>
+        <p:txBody>
+          <a:bodyPr rtlCol="0" anchor="ctr"/>
+          <a:lstStyle/>
+          <a:p>
+            <a:pPr algn="ctr"/>
+          </a:p>
+        </p:txBody>
+      </p:sp>
+      <p:sp>
+        <p:nvSpPr>
+          <p:cNvPr id="9" name="Rounded Rectangle 8"/>
+          <p:cNvSpPr/>
+          <p:nvPr/>
+        </p:nvSpPr>
+        <p:spPr>
+          <a:xfrm>
+            <a:off x="3346704" y="5596128"/>
+            <a:ext cx="576072" cy="1481328"/>
+          </a:xfrm>
+          <a:prstGeom prst="roundRect">
+            <a:avLst/>
+          </a:prstGeom>
+          <a:solidFill>
+            <a:srgbClr val="C8FFC8"/>
+          </a:solidFill>
+          <a:ln>
+            <a:solidFill>
+              <a:srgbClr val="64B464"/>
+            </a:solidFill>
+          </a:ln>
+        </p:spPr>
+        <p:style>
+          <a:lnRef idx="1">
+            <a:schemeClr val="accent1"/>
+          </a:lnRef>
+          <a:fillRef idx="3">
+            <a:schemeClr val="accent1"/>
+          </a:fillRef>
+          <a:effectRef idx="2">
+            <a:schemeClr val="accent1"/>
+          </a:effectRef>
+          <a:fontRef idx="minor">
+            <a:schemeClr val="lt1"/>
+          </a:fontRef>
+        </p:style>
+        <p:txBody>
+          <a:bodyPr rtlCol="0" anchor="ctr"/>
+          <a:lstStyle/>
+          <a:p>
+            <a:pPr algn="ctr"/>
+          </a:p>
+        </p:txBody>
+      </p:sp>
+      <p:sp>
+        <p:nvSpPr>
+          <p:cNvPr id="10" name="Rounded Rectangle 9"/>
+          <p:cNvSpPr/>
+          <p:nvPr/>
+        </p:nvSpPr>
+        <p:spPr>
+          <a:xfrm>
+            <a:off x="2523744" y="5925312"/>
+            <a:ext cx="576072" cy="1645920"/>
+          </a:xfrm>
+          <a:prstGeom prst="roundRect">
+            <a:avLst/>
+          </a:prstGeom>
+          <a:solidFill>
+            <a:srgbClr val="FFF0C8"/>
+          </a:solidFill>
+          <a:ln>
+            <a:solidFill>
+              <a:srgbClr val="B49650"/>
+            </a:solidFill>
+          </a:ln>
+        </p:spPr>
+        <p:style>
+          <a:lnRef idx="1">
+            <a:schemeClr val="accent1"/>
+          </a:lnRef>
+          <a:fillRef idx="3">
+            <a:schemeClr val="accent1"/>
+          </a:fillRef>
+          <a:effectRef idx="2">
+            <a:schemeClr val="accent1"/>
+          </a:effectRef>
+          <a:fontRef idx="minor">
+            <a:schemeClr val="lt1"/>
+          </a:fontRef>
+        </p:style>
+        <p:txBody>
+          <a:bodyPr rtlCol="0" anchor="ctr"/>
+          <a:lstStyle/>
+          <a:p>
+            <a:pPr algn="ctr"/>
+          </a:p>
+        </p:txBody>
+      </p:sp>
+      <p:sp>
+        <p:nvSpPr>
+          <p:cNvPr id="11" name="Oval 10"/>
+          <p:cNvSpPr/>
+          <p:nvPr/>
+        </p:nvSpPr>
+        <p:spPr>
+          <a:xfrm>
+            <a:off x="1947672" y="3044952"/>
+            <a:ext cx="411480" cy="411480"/>
+          </a:xfrm>
+          <a:prstGeom prst="ellipse">
+            <a:avLst/>
+          </a:prstGeom>
+          <a:solidFill>
+            <a:srgbClr val="DC3545"/>
+          </a:solidFill>
+          <a:ln>
+            <a:noFill/>
+          </a:ln>
+        </p:spPr>
+        <p:style>
+          <a:lnRef idx="1">
+            <a:schemeClr val="accent1"/>
+          </a:lnRef>
+          <a:fillRef idx="3">
+            <a:schemeClr val="accent1"/>
+          </a:fillRef>
+          <a:effectRef idx="2">
+            <a:schemeClr val="accent1"/>
+          </a:effectRef>
+          <a:fontRef idx="minor">
+            <a:schemeClr val="lt1"/>
+          </a:fontRef>
+        </p:style>
+        <p:txBody>
+          <a:bodyPr rtlCol="0" anchor="ctr"/>
+          <a:lstStyle/>
+          <a:p>
+            <a:pPr algn="ctr"/>
+          </a:p>
+        </p:txBody>
+      </p:sp>
+      <p:sp>
+        <p:nvSpPr>
+          <p:cNvPr id="12" name="Oval 11"/>
+          <p:cNvSpPr/>
+          <p:nvPr/>
+        </p:nvSpPr>
+        <p:spPr>
+          <a:xfrm>
+            <a:off x="2606040" y="5843016"/>
+            <a:ext cx="329184" cy="329184"/>
+          </a:xfrm>
+          <a:prstGeom prst="ellipse">
+            <a:avLst/>
+          </a:prstGeom>
+          <a:solidFill>
+            <a:srgbClr val="FFC107"/>
+          </a:solidFill>
+          <a:ln>
+            <a:noFill/>
+          </a:ln>
+        </p:spPr>
+        <p:style>
+          <a:lnRef idx="1">
+            <a:schemeClr val="accent1"/>
+          </a:lnRef>
+          <a:fillRef idx="3">
+            <a:schemeClr val="accent1"/>
+          </a:fillRef>
+          <a:effectRef idx="2">
+            <a:schemeClr val="accent1"/>
+          </a:effectRef>
+          <a:fontRef idx="minor">
+            <a:schemeClr val="lt1"/>
+          </a:fontRef>
+        </p:style>
+        <p:txBody>
+          <a:bodyPr rtlCol="0" anchor="ctr"/>
+          <a:lstStyle/>
+          <a:p>
+            <a:pPr algn="ctr"/>
+          </a:p>
+        </p:txBody>
+      </p:sp>
+      <p:sp>
+        <p:nvSpPr>
+          <p:cNvPr id="13" name="Oval 12"/>
+          <p:cNvSpPr/>
+          <p:nvPr/>
+        </p:nvSpPr>
+        <p:spPr>
+          <a:xfrm>
+            <a:off x="1371600" y="7735824"/>
+            <a:ext cx="137160" cy="137160"/>
+          </a:xfrm>
+          <a:prstGeom prst="ellipse">
+            <a:avLst/>
+          </a:prstGeom>
+          <a:solidFill>
+            <a:srgbClr val="DC3545"/>
+          </a:solidFill>
+          <a:ln>
+            <a:noFill/>
+          </a:ln>
+        </p:spPr>
+        <p:style>
+          <a:lnRef idx="1">
+            <a:schemeClr val="accent1"/>
+          </a:lnRef>
+          <a:fillRef idx="3">
+            <a:schemeClr val="accent1"/>
+          </a:fillRef>
+          <a:effectRef idx="2">
+            <a:schemeClr val="accent1"/>
+          </a:effectRef>
+          <a:fontRef idx="minor">
+            <a:schemeClr val="lt1"/>
+          </a:fontRef>
+        </p:style>
+        <p:txBody>
+          <a:bodyPr rtlCol="0" anchor="ctr"/>
+          <a:lstStyle/>
+          <a:p>
+            <a:pPr algn="ctr"/>
+          </a:p>
+        </p:txBody>
+      </p:sp>
+      <p:sp>
+        <p:nvSpPr>
+          <p:cNvPr id="14" name="TextBox 13"/>
           <p:cNvSpPr txBox="1"/>
           <p:nvPr/>
         </p:nvSpPr>
         <p:spPr>
           <a:xfrm>
-            <a:off x="640080" y="1371600"/>
-            <a:ext cx="7863840" cy="5029200"/>
+            <a:off x="1554480" y="7690104"/>
+            <a:ext cx="1828800" cy="274320"/>
+          </a:xfrm>
+          <a:prstGeom prst="rect">
+            <a:avLst/>
+          </a:prstGeom>
+          <a:noFill/>
+        </p:spPr>
+        <p:txBody>
+          <a:bodyPr wrap="none">
+            <a:spAutoFit/>
+          </a:bodyPr>
+          <a:lstStyle/>
+          <a:p>
+            <a:pPr>
+              <a:defRPr sz="1100">
+                <a:solidFill>
+                  <a:srgbClr val="505050"/>
+                </a:solidFill>
+              </a:defRPr>
+            </a:pPr>
+            <a:r>
+              <a:t>Gastrojejunostomie</a:t>
+            </a:r>
+          </a:p>
+        </p:txBody>
+      </p:sp>
+      <p:sp>
+        <p:nvSpPr>
+          <p:cNvPr id="15" name="Oval 14"/>
+          <p:cNvSpPr/>
+          <p:nvPr/>
+        </p:nvSpPr>
+        <p:spPr>
+          <a:xfrm>
+            <a:off x="1371600" y="7964424"/>
+            <a:ext cx="137160" cy="137160"/>
+          </a:xfrm>
+          <a:prstGeom prst="ellipse">
+            <a:avLst/>
+          </a:prstGeom>
+          <a:solidFill>
+            <a:srgbClr val="FFC107"/>
+          </a:solidFill>
+          <a:ln>
+            <a:noFill/>
+          </a:ln>
+        </p:spPr>
+        <p:style>
+          <a:lnRef idx="1">
+            <a:schemeClr val="accent1"/>
+          </a:lnRef>
+          <a:fillRef idx="3">
+            <a:schemeClr val="accent1"/>
+          </a:fillRef>
+          <a:effectRef idx="2">
+            <a:schemeClr val="accent1"/>
+          </a:effectRef>
+          <a:fontRef idx="minor">
+            <a:schemeClr val="lt1"/>
+          </a:fontRef>
+        </p:style>
+        <p:txBody>
+          <a:bodyPr rtlCol="0" anchor="ctr"/>
+          <a:lstStyle/>
+          <a:p>
+            <a:pPr algn="ctr"/>
+          </a:p>
+        </p:txBody>
+      </p:sp>
+      <p:sp>
+        <p:nvSpPr>
+          <p:cNvPr id="16" name="TextBox 15"/>
+          <p:cNvSpPr txBox="1"/>
+          <p:nvPr/>
+        </p:nvSpPr>
+        <p:spPr>
+          <a:xfrm>
+            <a:off x="1554480" y="7918704"/>
+            <a:ext cx="1828800" cy="274320"/>
+          </a:xfrm>
+          <a:prstGeom prst="rect">
+            <a:avLst/>
+          </a:prstGeom>
+          <a:noFill/>
+        </p:spPr>
+        <p:txBody>
+          <a:bodyPr wrap="none">
+            <a:spAutoFit/>
+          </a:bodyPr>
+          <a:lstStyle/>
+          <a:p>
+            <a:pPr>
+              <a:defRPr sz="1100">
+                <a:solidFill>
+                  <a:srgbClr val="505050"/>
+                </a:solidFill>
+              </a:defRPr>
+            </a:pPr>
+            <a:r>
+              <a:t>Jejunojejunostomie</a:t>
+            </a:r>
+          </a:p>
+        </p:txBody>
+      </p:sp>
+      <p:sp>
+        <p:nvSpPr>
+          <p:cNvPr id="17" name="TextBox 16"/>
+          <p:cNvSpPr txBox="1"/>
+          <p:nvPr/>
+        </p:nvSpPr>
+        <p:spPr>
+          <a:xfrm>
+            <a:off x="5029200" y="1828800"/>
+            <a:ext cx="3657600" cy="731520"/>
           </a:xfrm>
           <a:prstGeom prst="rect">
             <a:avLst/>
@@ -6493,92 +10037,214 @@
           <a:lstStyle/>
           <a:p>
             <a:pPr>
-              <a:spcAft>
-                <a:spcPts val="1200"/>
-              </a:spcAft>
-              <a:defRPr sz="2000">
-                <a:solidFill>
-                  <a:srgbClr val="333333"/>
-                </a:solidFill>
-              </a:defRPr>
-            </a:pPr>
-            <a:r>
-              <a:t>• Roux-en-Y-Magenbypass (RYGB) ist der Goldstandard</a:t>
-            </a:r>
-          </a:p>
-          <a:p>
-            <a:pPr>
-              <a:spcAft>
-                <a:spcPts val="1200"/>
-              </a:spcAft>
-              <a:defRPr sz="2000">
-                <a:solidFill>
-                  <a:srgbClr val="333333"/>
-                </a:solidFill>
-              </a:defRPr>
-            </a:pPr>
-            <a:r>
-              <a:t>• Kombiniert restriktive und malabsorptive Mechanismen</a:t>
-            </a:r>
-          </a:p>
-          <a:p>
-            <a:pPr>
-              <a:spcAft>
-                <a:spcPts val="1200"/>
-              </a:spcAft>
-              <a:defRPr sz="2000">
-                <a:solidFill>
-                  <a:srgbClr val="333333"/>
-                </a:solidFill>
-              </a:defRPr>
-            </a:pPr>
-            <a:r>
-              <a:t>• Effektiver Gewichtsverlust: 60-80% des Übergewichts</a:t>
-            </a:r>
-          </a:p>
-          <a:p>
-            <a:pPr>
-              <a:spcAft>
-                <a:spcPts val="1200"/>
-              </a:spcAft>
-              <a:defRPr sz="2000">
-                <a:solidFill>
-                  <a:srgbClr val="333333"/>
-                </a:solidFill>
-              </a:defRPr>
-            </a:pPr>
-            <a:r>
-              <a:t>• Verbesserung von Komorbiditäten (Diabetes, Hypertonie)</a:t>
-            </a:r>
-          </a:p>
-          <a:p>
-            <a:pPr>
-              <a:spcAft>
-                <a:spcPts val="1200"/>
-              </a:spcAft>
-              <a:defRPr sz="2000">
-                <a:solidFill>
-                  <a:srgbClr val="333333"/>
-                </a:solidFill>
-              </a:defRPr>
-            </a:pPr>
-            <a:r>
-              <a:t>• Komplikationsrate: 10-20% insgesamt</a:t>
-            </a:r>
-          </a:p>
-          <a:p>
-            <a:pPr>
-              <a:spcAft>
-                <a:spcPts val="1200"/>
-              </a:spcAft>
-              <a:defRPr sz="2000">
-                <a:solidFill>
-                  <a:srgbClr val="333333"/>
-                </a:solidFill>
-              </a:defRPr>
-            </a:pPr>
-            <a:r>
-              <a:t>• Mortalitätsrate: &lt; 0,5% in erfahrenen Zentren</a:t>
+              <a:defRPr sz="1600" b="1">
+                <a:solidFill>
+                  <a:srgbClr val="005293"/>
+                </a:solidFill>
+              </a:defRPr>
+            </a:pPr>
+            <a:r>
+              <a:t>Magenpouch</a:t>
+            </a:r>
+          </a:p>
+          <a:p>
+            <a:pPr>
+              <a:defRPr sz="1400">
+                <a:solidFill>
+                  <a:srgbClr val="505050"/>
+                </a:solidFill>
+              </a:defRPr>
+            </a:pPr>
+            <a:r>
+              <a:t>Kleiner verbleibender Magen (~30ml)</a:t>
+            </a:r>
+          </a:p>
+        </p:txBody>
+      </p:sp>
+      <p:sp>
+        <p:nvSpPr>
+          <p:cNvPr id="18" name="TextBox 17"/>
+          <p:cNvSpPr txBox="1"/>
+          <p:nvPr/>
+        </p:nvSpPr>
+        <p:spPr>
+          <a:xfrm>
+            <a:off x="5029200" y="2651760"/>
+            <a:ext cx="3657600" cy="731520"/>
+          </a:xfrm>
+          <a:prstGeom prst="rect">
+            <a:avLst/>
+          </a:prstGeom>
+          <a:noFill/>
+        </p:spPr>
+        <p:txBody>
+          <a:bodyPr wrap="square">
+            <a:spAutoFit/>
+          </a:bodyPr>
+          <a:lstStyle/>
+          <a:p>
+            <a:pPr>
+              <a:defRPr sz="1600" b="1">
+                <a:solidFill>
+                  <a:srgbClr val="005293"/>
+                </a:solidFill>
+              </a:defRPr>
+            </a:pPr>
+            <a:r>
+              <a:t>Restmagen</a:t>
+            </a:r>
+          </a:p>
+          <a:p>
+            <a:pPr>
+              <a:defRPr sz="1400">
+                <a:solidFill>
+                  <a:srgbClr val="505050"/>
+                </a:solidFill>
+              </a:defRPr>
+            </a:pPr>
+            <a:r>
+              <a:t>Ausgeschalteter Magenanteil (grau)</a:t>
+            </a:r>
+          </a:p>
+        </p:txBody>
+      </p:sp>
+      <p:sp>
+        <p:nvSpPr>
+          <p:cNvPr id="19" name="TextBox 18"/>
+          <p:cNvSpPr txBox="1"/>
+          <p:nvPr/>
+        </p:nvSpPr>
+        <p:spPr>
+          <a:xfrm>
+            <a:off x="5029200" y="3474720"/>
+            <a:ext cx="3657600" cy="731520"/>
+          </a:xfrm>
+          <a:prstGeom prst="rect">
+            <a:avLst/>
+          </a:prstGeom>
+          <a:noFill/>
+        </p:spPr>
+        <p:txBody>
+          <a:bodyPr wrap="square">
+            <a:spAutoFit/>
+          </a:bodyPr>
+          <a:lstStyle/>
+          <a:p>
+            <a:pPr>
+              <a:defRPr sz="1600" b="1">
+                <a:solidFill>
+                  <a:srgbClr val="005293"/>
+                </a:solidFill>
+              </a:defRPr>
+            </a:pPr>
+            <a:r>
+              <a:t>Alimentäre Schlinge</a:t>
+            </a:r>
+          </a:p>
+          <a:p>
+            <a:pPr>
+              <a:defRPr sz="1400">
+                <a:solidFill>
+                  <a:srgbClr val="505050"/>
+                </a:solidFill>
+              </a:defRPr>
+            </a:pPr>
+            <a:r>
+              <a:t>Roux-Schlinge für Nahrung</a:t>
+            </a:r>
+          </a:p>
+        </p:txBody>
+      </p:sp>
+      <p:sp>
+        <p:nvSpPr>
+          <p:cNvPr id="20" name="TextBox 19"/>
+          <p:cNvSpPr txBox="1"/>
+          <p:nvPr/>
+        </p:nvSpPr>
+        <p:spPr>
+          <a:xfrm>
+            <a:off x="5029200" y="4297680"/>
+            <a:ext cx="3657600" cy="731520"/>
+          </a:xfrm>
+          <a:prstGeom prst="rect">
+            <a:avLst/>
+          </a:prstGeom>
+          <a:noFill/>
+        </p:spPr>
+        <p:txBody>
+          <a:bodyPr wrap="square">
+            <a:spAutoFit/>
+          </a:bodyPr>
+          <a:lstStyle/>
+          <a:p>
+            <a:pPr>
+              <a:defRPr sz="1600" b="1">
+                <a:solidFill>
+                  <a:srgbClr val="005293"/>
+                </a:solidFill>
+              </a:defRPr>
+            </a:pPr>
+            <a:r>
+              <a:t>Biliopankreatische Schlinge</a:t>
+            </a:r>
+          </a:p>
+          <a:p>
+            <a:pPr>
+              <a:defRPr sz="1400">
+                <a:solidFill>
+                  <a:srgbClr val="505050"/>
+                </a:solidFill>
+              </a:defRPr>
+            </a:pPr>
+            <a:r>
+              <a:t>Führt Verdauungssäfte</a:t>
+            </a:r>
+          </a:p>
+        </p:txBody>
+      </p:sp>
+      <p:sp>
+        <p:nvSpPr>
+          <p:cNvPr id="21" name="TextBox 20"/>
+          <p:cNvSpPr txBox="1"/>
+          <p:nvPr/>
+        </p:nvSpPr>
+        <p:spPr>
+          <a:xfrm>
+            <a:off x="5029200" y="5120640"/>
+            <a:ext cx="3657600" cy="731520"/>
+          </a:xfrm>
+          <a:prstGeom prst="rect">
+            <a:avLst/>
+          </a:prstGeom>
+          <a:noFill/>
+        </p:spPr>
+        <p:txBody>
+          <a:bodyPr wrap="square">
+            <a:spAutoFit/>
+          </a:bodyPr>
+          <a:lstStyle/>
+          <a:p>
+            <a:pPr>
+              <a:defRPr sz="1600" b="1">
+                <a:solidFill>
+                  <a:srgbClr val="005293"/>
+                </a:solidFill>
+              </a:defRPr>
+            </a:pPr>
+            <a:r>
+              <a:t>Common Channel</a:t>
+            </a:r>
+          </a:p>
+          <a:p>
+            <a:pPr>
+              <a:defRPr sz="1400">
+                <a:solidFill>
+                  <a:srgbClr val="505050"/>
+                </a:solidFill>
+              </a:defRPr>
+            </a:pPr>
+            <a:r>
+              <a:t>Gemeinsame Endstrecke</a:t>
             </a:r>
           </a:p>
         </p:txBody>
@@ -6674,21 +10340,64 @@
               </a:defRPr>
             </a:pPr>
             <a:r>
-              <a:t>Klassifikation der Komplikationen</a:t>
-            </a:r>
-          </a:p>
-        </p:txBody>
-      </p:sp>
-      <p:sp>
-        <p:nvSpPr>
-          <p:cNvPr id="4" name="TextBox 3"/>
+              <a:t>Magenbypass in Zahlen</a:t>
+            </a:r>
+          </a:p>
+        </p:txBody>
+      </p:sp>
+      <p:sp>
+        <p:nvSpPr>
+          <p:cNvPr id="4" name="Rounded Rectangle 3"/>
+          <p:cNvSpPr/>
+          <p:nvPr/>
+        </p:nvSpPr>
+        <p:spPr>
+          <a:xfrm>
+            <a:off x="457200" y="1463040"/>
+            <a:ext cx="2651760" cy="1828800"/>
+          </a:xfrm>
+          <a:prstGeom prst="roundRect">
+            <a:avLst/>
+          </a:prstGeom>
+          <a:solidFill>
+            <a:srgbClr val="005293"/>
+          </a:solidFill>
+          <a:ln>
+            <a:noFill/>
+          </a:ln>
+        </p:spPr>
+        <p:style>
+          <a:lnRef idx="1">
+            <a:schemeClr val="accent1"/>
+          </a:lnRef>
+          <a:fillRef idx="3">
+            <a:schemeClr val="accent1"/>
+          </a:fillRef>
+          <a:effectRef idx="2">
+            <a:schemeClr val="accent1"/>
+          </a:effectRef>
+          <a:fontRef idx="minor">
+            <a:schemeClr val="lt1"/>
+          </a:fontRef>
+        </p:style>
+        <p:txBody>
+          <a:bodyPr rtlCol="0" anchor="ctr"/>
+          <a:lstStyle/>
+          <a:p>
+            <a:pPr algn="ctr"/>
+          </a:p>
+        </p:txBody>
+      </p:sp>
+      <p:sp>
+        <p:nvSpPr>
+          <p:cNvPr id="5" name="TextBox 4"/>
           <p:cNvSpPr txBox="1"/>
           <p:nvPr/>
         </p:nvSpPr>
         <p:spPr>
           <a:xfrm>
-            <a:off x="457200" y="1371600"/>
-            <a:ext cx="3931920" cy="457200"/>
+            <a:off x="548640" y="1737360"/>
+            <a:ext cx="2468880" cy="731520"/>
           </a:xfrm>
           <a:prstGeom prst="rect">
             <a:avLst/>
@@ -6701,29 +10410,29 @@
           </a:bodyPr>
           <a:lstStyle/>
           <a:p>
-            <a:pPr>
-              <a:defRPr sz="2200" b="1">
-                <a:solidFill>
-                  <a:srgbClr val="005293"/>
-                </a:solidFill>
-              </a:defRPr>
-            </a:pPr>
-            <a:r>
-              <a:t>Frühe Komplikationen (&lt; 30 Tage)</a:t>
-            </a:r>
-          </a:p>
-        </p:txBody>
-      </p:sp>
-      <p:sp>
-        <p:nvSpPr>
-          <p:cNvPr id="5" name="TextBox 4"/>
+            <a:pPr algn="ctr">
+              <a:defRPr sz="3600" b="1">
+                <a:solidFill>
+                  <a:srgbClr val="FFFFFF"/>
+                </a:solidFill>
+              </a:defRPr>
+            </a:pPr>
+            <a:r>
+              <a:t>60-80%</a:t>
+            </a:r>
+          </a:p>
+        </p:txBody>
+      </p:sp>
+      <p:sp>
+        <p:nvSpPr>
+          <p:cNvPr id="6" name="TextBox 5"/>
           <p:cNvSpPr txBox="1"/>
           <p:nvPr/>
         </p:nvSpPr>
         <p:spPr>
           <a:xfrm>
-            <a:off x="457200" y="1920240"/>
-            <a:ext cx="3931920" cy="4114800"/>
+            <a:off x="548640" y="2468880"/>
+            <a:ext cx="2468880" cy="640080"/>
           </a:xfrm>
           <a:prstGeom prst="rect">
             <a:avLst/>
@@ -6736,92 +10445,72 @@
           </a:bodyPr>
           <a:lstStyle/>
           <a:p>
-            <a:pPr>
-              <a:spcAft>
-                <a:spcPts val="800"/>
-              </a:spcAft>
-              <a:defRPr sz="1600">
-                <a:solidFill>
-                  <a:srgbClr val="333333"/>
-                </a:solidFill>
-              </a:defRPr>
-            </a:pPr>
-            <a:r>
-              <a:t>• Anastomoseninsuffizienz</a:t>
-            </a:r>
-          </a:p>
-          <a:p>
-            <a:pPr>
-              <a:spcAft>
-                <a:spcPts val="800"/>
-              </a:spcAft>
-              <a:defRPr sz="1600">
-                <a:solidFill>
-                  <a:srgbClr val="333333"/>
-                </a:solidFill>
-              </a:defRPr>
-            </a:pPr>
-            <a:r>
-              <a:t>• Blutung</a:t>
-            </a:r>
-          </a:p>
-          <a:p>
-            <a:pPr>
-              <a:spcAft>
-                <a:spcPts val="800"/>
-              </a:spcAft>
-              <a:defRPr sz="1600">
-                <a:solidFill>
-                  <a:srgbClr val="333333"/>
-                </a:solidFill>
-              </a:defRPr>
-            </a:pPr>
-            <a:r>
-              <a:t>• Lungenembolie</a:t>
-            </a:r>
-          </a:p>
-          <a:p>
-            <a:pPr>
-              <a:spcAft>
-                <a:spcPts val="800"/>
-              </a:spcAft>
-              <a:defRPr sz="1600">
-                <a:solidFill>
-                  <a:srgbClr val="333333"/>
-                </a:solidFill>
-              </a:defRPr>
-            </a:pPr>
-            <a:r>
-              <a:t>• Wundinfektion</a:t>
-            </a:r>
-          </a:p>
-          <a:p>
-            <a:pPr>
-              <a:spcAft>
-                <a:spcPts val="800"/>
-              </a:spcAft>
-              <a:defRPr sz="1600">
-                <a:solidFill>
-                  <a:srgbClr val="333333"/>
-                </a:solidFill>
-              </a:defRPr>
-            </a:pPr>
-            <a:r>
-              <a:t>• Darmobstruktion</a:t>
-            </a:r>
-          </a:p>
-        </p:txBody>
-      </p:sp>
-      <p:sp>
-        <p:nvSpPr>
-          <p:cNvPr id="6" name="TextBox 5"/>
+            <a:pPr algn="ctr">
+              <a:defRPr sz="1400">
+                <a:solidFill>
+                  <a:srgbClr val="FFFFFF"/>
+                </a:solidFill>
+              </a:defRPr>
+            </a:pPr>
+            <a:r>
+              <a:t>Übergewichtsverlust</a:t>
+            </a:r>
+          </a:p>
+        </p:txBody>
+      </p:sp>
+      <p:sp>
+        <p:nvSpPr>
+          <p:cNvPr id="7" name="Rounded Rectangle 6"/>
+          <p:cNvSpPr/>
+          <p:nvPr/>
+        </p:nvSpPr>
+        <p:spPr>
+          <a:xfrm>
+            <a:off x="3383280" y="1463040"/>
+            <a:ext cx="2651760" cy="1828800"/>
+          </a:xfrm>
+          <a:prstGeom prst="roundRect">
+            <a:avLst/>
+          </a:prstGeom>
+          <a:solidFill>
+            <a:srgbClr val="DC3545"/>
+          </a:solidFill>
+          <a:ln>
+            <a:noFill/>
+          </a:ln>
+        </p:spPr>
+        <p:style>
+          <a:lnRef idx="1">
+            <a:schemeClr val="accent1"/>
+          </a:lnRef>
+          <a:fillRef idx="3">
+            <a:schemeClr val="accent1"/>
+          </a:fillRef>
+          <a:effectRef idx="2">
+            <a:schemeClr val="accent1"/>
+          </a:effectRef>
+          <a:fontRef idx="minor">
+            <a:schemeClr val="lt1"/>
+          </a:fontRef>
+        </p:style>
+        <p:txBody>
+          <a:bodyPr rtlCol="0" anchor="ctr"/>
+          <a:lstStyle/>
+          <a:p>
+            <a:pPr algn="ctr"/>
+          </a:p>
+        </p:txBody>
+      </p:sp>
+      <p:sp>
+        <p:nvSpPr>
+          <p:cNvPr id="8" name="TextBox 7"/>
           <p:cNvSpPr txBox="1"/>
           <p:nvPr/>
         </p:nvSpPr>
         <p:spPr>
           <a:xfrm>
-            <a:off x="4754880" y="1371600"/>
-            <a:ext cx="3931920" cy="457200"/>
+            <a:off x="3474720" y="1737360"/>
+            <a:ext cx="2468880" cy="731520"/>
           </a:xfrm>
           <a:prstGeom prst="rect">
             <a:avLst/>
@@ -6834,29 +10523,29 @@
           </a:bodyPr>
           <a:lstStyle/>
           <a:p>
-            <a:pPr>
-              <a:defRPr sz="2200" b="1">
-                <a:solidFill>
-                  <a:srgbClr val="DC3545"/>
-                </a:solidFill>
-              </a:defRPr>
-            </a:pPr>
-            <a:r>
-              <a:t>Späte Komplikationen (&gt; 30 Tage)</a:t>
-            </a:r>
-          </a:p>
-        </p:txBody>
-      </p:sp>
-      <p:sp>
-        <p:nvSpPr>
-          <p:cNvPr id="7" name="TextBox 6"/>
+            <a:pPr algn="ctr">
+              <a:defRPr sz="3600" b="1">
+                <a:solidFill>
+                  <a:srgbClr val="FFFFFF"/>
+                </a:solidFill>
+              </a:defRPr>
+            </a:pPr>
+            <a:r>
+              <a:t>&lt;0.5%</a:t>
+            </a:r>
+          </a:p>
+        </p:txBody>
+      </p:sp>
+      <p:sp>
+        <p:nvSpPr>
+          <p:cNvPr id="9" name="TextBox 8"/>
           <p:cNvSpPr txBox="1"/>
           <p:nvPr/>
         </p:nvSpPr>
         <p:spPr>
           <a:xfrm>
-            <a:off x="4754880" y="1920240"/>
-            <a:ext cx="3931920" cy="4114800"/>
+            <a:off x="3474720" y="2468880"/>
+            <a:ext cx="2468880" cy="640080"/>
           </a:xfrm>
           <a:prstGeom prst="rect">
             <a:avLst/>
@@ -6869,78 +10558,467 @@
           </a:bodyPr>
           <a:lstStyle/>
           <a:p>
-            <a:pPr>
-              <a:spcAft>
-                <a:spcPts val="800"/>
-              </a:spcAft>
-              <a:defRPr sz="1600">
-                <a:solidFill>
-                  <a:srgbClr val="333333"/>
-                </a:solidFill>
-              </a:defRPr>
-            </a:pPr>
-            <a:r>
-              <a:t>• Dumping-Syndrom</a:t>
-            </a:r>
-          </a:p>
-          <a:p>
-            <a:pPr>
-              <a:spcAft>
-                <a:spcPts val="800"/>
-              </a:spcAft>
-              <a:defRPr sz="1600">
-                <a:solidFill>
-                  <a:srgbClr val="333333"/>
-                </a:solidFill>
-              </a:defRPr>
-            </a:pPr>
-            <a:r>
-              <a:t>• Nährstoffmängel</a:t>
-            </a:r>
-          </a:p>
-          <a:p>
-            <a:pPr>
-              <a:spcAft>
-                <a:spcPts val="800"/>
-              </a:spcAft>
-              <a:defRPr sz="1600">
-                <a:solidFill>
-                  <a:srgbClr val="333333"/>
-                </a:solidFill>
-              </a:defRPr>
-            </a:pPr>
-            <a:r>
-              <a:t>• Stenosen</a:t>
-            </a:r>
-          </a:p>
-          <a:p>
-            <a:pPr>
-              <a:spcAft>
-                <a:spcPts val="800"/>
-              </a:spcAft>
-              <a:defRPr sz="1600">
-                <a:solidFill>
-                  <a:srgbClr val="333333"/>
-                </a:solidFill>
-              </a:defRPr>
-            </a:pPr>
-            <a:r>
-              <a:t>• Innere Hernien</a:t>
-            </a:r>
-          </a:p>
-          <a:p>
-            <a:pPr>
-              <a:spcAft>
-                <a:spcPts val="800"/>
-              </a:spcAft>
-              <a:defRPr sz="1600">
-                <a:solidFill>
-                  <a:srgbClr val="333333"/>
-                </a:solidFill>
-              </a:defRPr>
-            </a:pPr>
-            <a:r>
-              <a:t>• Ulzera</a:t>
+            <a:pPr algn="ctr">
+              <a:defRPr sz="1400">
+                <a:solidFill>
+                  <a:srgbClr val="FFFFFF"/>
+                </a:solidFill>
+              </a:defRPr>
+            </a:pPr>
+            <a:r>
+              <a:t>Mortalitätsrate</a:t>
+            </a:r>
+          </a:p>
+        </p:txBody>
+      </p:sp>
+      <p:sp>
+        <p:nvSpPr>
+          <p:cNvPr id="10" name="Rounded Rectangle 9"/>
+          <p:cNvSpPr/>
+          <p:nvPr/>
+        </p:nvSpPr>
+        <p:spPr>
+          <a:xfrm>
+            <a:off x="6309360" y="1463040"/>
+            <a:ext cx="2651760" cy="1828800"/>
+          </a:xfrm>
+          <a:prstGeom prst="roundRect">
+            <a:avLst/>
+          </a:prstGeom>
+          <a:solidFill>
+            <a:srgbClr val="28A745"/>
+          </a:solidFill>
+          <a:ln>
+            <a:noFill/>
+          </a:ln>
+        </p:spPr>
+        <p:style>
+          <a:lnRef idx="1">
+            <a:schemeClr val="accent1"/>
+          </a:lnRef>
+          <a:fillRef idx="3">
+            <a:schemeClr val="accent1"/>
+          </a:fillRef>
+          <a:effectRef idx="2">
+            <a:schemeClr val="accent1"/>
+          </a:effectRef>
+          <a:fontRef idx="minor">
+            <a:schemeClr val="lt1"/>
+          </a:fontRef>
+        </p:style>
+        <p:txBody>
+          <a:bodyPr rtlCol="0" anchor="ctr"/>
+          <a:lstStyle/>
+          <a:p>
+            <a:pPr algn="ctr"/>
+          </a:p>
+        </p:txBody>
+      </p:sp>
+      <p:sp>
+        <p:nvSpPr>
+          <p:cNvPr id="11" name="TextBox 10"/>
+          <p:cNvSpPr txBox="1"/>
+          <p:nvPr/>
+        </p:nvSpPr>
+        <p:spPr>
+          <a:xfrm>
+            <a:off x="6400800" y="1737360"/>
+            <a:ext cx="2468880" cy="731520"/>
+          </a:xfrm>
+          <a:prstGeom prst="rect">
+            <a:avLst/>
+          </a:prstGeom>
+          <a:noFill/>
+        </p:spPr>
+        <p:txBody>
+          <a:bodyPr wrap="none">
+            <a:spAutoFit/>
+          </a:bodyPr>
+          <a:lstStyle/>
+          <a:p>
+            <a:pPr algn="ctr">
+              <a:defRPr sz="3600" b="1">
+                <a:solidFill>
+                  <a:srgbClr val="FFFFFF"/>
+                </a:solidFill>
+              </a:defRPr>
+            </a:pPr>
+            <a:r>
+              <a:t>10-20%</a:t>
+            </a:r>
+          </a:p>
+        </p:txBody>
+      </p:sp>
+      <p:sp>
+        <p:nvSpPr>
+          <p:cNvPr id="12" name="TextBox 11"/>
+          <p:cNvSpPr txBox="1"/>
+          <p:nvPr/>
+        </p:nvSpPr>
+        <p:spPr>
+          <a:xfrm>
+            <a:off x="6400800" y="2468880"/>
+            <a:ext cx="2468880" cy="640080"/>
+          </a:xfrm>
+          <a:prstGeom prst="rect">
+            <a:avLst/>
+          </a:prstGeom>
+          <a:noFill/>
+        </p:spPr>
+        <p:txBody>
+          <a:bodyPr wrap="square">
+            <a:spAutoFit/>
+          </a:bodyPr>
+          <a:lstStyle/>
+          <a:p>
+            <a:pPr algn="ctr">
+              <a:defRPr sz="1400">
+                <a:solidFill>
+                  <a:srgbClr val="FFFFFF"/>
+                </a:solidFill>
+              </a:defRPr>
+            </a:pPr>
+            <a:r>
+              <a:t>Komplikationsrate</a:t>
+            </a:r>
+          </a:p>
+        </p:txBody>
+      </p:sp>
+      <p:sp>
+        <p:nvSpPr>
+          <p:cNvPr id="13" name="Rounded Rectangle 12"/>
+          <p:cNvSpPr/>
+          <p:nvPr/>
+        </p:nvSpPr>
+        <p:spPr>
+          <a:xfrm>
+            <a:off x="457200" y="3657600"/>
+            <a:ext cx="2651760" cy="1828800"/>
+          </a:xfrm>
+          <a:prstGeom prst="roundRect">
+            <a:avLst/>
+          </a:prstGeom>
+          <a:solidFill>
+            <a:srgbClr val="FFC107"/>
+          </a:solidFill>
+          <a:ln>
+            <a:noFill/>
+          </a:ln>
+        </p:spPr>
+        <p:style>
+          <a:lnRef idx="1">
+            <a:schemeClr val="accent1"/>
+          </a:lnRef>
+          <a:fillRef idx="3">
+            <a:schemeClr val="accent1"/>
+          </a:fillRef>
+          <a:effectRef idx="2">
+            <a:schemeClr val="accent1"/>
+          </a:effectRef>
+          <a:fontRef idx="minor">
+            <a:schemeClr val="lt1"/>
+          </a:fontRef>
+        </p:style>
+        <p:txBody>
+          <a:bodyPr rtlCol="0" anchor="ctr"/>
+          <a:lstStyle/>
+          <a:p>
+            <a:pPr algn="ctr"/>
+          </a:p>
+        </p:txBody>
+      </p:sp>
+      <p:sp>
+        <p:nvSpPr>
+          <p:cNvPr id="14" name="TextBox 13"/>
+          <p:cNvSpPr txBox="1"/>
+          <p:nvPr/>
+        </p:nvSpPr>
+        <p:spPr>
+          <a:xfrm>
+            <a:off x="548640" y="3931920"/>
+            <a:ext cx="2468880" cy="731520"/>
+          </a:xfrm>
+          <a:prstGeom prst="rect">
+            <a:avLst/>
+          </a:prstGeom>
+          <a:noFill/>
+        </p:spPr>
+        <p:txBody>
+          <a:bodyPr wrap="none">
+            <a:spAutoFit/>
+          </a:bodyPr>
+          <a:lstStyle/>
+          <a:p>
+            <a:pPr algn="ctr">
+              <a:defRPr sz="3600" b="1">
+                <a:solidFill>
+                  <a:srgbClr val="FFFFFF"/>
+                </a:solidFill>
+              </a:defRPr>
+            </a:pPr>
+            <a:r>
+              <a:t>85%</a:t>
+            </a:r>
+          </a:p>
+        </p:txBody>
+      </p:sp>
+      <p:sp>
+        <p:nvSpPr>
+          <p:cNvPr id="15" name="TextBox 14"/>
+          <p:cNvSpPr txBox="1"/>
+          <p:nvPr/>
+        </p:nvSpPr>
+        <p:spPr>
+          <a:xfrm>
+            <a:off x="548640" y="4663440"/>
+            <a:ext cx="2468880" cy="640080"/>
+          </a:xfrm>
+          <a:prstGeom prst="rect">
+            <a:avLst/>
+          </a:prstGeom>
+          <a:noFill/>
+        </p:spPr>
+        <p:txBody>
+          <a:bodyPr wrap="square">
+            <a:spAutoFit/>
+          </a:bodyPr>
+          <a:lstStyle/>
+          <a:p>
+            <a:pPr algn="ctr">
+              <a:defRPr sz="1400">
+                <a:solidFill>
+                  <a:srgbClr val="FFFFFF"/>
+                </a:solidFill>
+              </a:defRPr>
+            </a:pPr>
+            <a:r>
+              <a:t>Diabetes-Remission</a:t>
+            </a:r>
+          </a:p>
+        </p:txBody>
+      </p:sp>
+      <p:sp>
+        <p:nvSpPr>
+          <p:cNvPr id="16" name="Rounded Rectangle 15"/>
+          <p:cNvSpPr/>
+          <p:nvPr/>
+        </p:nvSpPr>
+        <p:spPr>
+          <a:xfrm>
+            <a:off x="3383280" y="3657600"/>
+            <a:ext cx="2651760" cy="1828800"/>
+          </a:xfrm>
+          <a:prstGeom prst="roundRect">
+            <a:avLst/>
+          </a:prstGeom>
+          <a:solidFill>
+            <a:srgbClr val="17A2B8"/>
+          </a:solidFill>
+          <a:ln>
+            <a:noFill/>
+          </a:ln>
+        </p:spPr>
+        <p:style>
+          <a:lnRef idx="1">
+            <a:schemeClr val="accent1"/>
+          </a:lnRef>
+          <a:fillRef idx="3">
+            <a:schemeClr val="accent1"/>
+          </a:fillRef>
+          <a:effectRef idx="2">
+            <a:schemeClr val="accent1"/>
+          </a:effectRef>
+          <a:fontRef idx="minor">
+            <a:schemeClr val="lt1"/>
+          </a:fontRef>
+        </p:style>
+        <p:txBody>
+          <a:bodyPr rtlCol="0" anchor="ctr"/>
+          <a:lstStyle/>
+          <a:p>
+            <a:pPr algn="ctr"/>
+          </a:p>
+        </p:txBody>
+      </p:sp>
+      <p:sp>
+        <p:nvSpPr>
+          <p:cNvPr id="17" name="TextBox 16"/>
+          <p:cNvSpPr txBox="1"/>
+          <p:nvPr/>
+        </p:nvSpPr>
+        <p:spPr>
+          <a:xfrm>
+            <a:off x="3474720" y="3931920"/>
+            <a:ext cx="2468880" cy="731520"/>
+          </a:xfrm>
+          <a:prstGeom prst="rect">
+            <a:avLst/>
+          </a:prstGeom>
+          <a:noFill/>
+        </p:spPr>
+        <p:txBody>
+          <a:bodyPr wrap="none">
+            <a:spAutoFit/>
+          </a:bodyPr>
+          <a:lstStyle/>
+          <a:p>
+            <a:pPr algn="ctr">
+              <a:defRPr sz="3600" b="1">
+                <a:solidFill>
+                  <a:srgbClr val="FFFFFF"/>
+                </a:solidFill>
+              </a:defRPr>
+            </a:pPr>
+            <a:r>
+              <a:t>70%</a:t>
+            </a:r>
+          </a:p>
+        </p:txBody>
+      </p:sp>
+      <p:sp>
+        <p:nvSpPr>
+          <p:cNvPr id="18" name="TextBox 17"/>
+          <p:cNvSpPr txBox="1"/>
+          <p:nvPr/>
+        </p:nvSpPr>
+        <p:spPr>
+          <a:xfrm>
+            <a:off x="3474720" y="4663440"/>
+            <a:ext cx="2468880" cy="640080"/>
+          </a:xfrm>
+          <a:prstGeom prst="rect">
+            <a:avLst/>
+          </a:prstGeom>
+          <a:noFill/>
+        </p:spPr>
+        <p:txBody>
+          <a:bodyPr wrap="square">
+            <a:spAutoFit/>
+          </a:bodyPr>
+          <a:lstStyle/>
+          <a:p>
+            <a:pPr algn="ctr">
+              <a:defRPr sz="1400">
+                <a:solidFill>
+                  <a:srgbClr val="FFFFFF"/>
+                </a:solidFill>
+              </a:defRPr>
+            </a:pPr>
+            <a:r>
+              <a:t>Hypertonie-Besserung</a:t>
+            </a:r>
+          </a:p>
+        </p:txBody>
+      </p:sp>
+      <p:sp>
+        <p:nvSpPr>
+          <p:cNvPr id="19" name="Rounded Rectangle 18"/>
+          <p:cNvSpPr/>
+          <p:nvPr/>
+        </p:nvSpPr>
+        <p:spPr>
+          <a:xfrm>
+            <a:off x="6309360" y="3657600"/>
+            <a:ext cx="2651760" cy="1828800"/>
+          </a:xfrm>
+          <a:prstGeom prst="roundRect">
+            <a:avLst/>
+          </a:prstGeom>
+          <a:solidFill>
+            <a:srgbClr val="6C757D"/>
+          </a:solidFill>
+          <a:ln>
+            <a:noFill/>
+          </a:ln>
+        </p:spPr>
+        <p:style>
+          <a:lnRef idx="1">
+            <a:schemeClr val="accent1"/>
+          </a:lnRef>
+          <a:fillRef idx="3">
+            <a:schemeClr val="accent1"/>
+          </a:fillRef>
+          <a:effectRef idx="2">
+            <a:schemeClr val="accent1"/>
+          </a:effectRef>
+          <a:fontRef idx="minor">
+            <a:schemeClr val="lt1"/>
+          </a:fontRef>
+        </p:style>
+        <p:txBody>
+          <a:bodyPr rtlCol="0" anchor="ctr"/>
+          <a:lstStyle/>
+          <a:p>
+            <a:pPr algn="ctr"/>
+          </a:p>
+        </p:txBody>
+      </p:sp>
+      <p:sp>
+        <p:nvSpPr>
+          <p:cNvPr id="20" name="TextBox 19"/>
+          <p:cNvSpPr txBox="1"/>
+          <p:nvPr/>
+        </p:nvSpPr>
+        <p:spPr>
+          <a:xfrm>
+            <a:off x="6400800" y="3931920"/>
+            <a:ext cx="2468880" cy="731520"/>
+          </a:xfrm>
+          <a:prstGeom prst="rect">
+            <a:avLst/>
+          </a:prstGeom>
+          <a:noFill/>
+        </p:spPr>
+        <p:txBody>
+          <a:bodyPr wrap="none">
+            <a:spAutoFit/>
+          </a:bodyPr>
+          <a:lstStyle/>
+          <a:p>
+            <a:pPr algn="ctr">
+              <a:defRPr sz="3600" b="1">
+                <a:solidFill>
+                  <a:srgbClr val="FFFFFF"/>
+                </a:solidFill>
+              </a:defRPr>
+            </a:pPr>
+            <a:r>
+              <a:t>5-7 J</a:t>
+            </a:r>
+          </a:p>
+        </p:txBody>
+      </p:sp>
+      <p:sp>
+        <p:nvSpPr>
+          <p:cNvPr id="21" name="TextBox 20"/>
+          <p:cNvSpPr txBox="1"/>
+          <p:nvPr/>
+        </p:nvSpPr>
+        <p:spPr>
+          <a:xfrm>
+            <a:off x="6400800" y="4663440"/>
+            <a:ext cx="2468880" cy="640080"/>
+          </a:xfrm>
+          <a:prstGeom prst="rect">
+            <a:avLst/>
+          </a:prstGeom>
+          <a:noFill/>
+        </p:spPr>
+        <p:txBody>
+          <a:bodyPr wrap="square">
+            <a:spAutoFit/>
+          </a:bodyPr>
+          <a:lstStyle/>
+          <a:p>
+            <a:pPr algn="ctr">
+              <a:defRPr sz="1400">
+                <a:solidFill>
+                  <a:srgbClr val="FFFFFF"/>
+                </a:solidFill>
+              </a:defRPr>
+            </a:pPr>
+            <a:r>
+              <a:t>Langzeiterfolg</a:t>
             </a:r>
           </a:p>
         </p:txBody>
@@ -6972,13 +11050,13 @@
         <p:spPr>
           <a:xfrm>
             <a:off x="0" y="0"/>
-            <a:ext cx="9144000" cy="6858000"/>
+            <a:ext cx="9144000" cy="1097280"/>
           </a:xfrm>
           <a:prstGeom prst="rect">
             <a:avLst/>
           </a:prstGeom>
           <a:solidFill>
-            <a:srgbClr val="DC3545"/>
+            <a:srgbClr val="005293"/>
           </a:solidFill>
           <a:ln>
             <a:noFill/>
@@ -7014,8 +11092,8 @@
         </p:nvSpPr>
         <p:spPr>
           <a:xfrm>
-            <a:off x="457200" y="1828800"/>
-            <a:ext cx="8229600" cy="914400"/>
+            <a:off x="457200" y="274320"/>
+            <a:ext cx="8229600" cy="731520"/>
           </a:xfrm>
           <a:prstGeom prst="rect">
             <a:avLst/>
@@ -7028,29 +11106,119 @@
           </a:bodyPr>
           <a:lstStyle/>
           <a:p>
-            <a:pPr algn="ctr">
-              <a:defRPr sz="7200" b="1">
+            <a:pPr>
+              <a:defRPr sz="3200" b="1">
                 <a:solidFill>
                   <a:srgbClr val="FFFFFF"/>
                 </a:solidFill>
               </a:defRPr>
             </a:pPr>
             <a:r>
-              <a:t>01</a:t>
-            </a:r>
-          </a:p>
-        </p:txBody>
-      </p:sp>
-      <p:sp>
-        <p:nvSpPr>
-          <p:cNvPr id="4" name="TextBox 3"/>
+              <a:t>Klassifikation der Komplikationen</a:t>
+            </a:r>
+          </a:p>
+        </p:txBody>
+      </p:sp>
+      <p:sp>
+        <p:nvSpPr>
+          <p:cNvPr id="4" name="Rounded Rectangle 3"/>
+          <p:cNvSpPr/>
+          <p:nvPr/>
+        </p:nvSpPr>
+        <p:spPr>
+          <a:xfrm>
+            <a:off x="365760" y="1280160"/>
+            <a:ext cx="4114800" cy="4754880"/>
+          </a:xfrm>
+          <a:prstGeom prst="roundRect">
+            <a:avLst/>
+          </a:prstGeom>
+          <a:solidFill>
+            <a:srgbClr val="F0F8FF"/>
+          </a:solidFill>
+          <a:ln w="12700">
+            <a:solidFill>
+              <a:srgbClr val="005293"/>
+            </a:solidFill>
+          </a:ln>
+        </p:spPr>
+        <p:style>
+          <a:lnRef idx="1">
+            <a:schemeClr val="accent1"/>
+          </a:lnRef>
+          <a:fillRef idx="3">
+            <a:schemeClr val="accent1"/>
+          </a:fillRef>
+          <a:effectRef idx="2">
+            <a:schemeClr val="accent1"/>
+          </a:effectRef>
+          <a:fontRef idx="minor">
+            <a:schemeClr val="lt1"/>
+          </a:fontRef>
+        </p:style>
+        <p:txBody>
+          <a:bodyPr rtlCol="0" anchor="ctr"/>
+          <a:lstStyle/>
+          <a:p>
+            <a:pPr algn="ctr"/>
+          </a:p>
+        </p:txBody>
+      </p:sp>
+      <p:sp>
+        <p:nvSpPr>
+          <p:cNvPr id="5" name="Rounded Rectangle 4"/>
+          <p:cNvSpPr/>
+          <p:nvPr/>
+        </p:nvSpPr>
+        <p:spPr>
+          <a:xfrm>
+            <a:off x="4663440" y="1280160"/>
+            <a:ext cx="4114800" cy="4754880"/>
+          </a:xfrm>
+          <a:prstGeom prst="roundRect">
+            <a:avLst/>
+          </a:prstGeom>
+          <a:solidFill>
+            <a:srgbClr val="FFF5F5"/>
+          </a:solidFill>
+          <a:ln w="12700">
+            <a:solidFill>
+              <a:srgbClr val="DC3545"/>
+            </a:solidFill>
+          </a:ln>
+        </p:spPr>
+        <p:style>
+          <a:lnRef idx="1">
+            <a:schemeClr val="accent1"/>
+          </a:lnRef>
+          <a:fillRef idx="3">
+            <a:schemeClr val="accent1"/>
+          </a:fillRef>
+          <a:effectRef idx="2">
+            <a:schemeClr val="accent1"/>
+          </a:effectRef>
+          <a:fontRef idx="minor">
+            <a:schemeClr val="lt1"/>
+          </a:fontRef>
+        </p:style>
+        <p:txBody>
+          <a:bodyPr rtlCol="0" anchor="ctr"/>
+          <a:lstStyle/>
+          <a:p>
+            <a:pPr algn="ctr"/>
+          </a:p>
+        </p:txBody>
+      </p:sp>
+      <p:sp>
+        <p:nvSpPr>
+          <p:cNvPr id="6" name="TextBox 5"/>
           <p:cNvSpPr txBox="1"/>
           <p:nvPr/>
         </p:nvSpPr>
         <p:spPr>
           <a:xfrm>
-            <a:off x="457200" y="2926080"/>
-            <a:ext cx="8229600" cy="1371600"/>
+            <a:off x="548640" y="1463040"/>
+            <a:ext cx="3749039" cy="457200"/>
           </a:xfrm>
           <a:prstGeom prst="rect">
             <a:avLst/>
@@ -7063,15 +11231,276 @@
           </a:bodyPr>
           <a:lstStyle/>
           <a:p>
-            <a:pPr algn="ctr">
-              <a:defRPr sz="4000" b="1">
-                <a:solidFill>
-                  <a:srgbClr val="FFFFFF"/>
-                </a:solidFill>
-              </a:defRPr>
-            </a:pPr>
-            <a:r>
-              <a:t>Frühe Postoperative Komplikationen</a:t>
+            <a:pPr>
+              <a:defRPr sz="2000" b="1">
+                <a:solidFill>
+                  <a:srgbClr val="005293"/>
+                </a:solidFill>
+              </a:defRPr>
+            </a:pPr>
+            <a:r>
+              <a:t>Frühe Komplikationen (&lt; 30 Tage)</a:t>
+            </a:r>
+          </a:p>
+        </p:txBody>
+      </p:sp>
+      <p:sp>
+        <p:nvSpPr>
+          <p:cNvPr id="7" name="TextBox 6"/>
+          <p:cNvSpPr txBox="1"/>
+          <p:nvPr/>
+        </p:nvSpPr>
+        <p:spPr>
+          <a:xfrm>
+            <a:off x="548640" y="2011680"/>
+            <a:ext cx="3749039" cy="3840480"/>
+          </a:xfrm>
+          <a:prstGeom prst="rect">
+            <a:avLst/>
+          </a:prstGeom>
+          <a:noFill/>
+        </p:spPr>
+        <p:txBody>
+          <a:bodyPr wrap="square">
+            <a:spAutoFit/>
+          </a:bodyPr>
+          <a:lstStyle/>
+          <a:p>
+            <a:pPr>
+              <a:spcAft>
+                <a:spcPts val="800"/>
+              </a:spcAft>
+              <a:defRPr sz="1500">
+                <a:solidFill>
+                  <a:srgbClr val="333333"/>
+                </a:solidFill>
+              </a:defRPr>
+            </a:pPr>
+            <a:r>
+              <a:t>• Anastomoseninsuffizienz</a:t>
+            </a:r>
+          </a:p>
+          <a:p>
+            <a:pPr>
+              <a:spcAft>
+                <a:spcPts val="800"/>
+              </a:spcAft>
+              <a:defRPr sz="1500">
+                <a:solidFill>
+                  <a:srgbClr val="333333"/>
+                </a:solidFill>
+              </a:defRPr>
+            </a:pPr>
+            <a:r>
+              <a:t>• Blutung</a:t>
+            </a:r>
+          </a:p>
+          <a:p>
+            <a:pPr>
+              <a:spcAft>
+                <a:spcPts val="800"/>
+              </a:spcAft>
+              <a:defRPr sz="1500">
+                <a:solidFill>
+                  <a:srgbClr val="333333"/>
+                </a:solidFill>
+              </a:defRPr>
+            </a:pPr>
+            <a:r>
+              <a:t>• Lungenembolie</a:t>
+            </a:r>
+          </a:p>
+          <a:p>
+            <a:pPr>
+              <a:spcAft>
+                <a:spcPts val="800"/>
+              </a:spcAft>
+              <a:defRPr sz="1500">
+                <a:solidFill>
+                  <a:srgbClr val="333333"/>
+                </a:solidFill>
+              </a:defRPr>
+            </a:pPr>
+            <a:r>
+              <a:t>• Wundinfektion</a:t>
+            </a:r>
+          </a:p>
+          <a:p>
+            <a:pPr>
+              <a:spcAft>
+                <a:spcPts val="800"/>
+              </a:spcAft>
+              <a:defRPr sz="1500">
+                <a:solidFill>
+                  <a:srgbClr val="333333"/>
+                </a:solidFill>
+              </a:defRPr>
+            </a:pPr>
+            <a:r>
+              <a:t>• Darmobstruktion</a:t>
+            </a:r>
+          </a:p>
+          <a:p>
+            <a:pPr>
+              <a:spcAft>
+                <a:spcPts val="800"/>
+              </a:spcAft>
+              <a:defRPr sz="1500">
+                <a:solidFill>
+                  <a:srgbClr val="333333"/>
+                </a:solidFill>
+              </a:defRPr>
+            </a:pPr>
+            <a:r>
+              <a:t>• Atelektase</a:t>
+            </a:r>
+          </a:p>
+        </p:txBody>
+      </p:sp>
+      <p:sp>
+        <p:nvSpPr>
+          <p:cNvPr id="8" name="TextBox 7"/>
+          <p:cNvSpPr txBox="1"/>
+          <p:nvPr/>
+        </p:nvSpPr>
+        <p:spPr>
+          <a:xfrm>
+            <a:off x="4846320" y="1463040"/>
+            <a:ext cx="3749039" cy="457200"/>
+          </a:xfrm>
+          <a:prstGeom prst="rect">
+            <a:avLst/>
+          </a:prstGeom>
+          <a:noFill/>
+        </p:spPr>
+        <p:txBody>
+          <a:bodyPr wrap="none">
+            <a:spAutoFit/>
+          </a:bodyPr>
+          <a:lstStyle/>
+          <a:p>
+            <a:pPr>
+              <a:defRPr sz="2000" b="1">
+                <a:solidFill>
+                  <a:srgbClr val="DC3545"/>
+                </a:solidFill>
+              </a:defRPr>
+            </a:pPr>
+            <a:r>
+              <a:t>Späte Komplikationen (&gt; 30 Tage)</a:t>
+            </a:r>
+          </a:p>
+        </p:txBody>
+      </p:sp>
+      <p:sp>
+        <p:nvSpPr>
+          <p:cNvPr id="9" name="TextBox 8"/>
+          <p:cNvSpPr txBox="1"/>
+          <p:nvPr/>
+        </p:nvSpPr>
+        <p:spPr>
+          <a:xfrm>
+            <a:off x="4846320" y="2011680"/>
+            <a:ext cx="3749039" cy="3840480"/>
+          </a:xfrm>
+          <a:prstGeom prst="rect">
+            <a:avLst/>
+          </a:prstGeom>
+          <a:noFill/>
+        </p:spPr>
+        <p:txBody>
+          <a:bodyPr wrap="square">
+            <a:spAutoFit/>
+          </a:bodyPr>
+          <a:lstStyle/>
+          <a:p>
+            <a:pPr>
+              <a:spcAft>
+                <a:spcPts val="800"/>
+              </a:spcAft>
+              <a:defRPr sz="1500">
+                <a:solidFill>
+                  <a:srgbClr val="333333"/>
+                </a:solidFill>
+              </a:defRPr>
+            </a:pPr>
+            <a:r>
+              <a:t>• Dumping-Syndrom</a:t>
+            </a:r>
+          </a:p>
+          <a:p>
+            <a:pPr>
+              <a:spcAft>
+                <a:spcPts val="800"/>
+              </a:spcAft>
+              <a:defRPr sz="1500">
+                <a:solidFill>
+                  <a:srgbClr val="333333"/>
+                </a:solidFill>
+              </a:defRPr>
+            </a:pPr>
+            <a:r>
+              <a:t>• Nährstoffmängel</a:t>
+            </a:r>
+          </a:p>
+          <a:p>
+            <a:pPr>
+              <a:spcAft>
+                <a:spcPts val="800"/>
+              </a:spcAft>
+              <a:defRPr sz="1500">
+                <a:solidFill>
+                  <a:srgbClr val="333333"/>
+                </a:solidFill>
+              </a:defRPr>
+            </a:pPr>
+            <a:r>
+              <a:t>• Stenosen</a:t>
+            </a:r>
+          </a:p>
+          <a:p>
+            <a:pPr>
+              <a:spcAft>
+                <a:spcPts val="800"/>
+              </a:spcAft>
+              <a:defRPr sz="1500">
+                <a:solidFill>
+                  <a:srgbClr val="333333"/>
+                </a:solidFill>
+              </a:defRPr>
+            </a:pPr>
+            <a:r>
+              <a:t>• Innere Hernien</a:t>
+            </a:r>
+          </a:p>
+          <a:p>
+            <a:pPr>
+              <a:spcAft>
+                <a:spcPts val="800"/>
+              </a:spcAft>
+              <a:defRPr sz="1500">
+                <a:solidFill>
+                  <a:srgbClr val="333333"/>
+                </a:solidFill>
+              </a:defRPr>
+            </a:pPr>
+            <a:r>
+              <a:t>• Ulzera</a:t>
+            </a:r>
+          </a:p>
+          <a:p>
+            <a:pPr>
+              <a:spcAft>
+                <a:spcPts val="800"/>
+              </a:spcAft>
+              <a:defRPr sz="1500">
+                <a:solidFill>
+                  <a:srgbClr val="333333"/>
+                </a:solidFill>
+              </a:defRPr>
+            </a:pPr>
+            <a:r>
+              <a:t>• Cholelithiasis</a:t>
             </a:r>
           </a:p>
         </p:txBody>
@@ -7103,13 +11532,13 @@
         <p:spPr>
           <a:xfrm>
             <a:off x="0" y="0"/>
-            <a:ext cx="9144000" cy="1097280"/>
+            <a:ext cx="9144000" cy="6858000"/>
           </a:xfrm>
           <a:prstGeom prst="rect">
             <a:avLst/>
           </a:prstGeom>
           <a:solidFill>
-            <a:srgbClr val="005293"/>
+            <a:srgbClr val="DC3545"/>
           </a:solidFill>
           <a:ln>
             <a:noFill/>
@@ -7139,14 +11568,106 @@
       </p:sp>
       <p:sp>
         <p:nvSpPr>
-          <p:cNvPr id="3" name="TextBox 2"/>
+          <p:cNvPr id="3" name="Rectangle 2"/>
+          <p:cNvSpPr/>
+          <p:nvPr/>
+        </p:nvSpPr>
+        <p:spPr>
+          <a:xfrm>
+            <a:off x="7315200" y="5029200"/>
+            <a:ext cx="1097280" cy="365760"/>
+          </a:xfrm>
+          <a:prstGeom prst="rect">
+            <a:avLst/>
+          </a:prstGeom>
+          <a:solidFill>
+            <a:srgbClr val="FFFFFF">
+              <a:lumMod val="70000"/>
+              <a:lumOff val="30000"/>
+            </a:srgbClr>
+          </a:solidFill>
+          <a:ln>
+            <a:noFill/>
+          </a:ln>
+        </p:spPr>
+        <p:style>
+          <a:lnRef idx="1">
+            <a:schemeClr val="accent1"/>
+          </a:lnRef>
+          <a:fillRef idx="3">
+            <a:schemeClr val="accent1"/>
+          </a:fillRef>
+          <a:effectRef idx="2">
+            <a:schemeClr val="accent1"/>
+          </a:effectRef>
+          <a:fontRef idx="minor">
+            <a:schemeClr val="lt1"/>
+          </a:fontRef>
+        </p:style>
+        <p:txBody>
+          <a:bodyPr rtlCol="0" anchor="ctr"/>
+          <a:lstStyle/>
+          <a:p>
+            <a:pPr algn="ctr"/>
+          </a:p>
+        </p:txBody>
+      </p:sp>
+      <p:sp>
+        <p:nvSpPr>
+          <p:cNvPr id="4" name="Rectangle 3"/>
+          <p:cNvSpPr/>
+          <p:nvPr/>
+        </p:nvSpPr>
+        <p:spPr>
+          <a:xfrm>
+            <a:off x="7680960" y="4663440"/>
+            <a:ext cx="365760" cy="1097280"/>
+          </a:xfrm>
+          <a:prstGeom prst="rect">
+            <a:avLst/>
+          </a:prstGeom>
+          <a:solidFill>
+            <a:srgbClr val="FFFFFF">
+              <a:lumMod val="70000"/>
+              <a:lumOff val="30000"/>
+            </a:srgbClr>
+          </a:solidFill>
+          <a:ln>
+            <a:noFill/>
+          </a:ln>
+        </p:spPr>
+        <p:style>
+          <a:lnRef idx="1">
+            <a:schemeClr val="accent1"/>
+          </a:lnRef>
+          <a:fillRef idx="3">
+            <a:schemeClr val="accent1"/>
+          </a:fillRef>
+          <a:effectRef idx="2">
+            <a:schemeClr val="accent1"/>
+          </a:effectRef>
+          <a:fontRef idx="minor">
+            <a:schemeClr val="lt1"/>
+          </a:fontRef>
+        </p:style>
+        <p:txBody>
+          <a:bodyPr rtlCol="0" anchor="ctr"/>
+          <a:lstStyle/>
+          <a:p>
+            <a:pPr algn="ctr"/>
+          </a:p>
+        </p:txBody>
+      </p:sp>
+      <p:sp>
+        <p:nvSpPr>
+          <p:cNvPr id="5" name="TextBox 4"/>
           <p:cNvSpPr txBox="1"/>
           <p:nvPr/>
         </p:nvSpPr>
         <p:spPr>
           <a:xfrm>
-            <a:off x="457200" y="274320"/>
-            <a:ext cx="8229600" cy="731520"/>
+            <a:off x="457200" y="1828800"/>
+            <a:ext cx="8229600" cy="914400"/>
           </a:xfrm>
           <a:prstGeom prst="rect">
             <a:avLst/>
@@ -7159,29 +11680,29 @@
           </a:bodyPr>
           <a:lstStyle/>
           <a:p>
-            <a:pPr>
-              <a:defRPr sz="3200" b="1">
+            <a:pPr algn="ctr">
+              <a:defRPr sz="7200" b="1">
                 <a:solidFill>
                   <a:srgbClr val="FFFFFF"/>
                 </a:solidFill>
               </a:defRPr>
             </a:pPr>
             <a:r>
-              <a:t>Anastomoseninsuffizienz</a:t>
-            </a:r>
-          </a:p>
-        </p:txBody>
-      </p:sp>
-      <p:sp>
-        <p:nvSpPr>
-          <p:cNvPr id="4" name="TextBox 3"/>
+              <a:t>01</a:t>
+            </a:r>
+          </a:p>
+        </p:txBody>
+      </p:sp>
+      <p:sp>
+        <p:nvSpPr>
+          <p:cNvPr id="6" name="TextBox 5"/>
           <p:cNvSpPr txBox="1"/>
           <p:nvPr/>
         </p:nvSpPr>
         <p:spPr>
           <a:xfrm>
-            <a:off x="640080" y="1371600"/>
-            <a:ext cx="7863840" cy="5029200"/>
+            <a:off x="457200" y="2926080"/>
+            <a:ext cx="8229600" cy="1371600"/>
           </a:xfrm>
           <a:prstGeom prst="rect">
             <a:avLst/>
@@ -7189,98 +11710,20 @@
           <a:noFill/>
         </p:spPr>
         <p:txBody>
-          <a:bodyPr wrap="square">
+          <a:bodyPr wrap="none">
             <a:spAutoFit/>
           </a:bodyPr>
           <a:lstStyle/>
           <a:p>
-            <a:pPr>
-              <a:spcAft>
-                <a:spcPts val="1200"/>
-              </a:spcAft>
-              <a:defRPr sz="2000">
-                <a:solidFill>
-                  <a:srgbClr val="333333"/>
-                </a:solidFill>
-              </a:defRPr>
-            </a:pPr>
-            <a:r>
-              <a:t>• Inzidenz: 1-5% der Fälle</a:t>
-            </a:r>
-          </a:p>
-          <a:p>
-            <a:pPr>
-              <a:spcAft>
-                <a:spcPts val="1200"/>
-              </a:spcAft>
-              <a:defRPr sz="2000">
-                <a:solidFill>
-                  <a:srgbClr val="333333"/>
-                </a:solidFill>
-              </a:defRPr>
-            </a:pPr>
-            <a:r>
-              <a:t>• Häufigste Lokalisation: Gastrojejunostomie</a:t>
-            </a:r>
-          </a:p>
-          <a:p>
-            <a:pPr>
-              <a:spcAft>
-                <a:spcPts val="1200"/>
-              </a:spcAft>
-              <a:defRPr sz="2000">
-                <a:solidFill>
-                  <a:srgbClr val="333333"/>
-                </a:solidFill>
-              </a:defRPr>
-            </a:pPr>
-            <a:r>
-              <a:t>• Symptome: Tachykardie, Fieber, Bauchschmerzen, Sepsis</a:t>
-            </a:r>
-          </a:p>
-          <a:p>
-            <a:pPr>
-              <a:spcAft>
-                <a:spcPts val="1200"/>
-              </a:spcAft>
-              <a:defRPr sz="2000">
-                <a:solidFill>
-                  <a:srgbClr val="333333"/>
-                </a:solidFill>
-              </a:defRPr>
-            </a:pPr>
-            <a:r>
-              <a:t>• Diagnose: CT mit oralem Kontrastmittel</a:t>
-            </a:r>
-          </a:p>
-          <a:p>
-            <a:pPr>
-              <a:spcAft>
-                <a:spcPts val="1200"/>
-              </a:spcAft>
-              <a:defRPr sz="2000">
-                <a:solidFill>
-                  <a:srgbClr val="333333"/>
-                </a:solidFill>
-              </a:defRPr>
-            </a:pPr>
-            <a:r>
-              <a:t>• Therapie: Drainage, Antibiotika, ggf. Re-Operation</a:t>
-            </a:r>
-          </a:p>
-          <a:p>
-            <a:pPr>
-              <a:spcAft>
-                <a:spcPts val="1200"/>
-              </a:spcAft>
-              <a:defRPr sz="2000">
-                <a:solidFill>
-                  <a:srgbClr val="333333"/>
-                </a:solidFill>
-              </a:defRPr>
-            </a:pPr>
-            <a:r>
-              <a:t>• Mortalitätsrisiko ohne Behandlung: sehr hoch</a:t>
+            <a:pPr algn="ctr">
+              <a:defRPr sz="4000" b="1">
+                <a:solidFill>
+                  <a:srgbClr val="FFFFFF"/>
+                </a:solidFill>
+              </a:defRPr>
+            </a:pPr>
+            <a:r>
+              <a:t>Frühe Postoperative Komplikationen</a:t>
             </a:r>
           </a:p>
         </p:txBody>
@@ -7376,21 +11819,101 @@
               </a:defRPr>
             </a:pPr>
             <a:r>
-              <a:t>Postoperative Blutung</a:t>
-            </a:r>
-          </a:p>
-        </p:txBody>
-      </p:sp>
-      <p:sp>
-        <p:nvSpPr>
-          <p:cNvPr id="4" name="TextBox 3"/>
+              <a:t>Anastomoseninsuffizienz</a:t>
+            </a:r>
+          </a:p>
+        </p:txBody>
+      </p:sp>
+      <p:sp>
+        <p:nvSpPr>
+          <p:cNvPr id="4" name="Isosceles Triangle 3"/>
+          <p:cNvSpPr/>
+          <p:nvPr/>
+        </p:nvSpPr>
+        <p:spPr>
+          <a:xfrm>
+            <a:off x="8046720" y="1371600"/>
+            <a:ext cx="548640" cy="548640"/>
+          </a:xfrm>
+          <a:prstGeom prst="triangle">
+            <a:avLst/>
+          </a:prstGeom>
+          <a:solidFill>
+            <a:srgbClr val="FFC107"/>
+          </a:solidFill>
+          <a:ln w="25400">
+            <a:solidFill>
+              <a:srgbClr val="C89600"/>
+            </a:solidFill>
+          </a:ln>
+        </p:spPr>
+        <p:style>
+          <a:lnRef idx="1">
+            <a:schemeClr val="accent1"/>
+          </a:lnRef>
+          <a:fillRef idx="3">
+            <a:schemeClr val="accent1"/>
+          </a:fillRef>
+          <a:effectRef idx="2">
+            <a:schemeClr val="accent1"/>
+          </a:effectRef>
+          <a:fontRef idx="minor">
+            <a:schemeClr val="lt1"/>
+          </a:fontRef>
+        </p:style>
+        <p:txBody>
+          <a:bodyPr rtlCol="0" anchor="ctr"/>
+          <a:lstStyle/>
+          <a:p>
+            <a:pPr algn="ctr"/>
+          </a:p>
+        </p:txBody>
+      </p:sp>
+      <p:sp>
+        <p:nvSpPr>
+          <p:cNvPr id="5" name="TextBox 4"/>
           <p:cNvSpPr txBox="1"/>
           <p:nvPr/>
         </p:nvSpPr>
         <p:spPr>
           <a:xfrm>
+            <a:off x="8238744" y="1508760"/>
+            <a:ext cx="164592" cy="274320"/>
+          </a:xfrm>
+          <a:prstGeom prst="rect">
+            <a:avLst/>
+          </a:prstGeom>
+          <a:noFill/>
+        </p:spPr>
+        <p:txBody>
+          <a:bodyPr wrap="none">
+            <a:spAutoFit/>
+          </a:bodyPr>
+          <a:lstStyle/>
+          <a:p>
+            <a:pPr algn="ctr">
+              <a:defRPr sz="2100" b="1">
+                <a:solidFill>
+                  <a:srgbClr val="000000"/>
+                </a:solidFill>
+              </a:defRPr>
+            </a:pPr>
+            <a:r>
+              <a:t>!</a:t>
+            </a:r>
+          </a:p>
+        </p:txBody>
+      </p:sp>
+      <p:sp>
+        <p:nvSpPr>
+          <p:cNvPr id="6" name="TextBox 5"/>
+          <p:cNvSpPr txBox="1"/>
+          <p:nvPr/>
+        </p:nvSpPr>
+        <p:spPr>
+          <a:xfrm>
             <a:off x="640080" y="1371600"/>
-            <a:ext cx="7863840" cy="5029200"/>
+            <a:ext cx="7132320" cy="5029200"/>
           </a:xfrm>
           <a:prstGeom prst="rect">
             <a:avLst/>
@@ -7414,7 +11937,7 @@
               </a:defRPr>
             </a:pPr>
             <a:r>
-              <a:t>• Inzidenz: 1-4% der Patienten</a:t>
+              <a:t>• Inzidenz: 1-5% der Fälle</a:t>
             </a:r>
           </a:p>
           <a:p>
@@ -7429,7 +11952,7 @@
               </a:defRPr>
             </a:pPr>
             <a:r>
-              <a:t>• Intraluminal (GI-Blutung) vs. Extraluminal (intraabdominal)</a:t>
+              <a:t>• Häufigste Lokalisation: Gastrojejunostomie</a:t>
             </a:r>
           </a:p>
           <a:p>
@@ -7444,7 +11967,7 @@
               </a:defRPr>
             </a:pPr>
             <a:r>
-              <a:t>• Risikofaktoren: Antikoagulation, technische Faktoren</a:t>
+              <a:t>• Symptome: Tachykardie (&gt;120/min), Fieber, Bauchschmerzen</a:t>
             </a:r>
           </a:p>
           <a:p>
@@ -7459,7 +11982,7 @@
               </a:defRPr>
             </a:pPr>
             <a:r>
-              <a:t>• Symptome: Hämatemesis, Meläna, Hämodynamische Instabilität</a:t>
+              <a:t>• Frühzeichen: Unruhe, Tachypnoe, Oligurie</a:t>
             </a:r>
           </a:p>
           <a:p>
@@ -7474,7 +11997,7 @@
               </a:defRPr>
             </a:pPr>
             <a:r>
-              <a:t>• Diagnose: Endoskopie, CT-Angiographie</a:t>
+              <a:t>• Diagnose: CT mit oralem Kontrastmittel, Methylenblau-Test</a:t>
             </a:r>
           </a:p>
           <a:p>
@@ -7489,7 +12012,22 @@
               </a:defRPr>
             </a:pPr>
             <a:r>
-              <a:t>• Therapie: Endoskopische Blutstillung, Transfusion, ggf. Re-OP</a:t>
+              <a:t>• Therapie: Drainage, Antibiotika, ggf. Re-Operation</a:t>
+            </a:r>
+          </a:p>
+          <a:p>
+            <a:pPr>
+              <a:spcAft>
+                <a:spcPts val="1200"/>
+              </a:spcAft>
+              <a:defRPr sz="2000">
+                <a:solidFill>
+                  <a:srgbClr val="333333"/>
+                </a:solidFill>
+              </a:defRPr>
+            </a:pPr>
+            <a:r>
+              <a:t>• Mortalitätsrisiko: bis zu 15% wenn unbehandelt</a:t>
             </a:r>
           </a:p>
         </p:txBody>
@@ -7585,21 +12123,193 @@
               </a:defRPr>
             </a:pPr>
             <a:r>
-              <a:t>Thromboembolische Komplikationen</a:t>
-            </a:r>
-          </a:p>
-        </p:txBody>
-      </p:sp>
-      <p:sp>
-        <p:nvSpPr>
-          <p:cNvPr id="4" name="TextBox 3"/>
+              <a:t>Postoperative Blutung</a:t>
+            </a:r>
+          </a:p>
+        </p:txBody>
+      </p:sp>
+      <p:sp>
+        <p:nvSpPr>
+          <p:cNvPr id="4" name="Oval 3"/>
+          <p:cNvSpPr/>
+          <p:nvPr/>
+        </p:nvSpPr>
+        <p:spPr>
+          <a:xfrm>
+            <a:off x="8138160" y="1508760"/>
+            <a:ext cx="457200" cy="457200"/>
+          </a:xfrm>
+          <a:prstGeom prst="ellipse">
+            <a:avLst/>
+          </a:prstGeom>
+          <a:solidFill>
+            <a:srgbClr val="B41E1E"/>
+          </a:solidFill>
+          <a:ln>
+            <a:noFill/>
+          </a:ln>
+        </p:spPr>
+        <p:style>
+          <a:lnRef idx="1">
+            <a:schemeClr val="accent1"/>
+          </a:lnRef>
+          <a:fillRef idx="3">
+            <a:schemeClr val="accent1"/>
+          </a:fillRef>
+          <a:effectRef idx="2">
+            <a:schemeClr val="accent1"/>
+          </a:effectRef>
+          <a:fontRef idx="minor">
+            <a:schemeClr val="lt1"/>
+          </a:fontRef>
+        </p:style>
+        <p:txBody>
+          <a:bodyPr rtlCol="0" anchor="ctr"/>
+          <a:lstStyle/>
+          <a:p>
+            <a:pPr algn="ctr"/>
+          </a:p>
+        </p:txBody>
+      </p:sp>
+      <p:sp>
+        <p:nvSpPr>
+          <p:cNvPr id="5" name="Isosceles Triangle 4"/>
+          <p:cNvSpPr/>
+          <p:nvPr/>
+        </p:nvSpPr>
+        <p:spPr>
+          <a:xfrm>
+            <a:off x="8252460" y="1371600"/>
+            <a:ext cx="228600" cy="228600"/>
+          </a:xfrm>
+          <a:prstGeom prst="triangle">
+            <a:avLst/>
+          </a:prstGeom>
+          <a:solidFill>
+            <a:srgbClr val="B41E1E"/>
+          </a:solidFill>
+          <a:ln>
+            <a:noFill/>
+          </a:ln>
+        </p:spPr>
+        <p:style>
+          <a:lnRef idx="1">
+            <a:schemeClr val="accent1"/>
+          </a:lnRef>
+          <a:fillRef idx="3">
+            <a:schemeClr val="accent1"/>
+          </a:fillRef>
+          <a:effectRef idx="2">
+            <a:schemeClr val="accent1"/>
+          </a:effectRef>
+          <a:fontRef idx="minor">
+            <a:schemeClr val="lt1"/>
+          </a:fontRef>
+        </p:style>
+        <p:txBody>
+          <a:bodyPr rtlCol="0" anchor="ctr"/>
+          <a:lstStyle/>
+          <a:p>
+            <a:pPr algn="ctr"/>
+          </a:p>
+        </p:txBody>
+      </p:sp>
+      <p:sp>
+        <p:nvSpPr>
+          <p:cNvPr id="6" name="Oval 5"/>
+          <p:cNvSpPr/>
+          <p:nvPr/>
+        </p:nvSpPr>
+        <p:spPr>
+          <a:xfrm>
+            <a:off x="8366760" y="1741932"/>
+            <a:ext cx="320040" cy="320040"/>
+          </a:xfrm>
+          <a:prstGeom prst="ellipse">
+            <a:avLst/>
+          </a:prstGeom>
+          <a:solidFill>
+            <a:srgbClr val="B41E1E"/>
+          </a:solidFill>
+          <a:ln>
+            <a:noFill/>
+          </a:ln>
+        </p:spPr>
+        <p:style>
+          <a:lnRef idx="1">
+            <a:schemeClr val="accent1"/>
+          </a:lnRef>
+          <a:fillRef idx="3">
+            <a:schemeClr val="accent1"/>
+          </a:fillRef>
+          <a:effectRef idx="2">
+            <a:schemeClr val="accent1"/>
+          </a:effectRef>
+          <a:fontRef idx="minor">
+            <a:schemeClr val="lt1"/>
+          </a:fontRef>
+        </p:style>
+        <p:txBody>
+          <a:bodyPr rtlCol="0" anchor="ctr"/>
+          <a:lstStyle/>
+          <a:p>
+            <a:pPr algn="ctr"/>
+          </a:p>
+        </p:txBody>
+      </p:sp>
+      <p:sp>
+        <p:nvSpPr>
+          <p:cNvPr id="7" name="Isosceles Triangle 6"/>
+          <p:cNvSpPr/>
+          <p:nvPr/>
+        </p:nvSpPr>
+        <p:spPr>
+          <a:xfrm>
+            <a:off x="8446770" y="1645920"/>
+            <a:ext cx="160020" cy="160020"/>
+          </a:xfrm>
+          <a:prstGeom prst="triangle">
+            <a:avLst/>
+          </a:prstGeom>
+          <a:solidFill>
+            <a:srgbClr val="B41E1E"/>
+          </a:solidFill>
+          <a:ln>
+            <a:noFill/>
+          </a:ln>
+        </p:spPr>
+        <p:style>
+          <a:lnRef idx="1">
+            <a:schemeClr val="accent1"/>
+          </a:lnRef>
+          <a:fillRef idx="3">
+            <a:schemeClr val="accent1"/>
+          </a:fillRef>
+          <a:effectRef idx="2">
+            <a:schemeClr val="accent1"/>
+          </a:effectRef>
+          <a:fontRef idx="minor">
+            <a:schemeClr val="lt1"/>
+          </a:fontRef>
+        </p:style>
+        <p:txBody>
+          <a:bodyPr rtlCol="0" anchor="ctr"/>
+          <a:lstStyle/>
+          <a:p>
+            <a:pPr algn="ctr"/>
+          </a:p>
+        </p:txBody>
+      </p:sp>
+      <p:sp>
+        <p:nvSpPr>
+          <p:cNvPr id="8" name="TextBox 7"/>
           <p:cNvSpPr txBox="1"/>
           <p:nvPr/>
         </p:nvSpPr>
         <p:spPr>
           <a:xfrm>
             <a:off x="640080" y="1371600"/>
-            <a:ext cx="7863840" cy="5029200"/>
+            <a:ext cx="7132320" cy="5029200"/>
           </a:xfrm>
           <a:prstGeom prst="rect">
             <a:avLst/>
@@ -7623,7 +12333,7 @@
               </a:defRPr>
             </a:pPr>
             <a:r>
-              <a:t>• Tiefe Venenthrombose (TVT): 0,3-1,2%</a:t>
+              <a:t>• Inzidenz: 1-4% der Patienten</a:t>
             </a:r>
           </a:p>
           <a:p>
@@ -7638,7 +12348,7 @@
               </a:defRPr>
             </a:pPr>
             <a:r>
-              <a:t>• Lungenembolie (LE): 0,2-1%</a:t>
+              <a:t>• Intraluminal: GI-Blutung aus Anastomose oder Klammernaht</a:t>
             </a:r>
           </a:p>
           <a:p>
@@ -7653,7 +12363,7 @@
               </a:defRPr>
             </a:pPr>
             <a:r>
-              <a:t>• Haupttodesursache nach bariatrischer Chirurgie</a:t>
+              <a:t>• Extraluminal: Intraabdominelle Blutung (Gefäße, Milz)</a:t>
             </a:r>
           </a:p>
           <a:p>
@@ -7668,7 +12378,7 @@
               </a:defRPr>
             </a:pPr>
             <a:r>
-              <a:t>• Risikofaktoren: Adipositas, Immobilisation, lange OP-Zeit</a:t>
+              <a:t>• Risikofaktoren: Antikoagulation, technische Faktoren</a:t>
             </a:r>
           </a:p>
           <a:p>
@@ -7683,7 +12393,7 @@
               </a:defRPr>
             </a:pPr>
             <a:r>
-              <a:t>• Prävention: Frühmobilisation, Kompressionsstrümpfe, Heparin</a:t>
+              <a:t>• Symptome: Hämatemesis, Meläna, hämodynamische Instabilität</a:t>
             </a:r>
           </a:p>
           <a:p>
@@ -7698,7 +12408,22 @@
               </a:defRPr>
             </a:pPr>
             <a:r>
-              <a:t>• Therapie: Antikoagulation, ggf. Lyse oder Thrombektomie</a:t>
+              <a:t>• Diagnose: Endoskopie, CT-Angiographie</a:t>
+            </a:r>
+          </a:p>
+          <a:p>
+            <a:pPr>
+              <a:spcAft>
+                <a:spcPts val="1200"/>
+              </a:spcAft>
+              <a:defRPr sz="2000">
+                <a:solidFill>
+                  <a:srgbClr val="333333"/>
+                </a:solidFill>
+              </a:defRPr>
+            </a:pPr>
+            <a:r>
+              <a:t>• Therapie: Endoskopische Blutstillung, Transfusion, ggf. Re-OP</a:t>
             </a:r>
           </a:p>
         </p:txBody>
@@ -7794,21 +12519,64 @@
               </a:defRPr>
             </a:pPr>
             <a:r>
-              <a:t>Infektiöse Komplikationen</a:t>
-            </a:r>
-          </a:p>
-        </p:txBody>
-      </p:sp>
-      <p:sp>
-        <p:nvSpPr>
-          <p:cNvPr id="4" name="TextBox 3"/>
+              <a:t>Thromboembolische Komplikationen</a:t>
+            </a:r>
+          </a:p>
+        </p:txBody>
+      </p:sp>
+      <p:sp>
+        <p:nvSpPr>
+          <p:cNvPr id="4" name="Heart 3"/>
+          <p:cNvSpPr/>
+          <p:nvPr/>
+        </p:nvSpPr>
+        <p:spPr>
+          <a:xfrm>
+            <a:off x="8046720" y="1371600"/>
+            <a:ext cx="640080" cy="640080"/>
+          </a:xfrm>
+          <a:prstGeom prst="heart">
+            <a:avLst/>
+          </a:prstGeom>
+          <a:solidFill>
+            <a:srgbClr val="DC3545"/>
+          </a:solidFill>
+          <a:ln>
+            <a:noFill/>
+          </a:ln>
+        </p:spPr>
+        <p:style>
+          <a:lnRef idx="1">
+            <a:schemeClr val="accent1"/>
+          </a:lnRef>
+          <a:fillRef idx="3">
+            <a:schemeClr val="accent1"/>
+          </a:fillRef>
+          <a:effectRef idx="2">
+            <a:schemeClr val="accent1"/>
+          </a:effectRef>
+          <a:fontRef idx="minor">
+            <a:schemeClr val="lt1"/>
+          </a:fontRef>
+        </p:style>
+        <p:txBody>
+          <a:bodyPr rtlCol="0" anchor="ctr"/>
+          <a:lstStyle/>
+          <a:p>
+            <a:pPr algn="ctr"/>
+          </a:p>
+        </p:txBody>
+      </p:sp>
+      <p:sp>
+        <p:nvSpPr>
+          <p:cNvPr id="5" name="TextBox 4"/>
           <p:cNvSpPr txBox="1"/>
           <p:nvPr/>
         </p:nvSpPr>
         <p:spPr>
           <a:xfrm>
             <a:off x="640080" y="1371600"/>
-            <a:ext cx="7863840" cy="5029200"/>
+            <a:ext cx="7132320" cy="5029200"/>
           </a:xfrm>
           <a:prstGeom prst="rect">
             <a:avLst/>
@@ -7832,7 +12600,7 @@
               </a:defRPr>
             </a:pPr>
             <a:r>
-              <a:t>• Wundinfektion: 2-8% (seltener bei laparoskopischem Zugang)</a:t>
+              <a:t>• Tiefe Venenthrombose (TVT): 0,3-1,2%</a:t>
             </a:r>
           </a:p>
           <a:p>
@@ -7847,7 +12615,7 @@
               </a:defRPr>
             </a:pPr>
             <a:r>
-              <a:t>• Intraabdomineller Abszess: 1-2%</a:t>
+              <a:t>• Lungenembolie (LE): 0,2-1% – Haupttodesursache!</a:t>
             </a:r>
           </a:p>
           <a:p>
@@ -7862,7 +12630,7 @@
               </a:defRPr>
             </a:pPr>
             <a:r>
-              <a:t>• Pneumonie: 0,5-2%</a:t>
+              <a:t>• Pathophysiologie: Virchow-Trias verstärkt bei Adipositas</a:t>
             </a:r>
           </a:p>
           <a:p>
@@ -7877,7 +12645,7 @@
               </a:defRPr>
             </a:pPr>
             <a:r>
-              <a:t>• Risikofaktoren: Diabetes, Immunsuppression, lange OP-Dauer</a:t>
+              <a:t>• Risikofaktoren: BMI &gt;50, Immobilisation, lange OP-Zeit</a:t>
             </a:r>
           </a:p>
           <a:p>
@@ -7892,7 +12660,7 @@
               </a:defRPr>
             </a:pPr>
             <a:r>
-              <a:t>• Prävention: Perioperative Antibiotikaprophylaxe</a:t>
+              <a:t>• Prävention: Frühmobilisation, Kompressionsstrümpfe</a:t>
             </a:r>
           </a:p>
           <a:p>
@@ -7907,7 +12675,22 @@
               </a:defRPr>
             </a:pPr>
             <a:r>
-              <a:t>• Therapie: Antibiotika, Drainage, Wundpflege</a:t>
+              <a:t>• Medikamentös: NMH präoperativ beginnen</a:t>
+            </a:r>
+          </a:p>
+          <a:p>
+            <a:pPr>
+              <a:spcAft>
+                <a:spcPts val="1200"/>
+              </a:spcAft>
+              <a:defRPr sz="2000">
+                <a:solidFill>
+                  <a:srgbClr val="333333"/>
+                </a:solidFill>
+              </a:defRPr>
+            </a:pPr>
+            <a:r>
+              <a:t>• Therapie: Antikoagulation, ggf. Lyse oder Thrombektomie</a:t>
             </a:r>
           </a:p>
         </p:txBody>
